--- a/PresentationFinalePetitesPuces.pptx
+++ b/PresentationFinalePetitesPuces.pptx
@@ -5,10 +5,10 @@
     <p:sldMasterId id="2147483672" r:id="rId1"/>
   </p:sldMasterIdLst>
   <p:notesMasterIdLst>
-    <p:notesMasterId r:id="rId10"/>
+    <p:notesMasterId r:id="rId25"/>
   </p:notesMasterIdLst>
   <p:handoutMasterIdLst>
-    <p:handoutMasterId r:id="rId11"/>
+    <p:handoutMasterId r:id="rId26"/>
   </p:handoutMasterIdLst>
   <p:sldIdLst>
     <p:sldId id="256" r:id="rId2"/>
@@ -17,8 +17,23 @@
     <p:sldId id="264" r:id="rId5"/>
     <p:sldId id="265" r:id="rId6"/>
     <p:sldId id="266" r:id="rId7"/>
-    <p:sldId id="258" r:id="rId8"/>
-    <p:sldId id="260" r:id="rId9"/>
+    <p:sldId id="267" r:id="rId8"/>
+    <p:sldId id="268" r:id="rId9"/>
+    <p:sldId id="269" r:id="rId10"/>
+    <p:sldId id="270" r:id="rId11"/>
+    <p:sldId id="271" r:id="rId12"/>
+    <p:sldId id="272" r:id="rId13"/>
+    <p:sldId id="273" r:id="rId14"/>
+    <p:sldId id="274" r:id="rId15"/>
+    <p:sldId id="275" r:id="rId16"/>
+    <p:sldId id="276" r:id="rId17"/>
+    <p:sldId id="277" r:id="rId18"/>
+    <p:sldId id="278" r:id="rId19"/>
+    <p:sldId id="279" r:id="rId20"/>
+    <p:sldId id="280" r:id="rId21"/>
+    <p:sldId id="281" r:id="rId22"/>
+    <p:sldId id="282" r:id="rId23"/>
+    <p:sldId id="260" r:id="rId24"/>
   </p:sldIdLst>
   <p:sldSz cx="12192000" cy="6858000"/>
   <p:notesSz cx="6858000" cy="9144000"/>
@@ -224,7 +239,7 @@
             <a:pPr rtl="0"/>
             <a:fld id="{7DBF19E4-4E2A-4396-A92F-3CC2B92F092E}" type="datetime1">
               <a:rPr lang="fr-CA" smtClean="0"/>
-              <a:t>2024-03-11</a:t>
+              <a:t>2024-03-12</a:t>
             </a:fld>
             <a:endParaRPr lang="fr-CA"/>
           </a:p>
@@ -406,7 +421,7 @@
             <a:pPr rtl="0"/>
             <a:fld id="{9346EBE1-9A9B-4CE4-B6E9-C1C7D0B94CE8}" type="datetime1">
               <a:rPr lang="fr-CA" noProof="0" smtClean="0"/>
-              <a:t>2024-03-11</a:t>
+              <a:t>2024-03-12</a:t>
             </a:fld>
             <a:endParaRPr lang="fr-CA" noProof="0"/>
           </a:p>
@@ -782,7 +797,7 @@
       </p:grpSpPr>
       <p:sp>
         <p:nvSpPr>
-          <p:cNvPr id="2" name="Espace réservé de l'image des diapositives 1"/>
+          <p:cNvPr id="2" name="Espace réservé de l’image des diapositives 1"/>
           <p:cNvSpPr>
             <a:spLocks noGrp="1" noRot="1" noChangeAspect="1"/>
           </p:cNvSpPr>
@@ -794,7 +809,7 @@
       </p:sp>
       <p:sp>
         <p:nvSpPr>
-          <p:cNvPr id="3" name="Espace réservé des notes 2"/>
+          <p:cNvPr id="3" name="Espace réservé des rétroaction 2"/>
           <p:cNvSpPr>
             <a:spLocks noGrp="1"/>
           </p:cNvSpPr>
@@ -804,9 +819,10 @@
         </p:nvSpPr>
         <p:spPr/>
         <p:txBody>
-          <a:bodyPr/>
+          <a:bodyPr rtlCol="0"/>
           <a:lstStyle/>
           <a:p>
+            <a:pPr rtl="0"/>
             <a:endParaRPr lang="fr-CA"/>
           </a:p>
         </p:txBody>
@@ -823,99 +839,13 @@
         </p:nvSpPr>
         <p:spPr/>
         <p:txBody>
-          <a:bodyPr/>
+          <a:bodyPr rtlCol="0"/>
           <a:lstStyle/>
           <a:p>
             <a:pPr rtl="0"/>
             <a:fld id="{C6B3AB32-59DF-41F1-9618-EDFBF5049629}" type="slidenum">
               <a:rPr lang="fr-CA" smtClean="0"/>
-              <a:t>7</a:t>
-            </a:fld>
-            <a:endParaRPr lang="fr-CA"/>
-          </a:p>
-        </p:txBody>
-      </p:sp>
-    </p:spTree>
-    <p:extLst>
-      <p:ext uri="{BB962C8B-B14F-4D97-AF65-F5344CB8AC3E}">
-        <p14:creationId xmlns:p14="http://schemas.microsoft.com/office/powerpoint/2010/main" val="3410334788"/>
-      </p:ext>
-    </p:extLst>
-  </p:cSld>
-  <p:clrMapOvr>
-    <a:masterClrMapping/>
-  </p:clrMapOvr>
-</p:notes>
-</file>
-
-<file path=ppt/notesSlides/notesSlide3.xml><?xml version="1.0" encoding="utf-8"?>
-<p:notes xmlns:a="http://schemas.openxmlformats.org/drawingml/2006/main" xmlns:r="http://schemas.openxmlformats.org/officeDocument/2006/relationships" xmlns:p="http://schemas.openxmlformats.org/presentationml/2006/main">
-  <p:cSld>
-    <p:spTree>
-      <p:nvGrpSpPr>
-        <p:cNvPr id="1" name=""/>
-        <p:cNvGrpSpPr/>
-        <p:nvPr/>
-      </p:nvGrpSpPr>
-      <p:grpSpPr>
-        <a:xfrm>
-          <a:off x="0" y="0"/>
-          <a:ext cx="0" cy="0"/>
-          <a:chOff x="0" y="0"/>
-          <a:chExt cx="0" cy="0"/>
-        </a:xfrm>
-      </p:grpSpPr>
-      <p:sp>
-        <p:nvSpPr>
-          <p:cNvPr id="2" name="Espace réservé de l’image des diapositives 1"/>
-          <p:cNvSpPr>
-            <a:spLocks noGrp="1" noRot="1" noChangeAspect="1"/>
-          </p:cNvSpPr>
-          <p:nvPr>
-            <p:ph type="sldImg"/>
-          </p:nvPr>
-        </p:nvSpPr>
-        <p:spPr/>
-      </p:sp>
-      <p:sp>
-        <p:nvSpPr>
-          <p:cNvPr id="3" name="Espace réservé des rétroaction 2"/>
-          <p:cNvSpPr>
-            <a:spLocks noGrp="1"/>
-          </p:cNvSpPr>
-          <p:nvPr>
-            <p:ph type="body" idx="1"/>
-          </p:nvPr>
-        </p:nvSpPr>
-        <p:spPr/>
-        <p:txBody>
-          <a:bodyPr rtlCol="0"/>
-          <a:lstStyle/>
-          <a:p>
-            <a:pPr rtl="0"/>
-            <a:endParaRPr lang="fr-CA"/>
-          </a:p>
-        </p:txBody>
-      </p:sp>
-      <p:sp>
-        <p:nvSpPr>
-          <p:cNvPr id="4" name="Espace réservé du numéro de diapositive 3"/>
-          <p:cNvSpPr>
-            <a:spLocks noGrp="1"/>
-          </p:cNvSpPr>
-          <p:nvPr>
-            <p:ph type="sldNum" sz="quarter" idx="5"/>
-          </p:nvPr>
-        </p:nvSpPr>
-        <p:spPr/>
-        <p:txBody>
-          <a:bodyPr rtlCol="0"/>
-          <a:lstStyle/>
-          <a:p>
-            <a:pPr rtl="0"/>
-            <a:fld id="{C6B3AB32-59DF-41F1-9618-EDFBF5049629}" type="slidenum">
-              <a:rPr lang="fr-CA" smtClean="0"/>
-              <a:t>8</a:t>
+              <a:t>23</a:t>
             </a:fld>
             <a:endParaRPr lang="fr-CA"/>
           </a:p>
@@ -1182,7 +1112,7 @@
             <a:pPr rtl="0"/>
             <a:fld id="{4FFAA6BC-4A7F-4521-841E-1EC5462921CA}" type="datetime1">
               <a:rPr lang="fr-CA" noProof="0" smtClean="0"/>
-              <a:t>2024-03-11</a:t>
+              <a:t>2024-03-12</a:t>
             </a:fld>
             <a:endParaRPr lang="fr-CA" noProof="0"/>
           </a:p>
@@ -1448,7 +1378,7 @@
             <a:pPr rtl="0"/>
             <a:fld id="{C901EC8E-26E4-4A1B-826E-C6BF79B0C868}" type="datetime1">
               <a:rPr lang="fr-CA" noProof="0" smtClean="0"/>
-              <a:t>2024-03-11</a:t>
+              <a:t>2024-03-12</a:t>
             </a:fld>
             <a:endParaRPr lang="fr-CA" noProof="0"/>
           </a:p>
@@ -1687,7 +1617,7 @@
             <a:pPr rtl="0"/>
             <a:fld id="{E1EF91C8-D2BB-45F2-BB70-09CC2B656364}" type="datetime1">
               <a:rPr lang="fr-CA" noProof="0" smtClean="0"/>
-              <a:t>2024-03-11</a:t>
+              <a:t>2024-03-12</a:t>
             </a:fld>
             <a:endParaRPr lang="fr-CA" noProof="0"/>
           </a:p>
@@ -1931,7 +1861,7 @@
             <a:pPr rtl="0"/>
             <a:fld id="{4B064676-A4F4-415A-B01C-DE09361A4009}" type="datetime1">
               <a:rPr lang="fr-CA" noProof="0" smtClean="0"/>
-              <a:t>2024-03-11</a:t>
+              <a:t>2024-03-12</a:t>
             </a:fld>
             <a:endParaRPr lang="fr-CA" noProof="0"/>
           </a:p>
@@ -2243,7 +2173,7 @@
             <a:pPr rtl="0"/>
             <a:fld id="{ED388A54-7488-49CB-9D43-A3CA995D7F73}" type="datetime1">
               <a:rPr lang="fr-CA" noProof="0" smtClean="0"/>
-              <a:t>2024-03-11</a:t>
+              <a:t>2024-03-12</a:t>
             </a:fld>
             <a:endParaRPr lang="fr-CA" noProof="0"/>
           </a:p>
@@ -2548,7 +2478,7 @@
             <a:pPr rtl="0"/>
             <a:fld id="{0B1FD366-F4E4-41C7-B444-5E07E4A7DCF4}" type="datetime1">
               <a:rPr lang="fr-CA" noProof="0" smtClean="0"/>
-              <a:t>2024-03-11</a:t>
+              <a:t>2024-03-12</a:t>
             </a:fld>
             <a:endParaRPr lang="fr-CA" noProof="0"/>
           </a:p>
@@ -2973,7 +2903,7 @@
             <a:pPr rtl="0"/>
             <a:fld id="{EB09DB98-4F04-4FEE-B113-494798A00B0E}" type="datetime1">
               <a:rPr lang="fr-CA" noProof="0" smtClean="0"/>
-              <a:t>2024-03-11</a:t>
+              <a:t>2024-03-12</a:t>
             </a:fld>
             <a:endParaRPr lang="fr-CA" noProof="0"/>
           </a:p>
@@ -3072,7 +3002,7 @@
             <a:pPr rtl="0"/>
             <a:fld id="{ABEAC922-AD9B-47CB-B8DF-2F9663F72BB4}" type="datetime1">
               <a:rPr lang="fr-CA" noProof="0" smtClean="0"/>
-              <a:t>2024-03-11</a:t>
+              <a:t>2024-03-12</a:t>
             </a:fld>
             <a:endParaRPr lang="fr-CA" noProof="0"/>
           </a:p>
@@ -3239,7 +3169,7 @@
             <a:pPr rtl="0"/>
             <a:fld id="{AF3E32E0-D306-4986-92F0-FDC6BE136521}" type="datetime1">
               <a:rPr lang="fr-CA" noProof="0" smtClean="0"/>
-              <a:t>2024-03-11</a:t>
+              <a:t>2024-03-12</a:t>
             </a:fld>
             <a:endParaRPr lang="fr-CA" noProof="0"/>
           </a:p>
@@ -3621,7 +3551,7 @@
             <a:pPr rtl="0"/>
             <a:fld id="{22DA08C4-8F73-44A7-ACE3-24FFA5F0B485}" type="datetime1">
               <a:rPr lang="fr-CA" noProof="0" smtClean="0"/>
-              <a:t>2024-03-11</a:t>
+              <a:t>2024-03-12</a:t>
             </a:fld>
             <a:endParaRPr lang="fr-CA" noProof="0"/>
           </a:p>
@@ -3915,7 +3845,7 @@
             <a:pPr rtl="0"/>
             <a:fld id="{D3695583-582A-4C62-AD9A-1F1259272DB4}" type="datetime1">
               <a:rPr lang="fr-CA" noProof="0" smtClean="0"/>
-              <a:t>2024-03-11</a:t>
+              <a:t>2024-03-12</a:t>
             </a:fld>
             <a:endParaRPr lang="fr-CA" noProof="0"/>
           </a:p>
@@ -4129,7 +4059,7 @@
             <a:pPr rtl="0"/>
             <a:fld id="{7D445B93-B1D5-4372-B40F-550C69A4BBFB}" type="datetime1">
               <a:rPr lang="fr-CA" noProof="0" smtClean="0"/>
-              <a:t>2024-03-11</a:t>
+              <a:t>2024-03-12</a:t>
             </a:fld>
             <a:endParaRPr lang="fr-CA" noProof="0"/>
           </a:p>
@@ -5206,6 +5136,2407 @@
 </p:sld>
 </file>
 
+<file path=ppt/slides/slide10.xml><?xml version="1.0" encoding="utf-8"?>
+<p:sld xmlns:a="http://schemas.openxmlformats.org/drawingml/2006/main" xmlns:r="http://schemas.openxmlformats.org/officeDocument/2006/relationships" xmlns:p="http://schemas.openxmlformats.org/presentationml/2006/main">
+  <p:cSld>
+    <p:bg>
+      <p:bgPr>
+        <a:gradFill>
+          <a:gsLst>
+            <a:gs pos="0">
+              <a:schemeClr val="tx1"/>
+            </a:gs>
+            <a:gs pos="32000">
+              <a:schemeClr val="accent1"/>
+            </a:gs>
+            <a:gs pos="84000">
+              <a:schemeClr val="accent1">
+                <a:lumMod val="60000"/>
+                <a:lumOff val="40000"/>
+              </a:schemeClr>
+            </a:gs>
+            <a:gs pos="100000">
+              <a:schemeClr val="accent1">
+                <a:lumMod val="30000"/>
+                <a:lumOff val="70000"/>
+              </a:schemeClr>
+            </a:gs>
+          </a:gsLst>
+          <a:lin ang="2700000" scaled="0"/>
+        </a:gradFill>
+        <a:effectLst/>
+      </p:bgPr>
+    </p:bg>
+    <p:spTree>
+      <p:nvGrpSpPr>
+        <p:cNvPr id="1" name=""/>
+        <p:cNvGrpSpPr/>
+        <p:nvPr/>
+      </p:nvGrpSpPr>
+      <p:grpSpPr>
+        <a:xfrm>
+          <a:off x="0" y="0"/>
+          <a:ext cx="0" cy="0"/>
+          <a:chOff x="0" y="0"/>
+          <a:chExt cx="0" cy="0"/>
+        </a:xfrm>
+      </p:grpSpPr>
+      <p:sp>
+        <p:nvSpPr>
+          <p:cNvPr id="2" name="Titre 1">
+            <a:extLst>
+              <a:ext uri="{FF2B5EF4-FFF2-40B4-BE49-F238E27FC236}">
+                <a16:creationId xmlns:a16="http://schemas.microsoft.com/office/drawing/2014/main" id="{755DF42A-8543-C04A-462C-622143E845F6}"/>
+              </a:ext>
+            </a:extLst>
+          </p:cNvPr>
+          <p:cNvSpPr>
+            <a:spLocks noGrp="1"/>
+          </p:cNvSpPr>
+          <p:nvPr>
+            <p:ph type="title"/>
+          </p:nvPr>
+        </p:nvSpPr>
+        <p:spPr/>
+        <p:txBody>
+          <a:bodyPr/>
+          <a:lstStyle/>
+          <a:p>
+            <a:r>
+              <a:rPr lang="fr-CA" dirty="0"/>
+              <a:t>Vendeur</a:t>
+            </a:r>
+          </a:p>
+        </p:txBody>
+      </p:sp>
+      <p:sp>
+        <p:nvSpPr>
+          <p:cNvPr id="3" name="Espace réservé du contenu 2">
+            <a:extLst>
+              <a:ext uri="{FF2B5EF4-FFF2-40B4-BE49-F238E27FC236}">
+                <a16:creationId xmlns:a16="http://schemas.microsoft.com/office/drawing/2014/main" id="{B477FFD7-128D-83FF-C7CB-A7842148A65E}"/>
+              </a:ext>
+            </a:extLst>
+          </p:cNvPr>
+          <p:cNvSpPr>
+            <a:spLocks noGrp="1"/>
+          </p:cNvSpPr>
+          <p:nvPr>
+            <p:ph idx="1"/>
+          </p:nvPr>
+        </p:nvSpPr>
+        <p:spPr>
+          <a:xfrm>
+            <a:off x="581192" y="1857676"/>
+            <a:ext cx="11029615" cy="4899259"/>
+          </a:xfrm>
+        </p:spPr>
+        <p:txBody>
+          <a:bodyPr/>
+          <a:lstStyle/>
+          <a:p>
+            <a:r>
+              <a:rPr lang="fr-CA" dirty="0">
+                <a:solidFill>
+                  <a:schemeClr val="bg1"/>
+                </a:solidFill>
+              </a:rPr>
+              <a:t>Modification du profil:</a:t>
+            </a:r>
+          </a:p>
+          <a:p>
+            <a:pPr marL="324000" lvl="1" indent="0">
+              <a:buNone/>
+            </a:pPr>
+            <a:endParaRPr lang="fr-CA" dirty="0">
+              <a:solidFill>
+                <a:schemeClr val="bg1"/>
+              </a:solidFill>
+            </a:endParaRPr>
+          </a:p>
+          <a:p>
+            <a:pPr marL="324000" lvl="1" indent="0">
+              <a:buNone/>
+            </a:pPr>
+            <a:endParaRPr lang="fr-CA" dirty="0">
+              <a:solidFill>
+                <a:schemeClr val="bg1"/>
+              </a:solidFill>
+            </a:endParaRPr>
+          </a:p>
+          <a:p>
+            <a:pPr marL="324000" lvl="1" indent="0">
+              <a:buNone/>
+            </a:pPr>
+            <a:endParaRPr lang="fr-CA" dirty="0">
+              <a:solidFill>
+                <a:schemeClr val="bg1"/>
+              </a:solidFill>
+            </a:endParaRPr>
+          </a:p>
+          <a:p>
+            <a:pPr lvl="1"/>
+            <a:endParaRPr lang="fr-CA" dirty="0">
+              <a:solidFill>
+                <a:schemeClr val="bg1"/>
+              </a:solidFill>
+            </a:endParaRPr>
+          </a:p>
+          <a:p>
+            <a:pPr lvl="1"/>
+            <a:endParaRPr lang="fr-CA" dirty="0">
+              <a:solidFill>
+                <a:schemeClr val="bg1"/>
+              </a:solidFill>
+            </a:endParaRPr>
+          </a:p>
+          <a:p>
+            <a:pPr lvl="1"/>
+            <a:endParaRPr lang="fr-CA" dirty="0">
+              <a:solidFill>
+                <a:schemeClr val="bg1"/>
+              </a:solidFill>
+            </a:endParaRPr>
+          </a:p>
+          <a:p>
+            <a:pPr lvl="1"/>
+            <a:endParaRPr lang="fr-CA" dirty="0">
+              <a:solidFill>
+                <a:schemeClr val="bg1"/>
+              </a:solidFill>
+            </a:endParaRPr>
+          </a:p>
+          <a:p>
+            <a:pPr lvl="1"/>
+            <a:endParaRPr lang="fr-CA" dirty="0">
+              <a:solidFill>
+                <a:schemeClr val="bg1"/>
+              </a:solidFill>
+            </a:endParaRPr>
+          </a:p>
+          <a:p>
+            <a:pPr lvl="1"/>
+            <a:endParaRPr lang="fr-CA" dirty="0">
+              <a:solidFill>
+                <a:schemeClr val="bg1"/>
+              </a:solidFill>
+            </a:endParaRPr>
+          </a:p>
+          <a:p>
+            <a:pPr lvl="1"/>
+            <a:endParaRPr lang="fr-CA" dirty="0">
+              <a:solidFill>
+                <a:schemeClr val="bg1"/>
+              </a:solidFill>
+            </a:endParaRPr>
+          </a:p>
+          <a:p>
+            <a:pPr lvl="1"/>
+            <a:endParaRPr lang="fr-CA" dirty="0">
+              <a:solidFill>
+                <a:schemeClr val="bg1"/>
+              </a:solidFill>
+            </a:endParaRPr>
+          </a:p>
+          <a:p>
+            <a:pPr lvl="1"/>
+            <a:endParaRPr lang="fr-CA" dirty="0">
+              <a:solidFill>
+                <a:schemeClr val="bg1"/>
+              </a:solidFill>
+            </a:endParaRPr>
+          </a:p>
+        </p:txBody>
+      </p:sp>
+      <p:pic>
+        <p:nvPicPr>
+          <p:cNvPr id="5" name="Image 4">
+            <a:extLst>
+              <a:ext uri="{FF2B5EF4-FFF2-40B4-BE49-F238E27FC236}">
+                <a16:creationId xmlns:a16="http://schemas.microsoft.com/office/drawing/2014/main" id="{0BFDA608-BB99-FE20-A568-4050F51C236B}"/>
+              </a:ext>
+            </a:extLst>
+          </p:cNvPr>
+          <p:cNvPicPr>
+            <a:picLocks noChangeAspect="1"/>
+          </p:cNvPicPr>
+          <p:nvPr/>
+        </p:nvPicPr>
+        <p:blipFill>
+          <a:blip r:embed="rId2"/>
+          <a:stretch>
+            <a:fillRect/>
+          </a:stretch>
+        </p:blipFill>
+        <p:spPr>
+          <a:xfrm>
+            <a:off x="258829" y="2345716"/>
+            <a:ext cx="11674341" cy="705492"/>
+          </a:xfrm>
+          <a:prstGeom prst="rect">
+            <a:avLst/>
+          </a:prstGeom>
+        </p:spPr>
+      </p:pic>
+      <p:sp>
+        <p:nvSpPr>
+          <p:cNvPr id="8" name="Ellipse 7">
+            <a:extLst>
+              <a:ext uri="{FF2B5EF4-FFF2-40B4-BE49-F238E27FC236}">
+                <a16:creationId xmlns:a16="http://schemas.microsoft.com/office/drawing/2014/main" id="{851FE607-ED52-85A0-3C55-39C8D5E55A54}"/>
+              </a:ext>
+            </a:extLst>
+          </p:cNvPr>
+          <p:cNvSpPr/>
+          <p:nvPr/>
+        </p:nvSpPr>
+        <p:spPr>
+          <a:xfrm>
+            <a:off x="10886171" y="2502568"/>
+            <a:ext cx="344520" cy="327259"/>
+          </a:xfrm>
+          <a:prstGeom prst="ellipse">
+            <a:avLst/>
+          </a:prstGeom>
+          <a:noFill/>
+          <a:ln>
+            <a:solidFill>
+              <a:schemeClr val="tx1"/>
+            </a:solidFill>
+          </a:ln>
+        </p:spPr>
+        <p:style>
+          <a:lnRef idx="2">
+            <a:schemeClr val="accent1">
+              <a:shade val="15000"/>
+            </a:schemeClr>
+          </a:lnRef>
+          <a:fillRef idx="1">
+            <a:schemeClr val="accent1"/>
+          </a:fillRef>
+          <a:effectRef idx="0">
+            <a:schemeClr val="accent1"/>
+          </a:effectRef>
+          <a:fontRef idx="minor">
+            <a:schemeClr val="lt1"/>
+          </a:fontRef>
+        </p:style>
+        <p:txBody>
+          <a:bodyPr rtlCol="0" anchor="ctr"/>
+          <a:lstStyle/>
+          <a:p>
+            <a:pPr algn="ctr"/>
+            <a:endParaRPr lang="fr-CA"/>
+          </a:p>
+        </p:txBody>
+      </p:sp>
+      <p:pic>
+        <p:nvPicPr>
+          <p:cNvPr id="10" name="Image 9">
+            <a:extLst>
+              <a:ext uri="{FF2B5EF4-FFF2-40B4-BE49-F238E27FC236}">
+                <a16:creationId xmlns:a16="http://schemas.microsoft.com/office/drawing/2014/main" id="{4F414A62-DEB4-9D72-33EE-16F277A11021}"/>
+              </a:ext>
+            </a:extLst>
+          </p:cNvPr>
+          <p:cNvPicPr>
+            <a:picLocks noChangeAspect="1"/>
+          </p:cNvPicPr>
+          <p:nvPr/>
+        </p:nvPicPr>
+        <p:blipFill>
+          <a:blip r:embed="rId3"/>
+          <a:stretch>
+            <a:fillRect/>
+          </a:stretch>
+        </p:blipFill>
+        <p:spPr>
+          <a:xfrm>
+            <a:off x="484940" y="3268168"/>
+            <a:ext cx="6031364" cy="3416069"/>
+          </a:xfrm>
+          <a:prstGeom prst="rect">
+            <a:avLst/>
+          </a:prstGeom>
+        </p:spPr>
+      </p:pic>
+    </p:spTree>
+    <p:extLst>
+      <p:ext uri="{BB962C8B-B14F-4D97-AF65-F5344CB8AC3E}">
+        <p14:creationId xmlns:p14="http://schemas.microsoft.com/office/powerpoint/2010/main" val="1266812653"/>
+      </p:ext>
+    </p:extLst>
+  </p:cSld>
+  <p:clrMapOvr>
+    <a:masterClrMapping/>
+  </p:clrMapOvr>
+</p:sld>
+</file>
+
+<file path=ppt/slides/slide11.xml><?xml version="1.0" encoding="utf-8"?>
+<p:sld xmlns:a="http://schemas.openxmlformats.org/drawingml/2006/main" xmlns:r="http://schemas.openxmlformats.org/officeDocument/2006/relationships" xmlns:p="http://schemas.openxmlformats.org/presentationml/2006/main">
+  <p:cSld>
+    <p:bg>
+      <p:bgPr>
+        <a:gradFill>
+          <a:gsLst>
+            <a:gs pos="0">
+              <a:schemeClr val="tx1"/>
+            </a:gs>
+            <a:gs pos="32000">
+              <a:schemeClr val="accent1"/>
+            </a:gs>
+            <a:gs pos="84000">
+              <a:schemeClr val="accent1">
+                <a:lumMod val="60000"/>
+                <a:lumOff val="40000"/>
+              </a:schemeClr>
+            </a:gs>
+            <a:gs pos="100000">
+              <a:schemeClr val="accent1">
+                <a:lumMod val="30000"/>
+                <a:lumOff val="70000"/>
+              </a:schemeClr>
+            </a:gs>
+          </a:gsLst>
+          <a:lin ang="2700000" scaled="0"/>
+        </a:gradFill>
+        <a:effectLst/>
+      </p:bgPr>
+    </p:bg>
+    <p:spTree>
+      <p:nvGrpSpPr>
+        <p:cNvPr id="1" name=""/>
+        <p:cNvGrpSpPr/>
+        <p:nvPr/>
+      </p:nvGrpSpPr>
+      <p:grpSpPr>
+        <a:xfrm>
+          <a:off x="0" y="0"/>
+          <a:ext cx="0" cy="0"/>
+          <a:chOff x="0" y="0"/>
+          <a:chExt cx="0" cy="0"/>
+        </a:xfrm>
+      </p:grpSpPr>
+      <p:sp>
+        <p:nvSpPr>
+          <p:cNvPr id="2" name="Titre 1">
+            <a:extLst>
+              <a:ext uri="{FF2B5EF4-FFF2-40B4-BE49-F238E27FC236}">
+                <a16:creationId xmlns:a16="http://schemas.microsoft.com/office/drawing/2014/main" id="{755DF42A-8543-C04A-462C-622143E845F6}"/>
+              </a:ext>
+            </a:extLst>
+          </p:cNvPr>
+          <p:cNvSpPr>
+            <a:spLocks noGrp="1"/>
+          </p:cNvSpPr>
+          <p:nvPr>
+            <p:ph type="title"/>
+          </p:nvPr>
+        </p:nvSpPr>
+        <p:spPr/>
+        <p:txBody>
+          <a:bodyPr/>
+          <a:lstStyle/>
+          <a:p>
+            <a:r>
+              <a:rPr lang="fr-CA" dirty="0"/>
+              <a:t>Vendeur</a:t>
+            </a:r>
+          </a:p>
+        </p:txBody>
+      </p:sp>
+      <p:sp>
+        <p:nvSpPr>
+          <p:cNvPr id="3" name="Espace réservé du contenu 2">
+            <a:extLst>
+              <a:ext uri="{FF2B5EF4-FFF2-40B4-BE49-F238E27FC236}">
+                <a16:creationId xmlns:a16="http://schemas.microsoft.com/office/drawing/2014/main" id="{B477FFD7-128D-83FF-C7CB-A7842148A65E}"/>
+              </a:ext>
+            </a:extLst>
+          </p:cNvPr>
+          <p:cNvSpPr>
+            <a:spLocks noGrp="1"/>
+          </p:cNvSpPr>
+          <p:nvPr>
+            <p:ph idx="1"/>
+          </p:nvPr>
+        </p:nvSpPr>
+        <p:spPr>
+          <a:xfrm>
+            <a:off x="581193" y="1857677"/>
+            <a:ext cx="2704454" cy="519764"/>
+          </a:xfrm>
+        </p:spPr>
+        <p:txBody>
+          <a:bodyPr/>
+          <a:lstStyle/>
+          <a:p>
+            <a:r>
+              <a:rPr lang="fr-CA" dirty="0">
+                <a:solidFill>
+                  <a:schemeClr val="bg1"/>
+                </a:solidFill>
+              </a:rPr>
+              <a:t>Ajout de produit:</a:t>
+            </a:r>
+          </a:p>
+        </p:txBody>
+      </p:sp>
+      <p:pic>
+        <p:nvPicPr>
+          <p:cNvPr id="6" name="Image 5">
+            <a:extLst>
+              <a:ext uri="{FF2B5EF4-FFF2-40B4-BE49-F238E27FC236}">
+                <a16:creationId xmlns:a16="http://schemas.microsoft.com/office/drawing/2014/main" id="{A8F0D98E-2F6F-699C-0B50-A1194C3CC2D8}"/>
+              </a:ext>
+            </a:extLst>
+          </p:cNvPr>
+          <p:cNvPicPr>
+            <a:picLocks noChangeAspect="1"/>
+          </p:cNvPicPr>
+          <p:nvPr/>
+        </p:nvPicPr>
+        <p:blipFill>
+          <a:blip r:embed="rId2"/>
+          <a:stretch>
+            <a:fillRect/>
+          </a:stretch>
+        </p:blipFill>
+        <p:spPr>
+          <a:xfrm>
+            <a:off x="581192" y="2473693"/>
+            <a:ext cx="2704454" cy="3955983"/>
+          </a:xfrm>
+          <a:prstGeom prst="rect">
+            <a:avLst/>
+          </a:prstGeom>
+        </p:spPr>
+      </p:pic>
+      <p:sp>
+        <p:nvSpPr>
+          <p:cNvPr id="7" name="Espace réservé du contenu 2">
+            <a:extLst>
+              <a:ext uri="{FF2B5EF4-FFF2-40B4-BE49-F238E27FC236}">
+                <a16:creationId xmlns:a16="http://schemas.microsoft.com/office/drawing/2014/main" id="{4090BF44-CB4A-522A-4367-4C305A8148AF}"/>
+              </a:ext>
+            </a:extLst>
+          </p:cNvPr>
+          <p:cNvSpPr txBox="1">
+            <a:spLocks/>
+          </p:cNvSpPr>
+          <p:nvPr/>
+        </p:nvSpPr>
+        <p:spPr>
+          <a:xfrm>
+            <a:off x="4843581" y="1857677"/>
+            <a:ext cx="2704454" cy="519764"/>
+          </a:xfrm>
+          <a:prstGeom prst="rect">
+            <a:avLst/>
+          </a:prstGeom>
+        </p:spPr>
+        <p:txBody>
+          <a:bodyPr vert="horz" lIns="91440" tIns="45720" rIns="91440" bIns="45720" rtlCol="0" anchor="ctr">
+            <a:normAutofit/>
+          </a:bodyPr>
+          <a:lstStyle>
+            <a:lvl1pPr marL="306000" indent="-306000" algn="l" defTabSz="457200" rtl="0" eaLnBrk="1" latinLnBrk="0" hangingPunct="1">
+              <a:spcBef>
+                <a:spcPct val="20000"/>
+              </a:spcBef>
+              <a:spcAft>
+                <a:spcPts val="600"/>
+              </a:spcAft>
+              <a:buClr>
+                <a:schemeClr val="accent2"/>
+              </a:buClr>
+              <a:buSzPct val="92000"/>
+              <a:buFont typeface="Wingdings 2" panose="05020102010507070707" pitchFamily="18" charset="2"/>
+              <a:buChar char=""/>
+              <a:defRPr sz="1800" kern="1200">
+                <a:solidFill>
+                  <a:schemeClr val="tx2"/>
+                </a:solidFill>
+                <a:latin typeface="+mn-lt"/>
+                <a:ea typeface="+mn-ea"/>
+                <a:cs typeface="+mn-cs"/>
+              </a:defRPr>
+            </a:lvl1pPr>
+            <a:lvl2pPr marL="630000" indent="-306000" algn="l" defTabSz="457200" rtl="0" eaLnBrk="1" latinLnBrk="0" hangingPunct="1">
+              <a:spcBef>
+                <a:spcPct val="20000"/>
+              </a:spcBef>
+              <a:spcAft>
+                <a:spcPts val="600"/>
+              </a:spcAft>
+              <a:buClr>
+                <a:schemeClr val="accent2"/>
+              </a:buClr>
+              <a:buSzPct val="92000"/>
+              <a:buFont typeface="Wingdings 2" panose="05020102010507070707" pitchFamily="18" charset="2"/>
+              <a:buChar char=""/>
+              <a:defRPr sz="1600" kern="1200">
+                <a:solidFill>
+                  <a:schemeClr val="tx2"/>
+                </a:solidFill>
+                <a:latin typeface="+mn-lt"/>
+                <a:ea typeface="+mn-ea"/>
+                <a:cs typeface="+mn-cs"/>
+              </a:defRPr>
+            </a:lvl2pPr>
+            <a:lvl3pPr marL="900000" indent="-270000" algn="l" defTabSz="457200" rtl="0" eaLnBrk="1" latinLnBrk="0" hangingPunct="1">
+              <a:spcBef>
+                <a:spcPct val="20000"/>
+              </a:spcBef>
+              <a:spcAft>
+                <a:spcPts val="600"/>
+              </a:spcAft>
+              <a:buClr>
+                <a:schemeClr val="accent2"/>
+              </a:buClr>
+              <a:buSzPct val="92000"/>
+              <a:buFont typeface="Wingdings 2" panose="05020102010507070707" pitchFamily="18" charset="2"/>
+              <a:buChar char=""/>
+              <a:defRPr sz="1400" kern="1200">
+                <a:solidFill>
+                  <a:schemeClr val="tx2"/>
+                </a:solidFill>
+                <a:latin typeface="+mn-lt"/>
+                <a:ea typeface="+mn-ea"/>
+                <a:cs typeface="+mn-cs"/>
+              </a:defRPr>
+            </a:lvl3pPr>
+            <a:lvl4pPr marL="1242000" indent="-234000" algn="l" defTabSz="457200" rtl="0" eaLnBrk="1" latinLnBrk="0" hangingPunct="1">
+              <a:spcBef>
+                <a:spcPct val="20000"/>
+              </a:spcBef>
+              <a:spcAft>
+                <a:spcPts val="600"/>
+              </a:spcAft>
+              <a:buClr>
+                <a:schemeClr val="accent2"/>
+              </a:buClr>
+              <a:buSzPct val="92000"/>
+              <a:buFont typeface="Wingdings 2" panose="05020102010507070707" pitchFamily="18" charset="2"/>
+              <a:buChar char=""/>
+              <a:defRPr sz="1200" kern="1200">
+                <a:solidFill>
+                  <a:schemeClr val="tx2"/>
+                </a:solidFill>
+                <a:latin typeface="+mn-lt"/>
+                <a:ea typeface="+mn-ea"/>
+                <a:cs typeface="+mn-cs"/>
+              </a:defRPr>
+            </a:lvl4pPr>
+            <a:lvl5pPr marL="1602000" indent="-234000" algn="l" defTabSz="457200" rtl="0" eaLnBrk="1" latinLnBrk="0" hangingPunct="1">
+              <a:spcBef>
+                <a:spcPct val="20000"/>
+              </a:spcBef>
+              <a:spcAft>
+                <a:spcPts val="600"/>
+              </a:spcAft>
+              <a:buClr>
+                <a:schemeClr val="accent2"/>
+              </a:buClr>
+              <a:buSzPct val="92000"/>
+              <a:buFont typeface="Wingdings 2" panose="05020102010507070707" pitchFamily="18" charset="2"/>
+              <a:buChar char=""/>
+              <a:defRPr sz="1200" kern="1200">
+                <a:solidFill>
+                  <a:schemeClr val="tx2"/>
+                </a:solidFill>
+                <a:latin typeface="+mn-lt"/>
+                <a:ea typeface="+mn-ea"/>
+                <a:cs typeface="+mn-cs"/>
+              </a:defRPr>
+            </a:lvl5pPr>
+            <a:lvl6pPr marL="1900000" indent="-228600" algn="l" defTabSz="457200" rtl="0" eaLnBrk="1" latinLnBrk="0" hangingPunct="1">
+              <a:spcBef>
+                <a:spcPct val="20000"/>
+              </a:spcBef>
+              <a:spcAft>
+                <a:spcPts val="600"/>
+              </a:spcAft>
+              <a:buClr>
+                <a:schemeClr val="accent2"/>
+              </a:buClr>
+              <a:buSzPct val="92000"/>
+              <a:buFont typeface="Wingdings 2" panose="05020102010507070707" pitchFamily="18" charset="2"/>
+              <a:buChar char=""/>
+              <a:defRPr sz="1200" kern="1200">
+                <a:solidFill>
+                  <a:schemeClr val="tx2"/>
+                </a:solidFill>
+                <a:latin typeface="+mn-lt"/>
+                <a:ea typeface="+mn-ea"/>
+                <a:cs typeface="+mn-cs"/>
+              </a:defRPr>
+            </a:lvl6pPr>
+            <a:lvl7pPr marL="2200000" indent="-228600" algn="l" defTabSz="457200" rtl="0" eaLnBrk="1" latinLnBrk="0" hangingPunct="1">
+              <a:spcBef>
+                <a:spcPct val="20000"/>
+              </a:spcBef>
+              <a:spcAft>
+                <a:spcPts val="600"/>
+              </a:spcAft>
+              <a:buClr>
+                <a:schemeClr val="accent2"/>
+              </a:buClr>
+              <a:buSzPct val="92000"/>
+              <a:buFont typeface="Wingdings 2" panose="05020102010507070707" pitchFamily="18" charset="2"/>
+              <a:buChar char=""/>
+              <a:defRPr sz="1200" kern="1200">
+                <a:solidFill>
+                  <a:schemeClr val="tx2"/>
+                </a:solidFill>
+                <a:latin typeface="+mn-lt"/>
+                <a:ea typeface="+mn-ea"/>
+                <a:cs typeface="+mn-cs"/>
+              </a:defRPr>
+            </a:lvl7pPr>
+            <a:lvl8pPr marL="2500000" indent="-228600" algn="l" defTabSz="457200" rtl="0" eaLnBrk="1" latinLnBrk="0" hangingPunct="1">
+              <a:spcBef>
+                <a:spcPct val="20000"/>
+              </a:spcBef>
+              <a:spcAft>
+                <a:spcPts val="600"/>
+              </a:spcAft>
+              <a:buClr>
+                <a:schemeClr val="accent2"/>
+              </a:buClr>
+              <a:buSzPct val="92000"/>
+              <a:buFont typeface="Wingdings 2" panose="05020102010507070707" pitchFamily="18" charset="2"/>
+              <a:buChar char=""/>
+              <a:defRPr sz="1200" kern="1200">
+                <a:solidFill>
+                  <a:schemeClr val="tx2"/>
+                </a:solidFill>
+                <a:latin typeface="+mn-lt"/>
+                <a:ea typeface="+mn-ea"/>
+                <a:cs typeface="+mn-cs"/>
+              </a:defRPr>
+            </a:lvl8pPr>
+            <a:lvl9pPr marL="2800000" indent="-228600" algn="l" defTabSz="457200" rtl="0" eaLnBrk="1" latinLnBrk="0" hangingPunct="1">
+              <a:spcBef>
+                <a:spcPct val="20000"/>
+              </a:spcBef>
+              <a:spcAft>
+                <a:spcPts val="600"/>
+              </a:spcAft>
+              <a:buClr>
+                <a:schemeClr val="accent2"/>
+              </a:buClr>
+              <a:buSzPct val="92000"/>
+              <a:buFont typeface="Wingdings 2" panose="05020102010507070707" pitchFamily="18" charset="2"/>
+              <a:buChar char=""/>
+              <a:defRPr sz="1200" kern="1200">
+                <a:solidFill>
+                  <a:schemeClr val="tx2"/>
+                </a:solidFill>
+                <a:latin typeface="+mn-lt"/>
+                <a:ea typeface="+mn-ea"/>
+                <a:cs typeface="+mn-cs"/>
+              </a:defRPr>
+            </a:lvl9pPr>
+          </a:lstStyle>
+          <a:p>
+            <a:r>
+              <a:rPr lang="fr-CA" dirty="0">
+                <a:solidFill>
+                  <a:schemeClr val="bg1"/>
+                </a:solidFill>
+              </a:rPr>
+              <a:t>Gestion de panier:</a:t>
+            </a:r>
+          </a:p>
+        </p:txBody>
+      </p:sp>
+      <p:pic>
+        <p:nvPicPr>
+          <p:cNvPr id="11" name="Image 10">
+            <a:extLst>
+              <a:ext uri="{FF2B5EF4-FFF2-40B4-BE49-F238E27FC236}">
+                <a16:creationId xmlns:a16="http://schemas.microsoft.com/office/drawing/2014/main" id="{1C3CA961-FDCD-62DC-55E3-28FCAF53EC14}"/>
+              </a:ext>
+            </a:extLst>
+          </p:cNvPr>
+          <p:cNvPicPr>
+            <a:picLocks noChangeAspect="1"/>
+          </p:cNvPicPr>
+          <p:nvPr/>
+        </p:nvPicPr>
+        <p:blipFill>
+          <a:blip r:embed="rId3"/>
+          <a:stretch>
+            <a:fillRect/>
+          </a:stretch>
+        </p:blipFill>
+        <p:spPr>
+          <a:xfrm>
+            <a:off x="4843581" y="2473693"/>
+            <a:ext cx="6258077" cy="2918010"/>
+          </a:xfrm>
+          <a:prstGeom prst="rect">
+            <a:avLst/>
+          </a:prstGeom>
+        </p:spPr>
+      </p:pic>
+    </p:spTree>
+    <p:extLst>
+      <p:ext uri="{BB962C8B-B14F-4D97-AF65-F5344CB8AC3E}">
+        <p14:creationId xmlns:p14="http://schemas.microsoft.com/office/powerpoint/2010/main" val="966239427"/>
+      </p:ext>
+    </p:extLst>
+  </p:cSld>
+  <p:clrMapOvr>
+    <a:masterClrMapping/>
+  </p:clrMapOvr>
+</p:sld>
+</file>
+
+<file path=ppt/slides/slide12.xml><?xml version="1.0" encoding="utf-8"?>
+<p:sld xmlns:a="http://schemas.openxmlformats.org/drawingml/2006/main" xmlns:r="http://schemas.openxmlformats.org/officeDocument/2006/relationships" xmlns:p="http://schemas.openxmlformats.org/presentationml/2006/main">
+  <p:cSld>
+    <p:bg>
+      <p:bgPr>
+        <a:gradFill>
+          <a:gsLst>
+            <a:gs pos="0">
+              <a:schemeClr val="tx1"/>
+            </a:gs>
+            <a:gs pos="32000">
+              <a:schemeClr val="accent1"/>
+            </a:gs>
+            <a:gs pos="84000">
+              <a:schemeClr val="accent1">
+                <a:lumMod val="60000"/>
+                <a:lumOff val="40000"/>
+              </a:schemeClr>
+            </a:gs>
+            <a:gs pos="100000">
+              <a:schemeClr val="accent1">
+                <a:lumMod val="30000"/>
+                <a:lumOff val="70000"/>
+              </a:schemeClr>
+            </a:gs>
+          </a:gsLst>
+          <a:lin ang="2700000" scaled="0"/>
+        </a:gradFill>
+        <a:effectLst/>
+      </p:bgPr>
+    </p:bg>
+    <p:spTree>
+      <p:nvGrpSpPr>
+        <p:cNvPr id="1" name=""/>
+        <p:cNvGrpSpPr/>
+        <p:nvPr/>
+      </p:nvGrpSpPr>
+      <p:grpSpPr>
+        <a:xfrm>
+          <a:off x="0" y="0"/>
+          <a:ext cx="0" cy="0"/>
+          <a:chOff x="0" y="0"/>
+          <a:chExt cx="0" cy="0"/>
+        </a:xfrm>
+      </p:grpSpPr>
+      <p:sp>
+        <p:nvSpPr>
+          <p:cNvPr id="2" name="Titre 1">
+            <a:extLst>
+              <a:ext uri="{FF2B5EF4-FFF2-40B4-BE49-F238E27FC236}">
+                <a16:creationId xmlns:a16="http://schemas.microsoft.com/office/drawing/2014/main" id="{755DF42A-8543-C04A-462C-622143E845F6}"/>
+              </a:ext>
+            </a:extLst>
+          </p:cNvPr>
+          <p:cNvSpPr>
+            <a:spLocks noGrp="1"/>
+          </p:cNvSpPr>
+          <p:nvPr>
+            <p:ph type="title"/>
+          </p:nvPr>
+        </p:nvSpPr>
+        <p:spPr/>
+        <p:txBody>
+          <a:bodyPr/>
+          <a:lstStyle/>
+          <a:p>
+            <a:r>
+              <a:rPr lang="fr-CA" dirty="0"/>
+              <a:t>Vendeur</a:t>
+            </a:r>
+          </a:p>
+        </p:txBody>
+      </p:sp>
+      <p:sp>
+        <p:nvSpPr>
+          <p:cNvPr id="3" name="Espace réservé du contenu 2">
+            <a:extLst>
+              <a:ext uri="{FF2B5EF4-FFF2-40B4-BE49-F238E27FC236}">
+                <a16:creationId xmlns:a16="http://schemas.microsoft.com/office/drawing/2014/main" id="{B477FFD7-128D-83FF-C7CB-A7842148A65E}"/>
+              </a:ext>
+            </a:extLst>
+          </p:cNvPr>
+          <p:cNvSpPr>
+            <a:spLocks noGrp="1"/>
+          </p:cNvSpPr>
+          <p:nvPr>
+            <p:ph idx="1"/>
+          </p:nvPr>
+        </p:nvSpPr>
+        <p:spPr>
+          <a:xfrm>
+            <a:off x="581192" y="1857677"/>
+            <a:ext cx="4404693" cy="519764"/>
+          </a:xfrm>
+        </p:spPr>
+        <p:txBody>
+          <a:bodyPr>
+            <a:normAutofit/>
+          </a:bodyPr>
+          <a:lstStyle/>
+          <a:p>
+            <a:r>
+              <a:rPr lang="fr-CA" dirty="0">
+                <a:solidFill>
+                  <a:schemeClr val="bg1"/>
+                </a:solidFill>
+              </a:rPr>
+              <a:t>Gestion des commandes et livraison:</a:t>
+            </a:r>
+          </a:p>
+        </p:txBody>
+      </p:sp>
+      <p:pic>
+        <p:nvPicPr>
+          <p:cNvPr id="5" name="Image 4">
+            <a:extLst>
+              <a:ext uri="{FF2B5EF4-FFF2-40B4-BE49-F238E27FC236}">
+                <a16:creationId xmlns:a16="http://schemas.microsoft.com/office/drawing/2014/main" id="{1F77D604-C511-9FB7-02F6-847B5AC5FF24}"/>
+              </a:ext>
+            </a:extLst>
+          </p:cNvPr>
+          <p:cNvPicPr>
+            <a:picLocks noChangeAspect="1"/>
+          </p:cNvPicPr>
+          <p:nvPr/>
+        </p:nvPicPr>
+        <p:blipFill>
+          <a:blip r:embed="rId2"/>
+          <a:stretch>
+            <a:fillRect/>
+          </a:stretch>
+        </p:blipFill>
+        <p:spPr>
+          <a:xfrm>
+            <a:off x="581192" y="2483191"/>
+            <a:ext cx="5921610" cy="4222960"/>
+          </a:xfrm>
+          <a:prstGeom prst="rect">
+            <a:avLst/>
+          </a:prstGeom>
+        </p:spPr>
+      </p:pic>
+    </p:spTree>
+    <p:extLst>
+      <p:ext uri="{BB962C8B-B14F-4D97-AF65-F5344CB8AC3E}">
+        <p14:creationId xmlns:p14="http://schemas.microsoft.com/office/powerpoint/2010/main" val="3729413797"/>
+      </p:ext>
+    </p:extLst>
+  </p:cSld>
+  <p:clrMapOvr>
+    <a:masterClrMapping/>
+  </p:clrMapOvr>
+</p:sld>
+</file>
+
+<file path=ppt/slides/slide13.xml><?xml version="1.0" encoding="utf-8"?>
+<p:sld xmlns:a="http://schemas.openxmlformats.org/drawingml/2006/main" xmlns:r="http://schemas.openxmlformats.org/officeDocument/2006/relationships" xmlns:p="http://schemas.openxmlformats.org/presentationml/2006/main">
+  <p:cSld>
+    <p:bg>
+      <p:bgPr>
+        <a:gradFill>
+          <a:gsLst>
+            <a:gs pos="0">
+              <a:schemeClr val="tx1"/>
+            </a:gs>
+            <a:gs pos="32000">
+              <a:schemeClr val="accent1"/>
+            </a:gs>
+            <a:gs pos="84000">
+              <a:schemeClr val="accent1">
+                <a:lumMod val="60000"/>
+                <a:lumOff val="40000"/>
+              </a:schemeClr>
+            </a:gs>
+            <a:gs pos="100000">
+              <a:schemeClr val="accent1">
+                <a:lumMod val="30000"/>
+                <a:lumOff val="70000"/>
+              </a:schemeClr>
+            </a:gs>
+          </a:gsLst>
+          <a:lin ang="2700000" scaled="0"/>
+        </a:gradFill>
+        <a:effectLst/>
+      </p:bgPr>
+    </p:bg>
+    <p:spTree>
+      <p:nvGrpSpPr>
+        <p:cNvPr id="1" name=""/>
+        <p:cNvGrpSpPr/>
+        <p:nvPr/>
+      </p:nvGrpSpPr>
+      <p:grpSpPr>
+        <a:xfrm>
+          <a:off x="0" y="0"/>
+          <a:ext cx="0" cy="0"/>
+          <a:chOff x="0" y="0"/>
+          <a:chExt cx="0" cy="0"/>
+        </a:xfrm>
+      </p:grpSpPr>
+      <p:sp>
+        <p:nvSpPr>
+          <p:cNvPr id="2" name="Titre 1">
+            <a:extLst>
+              <a:ext uri="{FF2B5EF4-FFF2-40B4-BE49-F238E27FC236}">
+                <a16:creationId xmlns:a16="http://schemas.microsoft.com/office/drawing/2014/main" id="{755DF42A-8543-C04A-462C-622143E845F6}"/>
+              </a:ext>
+            </a:extLst>
+          </p:cNvPr>
+          <p:cNvSpPr>
+            <a:spLocks noGrp="1"/>
+          </p:cNvSpPr>
+          <p:nvPr>
+            <p:ph type="title"/>
+          </p:nvPr>
+        </p:nvSpPr>
+        <p:spPr/>
+        <p:txBody>
+          <a:bodyPr/>
+          <a:lstStyle/>
+          <a:p>
+            <a:r>
+              <a:rPr lang="fr-CA" dirty="0"/>
+              <a:t>Client</a:t>
+            </a:r>
+          </a:p>
+        </p:txBody>
+      </p:sp>
+      <p:sp>
+        <p:nvSpPr>
+          <p:cNvPr id="7" name="Espace réservé du contenu 2">
+            <a:extLst>
+              <a:ext uri="{FF2B5EF4-FFF2-40B4-BE49-F238E27FC236}">
+                <a16:creationId xmlns:a16="http://schemas.microsoft.com/office/drawing/2014/main" id="{CD00E4D3-EBB8-D08D-611A-E5619F1F8D4A}"/>
+              </a:ext>
+            </a:extLst>
+          </p:cNvPr>
+          <p:cNvSpPr txBox="1">
+            <a:spLocks/>
+          </p:cNvSpPr>
+          <p:nvPr/>
+        </p:nvSpPr>
+        <p:spPr>
+          <a:xfrm>
+            <a:off x="581192" y="1857676"/>
+            <a:ext cx="11029615" cy="539015"/>
+          </a:xfrm>
+          <a:prstGeom prst="rect">
+            <a:avLst/>
+          </a:prstGeom>
+        </p:spPr>
+        <p:txBody>
+          <a:bodyPr vert="horz" lIns="91440" tIns="45720" rIns="91440" bIns="45720" rtlCol="0" anchor="ctr">
+            <a:normAutofit/>
+          </a:bodyPr>
+          <a:lstStyle>
+            <a:lvl1pPr marL="306000" indent="-306000" algn="l" defTabSz="457200" rtl="0" eaLnBrk="1" latinLnBrk="0" hangingPunct="1">
+              <a:spcBef>
+                <a:spcPct val="20000"/>
+              </a:spcBef>
+              <a:spcAft>
+                <a:spcPts val="600"/>
+              </a:spcAft>
+              <a:buClr>
+                <a:schemeClr val="accent2"/>
+              </a:buClr>
+              <a:buSzPct val="92000"/>
+              <a:buFont typeface="Wingdings 2" panose="05020102010507070707" pitchFamily="18" charset="2"/>
+              <a:buChar char=""/>
+              <a:defRPr sz="1800" kern="1200">
+                <a:solidFill>
+                  <a:schemeClr val="tx2"/>
+                </a:solidFill>
+                <a:latin typeface="+mn-lt"/>
+                <a:ea typeface="+mn-ea"/>
+                <a:cs typeface="+mn-cs"/>
+              </a:defRPr>
+            </a:lvl1pPr>
+            <a:lvl2pPr marL="630000" indent="-306000" algn="l" defTabSz="457200" rtl="0" eaLnBrk="1" latinLnBrk="0" hangingPunct="1">
+              <a:spcBef>
+                <a:spcPct val="20000"/>
+              </a:spcBef>
+              <a:spcAft>
+                <a:spcPts val="600"/>
+              </a:spcAft>
+              <a:buClr>
+                <a:schemeClr val="accent2"/>
+              </a:buClr>
+              <a:buSzPct val="92000"/>
+              <a:buFont typeface="Wingdings 2" panose="05020102010507070707" pitchFamily="18" charset="2"/>
+              <a:buChar char=""/>
+              <a:defRPr sz="1600" kern="1200">
+                <a:solidFill>
+                  <a:schemeClr val="tx2"/>
+                </a:solidFill>
+                <a:latin typeface="+mn-lt"/>
+                <a:ea typeface="+mn-ea"/>
+                <a:cs typeface="+mn-cs"/>
+              </a:defRPr>
+            </a:lvl2pPr>
+            <a:lvl3pPr marL="900000" indent="-270000" algn="l" defTabSz="457200" rtl="0" eaLnBrk="1" latinLnBrk="0" hangingPunct="1">
+              <a:spcBef>
+                <a:spcPct val="20000"/>
+              </a:spcBef>
+              <a:spcAft>
+                <a:spcPts val="600"/>
+              </a:spcAft>
+              <a:buClr>
+                <a:schemeClr val="accent2"/>
+              </a:buClr>
+              <a:buSzPct val="92000"/>
+              <a:buFont typeface="Wingdings 2" panose="05020102010507070707" pitchFamily="18" charset="2"/>
+              <a:buChar char=""/>
+              <a:defRPr sz="1400" kern="1200">
+                <a:solidFill>
+                  <a:schemeClr val="tx2"/>
+                </a:solidFill>
+                <a:latin typeface="+mn-lt"/>
+                <a:ea typeface="+mn-ea"/>
+                <a:cs typeface="+mn-cs"/>
+              </a:defRPr>
+            </a:lvl3pPr>
+            <a:lvl4pPr marL="1242000" indent="-234000" algn="l" defTabSz="457200" rtl="0" eaLnBrk="1" latinLnBrk="0" hangingPunct="1">
+              <a:spcBef>
+                <a:spcPct val="20000"/>
+              </a:spcBef>
+              <a:spcAft>
+                <a:spcPts val="600"/>
+              </a:spcAft>
+              <a:buClr>
+                <a:schemeClr val="accent2"/>
+              </a:buClr>
+              <a:buSzPct val="92000"/>
+              <a:buFont typeface="Wingdings 2" panose="05020102010507070707" pitchFamily="18" charset="2"/>
+              <a:buChar char=""/>
+              <a:defRPr sz="1200" kern="1200">
+                <a:solidFill>
+                  <a:schemeClr val="tx2"/>
+                </a:solidFill>
+                <a:latin typeface="+mn-lt"/>
+                <a:ea typeface="+mn-ea"/>
+                <a:cs typeface="+mn-cs"/>
+              </a:defRPr>
+            </a:lvl4pPr>
+            <a:lvl5pPr marL="1602000" indent="-234000" algn="l" defTabSz="457200" rtl="0" eaLnBrk="1" latinLnBrk="0" hangingPunct="1">
+              <a:spcBef>
+                <a:spcPct val="20000"/>
+              </a:spcBef>
+              <a:spcAft>
+                <a:spcPts val="600"/>
+              </a:spcAft>
+              <a:buClr>
+                <a:schemeClr val="accent2"/>
+              </a:buClr>
+              <a:buSzPct val="92000"/>
+              <a:buFont typeface="Wingdings 2" panose="05020102010507070707" pitchFamily="18" charset="2"/>
+              <a:buChar char=""/>
+              <a:defRPr sz="1200" kern="1200">
+                <a:solidFill>
+                  <a:schemeClr val="tx2"/>
+                </a:solidFill>
+                <a:latin typeface="+mn-lt"/>
+                <a:ea typeface="+mn-ea"/>
+                <a:cs typeface="+mn-cs"/>
+              </a:defRPr>
+            </a:lvl5pPr>
+            <a:lvl6pPr marL="1900000" indent="-228600" algn="l" defTabSz="457200" rtl="0" eaLnBrk="1" latinLnBrk="0" hangingPunct="1">
+              <a:spcBef>
+                <a:spcPct val="20000"/>
+              </a:spcBef>
+              <a:spcAft>
+                <a:spcPts val="600"/>
+              </a:spcAft>
+              <a:buClr>
+                <a:schemeClr val="accent2"/>
+              </a:buClr>
+              <a:buSzPct val="92000"/>
+              <a:buFont typeface="Wingdings 2" panose="05020102010507070707" pitchFamily="18" charset="2"/>
+              <a:buChar char=""/>
+              <a:defRPr sz="1200" kern="1200">
+                <a:solidFill>
+                  <a:schemeClr val="tx2"/>
+                </a:solidFill>
+                <a:latin typeface="+mn-lt"/>
+                <a:ea typeface="+mn-ea"/>
+                <a:cs typeface="+mn-cs"/>
+              </a:defRPr>
+            </a:lvl6pPr>
+            <a:lvl7pPr marL="2200000" indent="-228600" algn="l" defTabSz="457200" rtl="0" eaLnBrk="1" latinLnBrk="0" hangingPunct="1">
+              <a:spcBef>
+                <a:spcPct val="20000"/>
+              </a:spcBef>
+              <a:spcAft>
+                <a:spcPts val="600"/>
+              </a:spcAft>
+              <a:buClr>
+                <a:schemeClr val="accent2"/>
+              </a:buClr>
+              <a:buSzPct val="92000"/>
+              <a:buFont typeface="Wingdings 2" panose="05020102010507070707" pitchFamily="18" charset="2"/>
+              <a:buChar char=""/>
+              <a:defRPr sz="1200" kern="1200">
+                <a:solidFill>
+                  <a:schemeClr val="tx2"/>
+                </a:solidFill>
+                <a:latin typeface="+mn-lt"/>
+                <a:ea typeface="+mn-ea"/>
+                <a:cs typeface="+mn-cs"/>
+              </a:defRPr>
+            </a:lvl7pPr>
+            <a:lvl8pPr marL="2500000" indent="-228600" algn="l" defTabSz="457200" rtl="0" eaLnBrk="1" latinLnBrk="0" hangingPunct="1">
+              <a:spcBef>
+                <a:spcPct val="20000"/>
+              </a:spcBef>
+              <a:spcAft>
+                <a:spcPts val="600"/>
+              </a:spcAft>
+              <a:buClr>
+                <a:schemeClr val="accent2"/>
+              </a:buClr>
+              <a:buSzPct val="92000"/>
+              <a:buFont typeface="Wingdings 2" panose="05020102010507070707" pitchFamily="18" charset="2"/>
+              <a:buChar char=""/>
+              <a:defRPr sz="1200" kern="1200">
+                <a:solidFill>
+                  <a:schemeClr val="tx2"/>
+                </a:solidFill>
+                <a:latin typeface="+mn-lt"/>
+                <a:ea typeface="+mn-ea"/>
+                <a:cs typeface="+mn-cs"/>
+              </a:defRPr>
+            </a:lvl8pPr>
+            <a:lvl9pPr marL="2800000" indent="-228600" algn="l" defTabSz="457200" rtl="0" eaLnBrk="1" latinLnBrk="0" hangingPunct="1">
+              <a:spcBef>
+                <a:spcPct val="20000"/>
+              </a:spcBef>
+              <a:spcAft>
+                <a:spcPts val="600"/>
+              </a:spcAft>
+              <a:buClr>
+                <a:schemeClr val="accent2"/>
+              </a:buClr>
+              <a:buSzPct val="92000"/>
+              <a:buFont typeface="Wingdings 2" panose="05020102010507070707" pitchFamily="18" charset="2"/>
+              <a:buChar char=""/>
+              <a:defRPr sz="1200" kern="1200">
+                <a:solidFill>
+                  <a:schemeClr val="tx2"/>
+                </a:solidFill>
+                <a:latin typeface="+mn-lt"/>
+                <a:ea typeface="+mn-ea"/>
+                <a:cs typeface="+mn-cs"/>
+              </a:defRPr>
+            </a:lvl9pPr>
+          </a:lstStyle>
+          <a:p>
+            <a:r>
+              <a:rPr lang="fr-CA" dirty="0">
+                <a:solidFill>
+                  <a:schemeClr val="bg1"/>
+                </a:solidFill>
+              </a:rPr>
+              <a:t>Page d’accueil:</a:t>
+            </a:r>
+          </a:p>
+        </p:txBody>
+      </p:sp>
+      <p:pic>
+        <p:nvPicPr>
+          <p:cNvPr id="9" name="Image 8">
+            <a:extLst>
+              <a:ext uri="{FF2B5EF4-FFF2-40B4-BE49-F238E27FC236}">
+                <a16:creationId xmlns:a16="http://schemas.microsoft.com/office/drawing/2014/main" id="{769D175E-90CD-D5C6-3785-A1E3CDA977BA}"/>
+              </a:ext>
+            </a:extLst>
+          </p:cNvPr>
+          <p:cNvPicPr>
+            <a:picLocks noChangeAspect="1"/>
+          </p:cNvPicPr>
+          <p:nvPr/>
+        </p:nvPicPr>
+        <p:blipFill>
+          <a:blip r:embed="rId2"/>
+          <a:stretch>
+            <a:fillRect/>
+          </a:stretch>
+        </p:blipFill>
+        <p:spPr>
+          <a:xfrm>
+            <a:off x="361950" y="2396691"/>
+            <a:ext cx="6619875" cy="3639319"/>
+          </a:xfrm>
+          <a:prstGeom prst="rect">
+            <a:avLst/>
+          </a:prstGeom>
+        </p:spPr>
+      </p:pic>
+    </p:spTree>
+    <p:extLst>
+      <p:ext uri="{BB962C8B-B14F-4D97-AF65-F5344CB8AC3E}">
+        <p14:creationId xmlns:p14="http://schemas.microsoft.com/office/powerpoint/2010/main" val="3638211989"/>
+      </p:ext>
+    </p:extLst>
+  </p:cSld>
+  <p:clrMapOvr>
+    <a:masterClrMapping/>
+  </p:clrMapOvr>
+</p:sld>
+</file>
+
+<file path=ppt/slides/slide14.xml><?xml version="1.0" encoding="utf-8"?>
+<p:sld xmlns:a="http://schemas.openxmlformats.org/drawingml/2006/main" xmlns:r="http://schemas.openxmlformats.org/officeDocument/2006/relationships" xmlns:p="http://schemas.openxmlformats.org/presentationml/2006/main">
+  <p:cSld>
+    <p:bg>
+      <p:bgPr>
+        <a:gradFill>
+          <a:gsLst>
+            <a:gs pos="0">
+              <a:schemeClr val="tx1"/>
+            </a:gs>
+            <a:gs pos="32000">
+              <a:schemeClr val="accent1"/>
+            </a:gs>
+            <a:gs pos="84000">
+              <a:schemeClr val="accent1">
+                <a:lumMod val="60000"/>
+                <a:lumOff val="40000"/>
+              </a:schemeClr>
+            </a:gs>
+            <a:gs pos="100000">
+              <a:schemeClr val="accent1">
+                <a:lumMod val="30000"/>
+                <a:lumOff val="70000"/>
+              </a:schemeClr>
+            </a:gs>
+          </a:gsLst>
+          <a:lin ang="2700000" scaled="0"/>
+        </a:gradFill>
+        <a:effectLst/>
+      </p:bgPr>
+    </p:bg>
+    <p:spTree>
+      <p:nvGrpSpPr>
+        <p:cNvPr id="1" name=""/>
+        <p:cNvGrpSpPr/>
+        <p:nvPr/>
+      </p:nvGrpSpPr>
+      <p:grpSpPr>
+        <a:xfrm>
+          <a:off x="0" y="0"/>
+          <a:ext cx="0" cy="0"/>
+          <a:chOff x="0" y="0"/>
+          <a:chExt cx="0" cy="0"/>
+        </a:xfrm>
+      </p:grpSpPr>
+      <p:sp>
+        <p:nvSpPr>
+          <p:cNvPr id="2" name="Titre 1">
+            <a:extLst>
+              <a:ext uri="{FF2B5EF4-FFF2-40B4-BE49-F238E27FC236}">
+                <a16:creationId xmlns:a16="http://schemas.microsoft.com/office/drawing/2014/main" id="{755DF42A-8543-C04A-462C-622143E845F6}"/>
+              </a:ext>
+            </a:extLst>
+          </p:cNvPr>
+          <p:cNvSpPr>
+            <a:spLocks noGrp="1"/>
+          </p:cNvSpPr>
+          <p:nvPr>
+            <p:ph type="title"/>
+          </p:nvPr>
+        </p:nvSpPr>
+        <p:spPr/>
+        <p:txBody>
+          <a:bodyPr/>
+          <a:lstStyle/>
+          <a:p>
+            <a:r>
+              <a:rPr lang="fr-CA" dirty="0"/>
+              <a:t>Client</a:t>
+            </a:r>
+          </a:p>
+        </p:txBody>
+      </p:sp>
+      <p:sp>
+        <p:nvSpPr>
+          <p:cNvPr id="3" name="Espace réservé du contenu 2">
+            <a:extLst>
+              <a:ext uri="{FF2B5EF4-FFF2-40B4-BE49-F238E27FC236}">
+                <a16:creationId xmlns:a16="http://schemas.microsoft.com/office/drawing/2014/main" id="{B477FFD7-128D-83FF-C7CB-A7842148A65E}"/>
+              </a:ext>
+            </a:extLst>
+          </p:cNvPr>
+          <p:cNvSpPr>
+            <a:spLocks noGrp="1"/>
+          </p:cNvSpPr>
+          <p:nvPr>
+            <p:ph idx="1"/>
+          </p:nvPr>
+        </p:nvSpPr>
+        <p:spPr>
+          <a:xfrm>
+            <a:off x="581192" y="1857676"/>
+            <a:ext cx="11029615" cy="4899259"/>
+          </a:xfrm>
+        </p:spPr>
+        <p:txBody>
+          <a:bodyPr/>
+          <a:lstStyle/>
+          <a:p>
+            <a:r>
+              <a:rPr lang="fr-CA" dirty="0">
+                <a:solidFill>
+                  <a:schemeClr val="bg1"/>
+                </a:solidFill>
+              </a:rPr>
+              <a:t>Modification du profil:</a:t>
+            </a:r>
+          </a:p>
+          <a:p>
+            <a:pPr marL="324000" lvl="1" indent="0">
+              <a:buNone/>
+            </a:pPr>
+            <a:endParaRPr lang="fr-CA" dirty="0">
+              <a:solidFill>
+                <a:schemeClr val="bg1"/>
+              </a:solidFill>
+            </a:endParaRPr>
+          </a:p>
+          <a:p>
+            <a:pPr marL="324000" lvl="1" indent="0">
+              <a:buNone/>
+            </a:pPr>
+            <a:endParaRPr lang="fr-CA" dirty="0">
+              <a:solidFill>
+                <a:schemeClr val="bg1"/>
+              </a:solidFill>
+            </a:endParaRPr>
+          </a:p>
+          <a:p>
+            <a:pPr marL="324000" lvl="1" indent="0">
+              <a:buNone/>
+            </a:pPr>
+            <a:endParaRPr lang="fr-CA" dirty="0">
+              <a:solidFill>
+                <a:schemeClr val="bg1"/>
+              </a:solidFill>
+            </a:endParaRPr>
+          </a:p>
+          <a:p>
+            <a:pPr lvl="1"/>
+            <a:endParaRPr lang="fr-CA" dirty="0">
+              <a:solidFill>
+                <a:schemeClr val="bg1"/>
+              </a:solidFill>
+            </a:endParaRPr>
+          </a:p>
+          <a:p>
+            <a:pPr lvl="1"/>
+            <a:endParaRPr lang="fr-CA" dirty="0">
+              <a:solidFill>
+                <a:schemeClr val="bg1"/>
+              </a:solidFill>
+            </a:endParaRPr>
+          </a:p>
+          <a:p>
+            <a:pPr lvl="1"/>
+            <a:endParaRPr lang="fr-CA" dirty="0">
+              <a:solidFill>
+                <a:schemeClr val="bg1"/>
+              </a:solidFill>
+            </a:endParaRPr>
+          </a:p>
+          <a:p>
+            <a:pPr lvl="1"/>
+            <a:endParaRPr lang="fr-CA" dirty="0">
+              <a:solidFill>
+                <a:schemeClr val="bg1"/>
+              </a:solidFill>
+            </a:endParaRPr>
+          </a:p>
+          <a:p>
+            <a:pPr lvl="1"/>
+            <a:endParaRPr lang="fr-CA" dirty="0">
+              <a:solidFill>
+                <a:schemeClr val="bg1"/>
+              </a:solidFill>
+            </a:endParaRPr>
+          </a:p>
+          <a:p>
+            <a:pPr lvl="1"/>
+            <a:endParaRPr lang="fr-CA" dirty="0">
+              <a:solidFill>
+                <a:schemeClr val="bg1"/>
+              </a:solidFill>
+            </a:endParaRPr>
+          </a:p>
+          <a:p>
+            <a:pPr lvl="1"/>
+            <a:endParaRPr lang="fr-CA" dirty="0">
+              <a:solidFill>
+                <a:schemeClr val="bg1"/>
+              </a:solidFill>
+            </a:endParaRPr>
+          </a:p>
+          <a:p>
+            <a:pPr lvl="1"/>
+            <a:endParaRPr lang="fr-CA" dirty="0">
+              <a:solidFill>
+                <a:schemeClr val="bg1"/>
+              </a:solidFill>
+            </a:endParaRPr>
+          </a:p>
+          <a:p>
+            <a:pPr lvl="1"/>
+            <a:endParaRPr lang="fr-CA" dirty="0">
+              <a:solidFill>
+                <a:schemeClr val="bg1"/>
+              </a:solidFill>
+            </a:endParaRPr>
+          </a:p>
+        </p:txBody>
+      </p:sp>
+      <p:pic>
+        <p:nvPicPr>
+          <p:cNvPr id="6" name="Image 5">
+            <a:extLst>
+              <a:ext uri="{FF2B5EF4-FFF2-40B4-BE49-F238E27FC236}">
+                <a16:creationId xmlns:a16="http://schemas.microsoft.com/office/drawing/2014/main" id="{C1D446DE-5325-1E99-CCA0-0D8D00E1F01B}"/>
+              </a:ext>
+            </a:extLst>
+          </p:cNvPr>
+          <p:cNvPicPr>
+            <a:picLocks noChangeAspect="1"/>
+          </p:cNvPicPr>
+          <p:nvPr/>
+        </p:nvPicPr>
+        <p:blipFill>
+          <a:blip r:embed="rId2"/>
+          <a:stretch>
+            <a:fillRect/>
+          </a:stretch>
+        </p:blipFill>
+        <p:spPr>
+          <a:xfrm>
+            <a:off x="424824" y="2293220"/>
+            <a:ext cx="11342352" cy="698083"/>
+          </a:xfrm>
+          <a:prstGeom prst="rect">
+            <a:avLst/>
+          </a:prstGeom>
+        </p:spPr>
+      </p:pic>
+      <p:sp>
+        <p:nvSpPr>
+          <p:cNvPr id="8" name="Ellipse 7">
+            <a:extLst>
+              <a:ext uri="{FF2B5EF4-FFF2-40B4-BE49-F238E27FC236}">
+                <a16:creationId xmlns:a16="http://schemas.microsoft.com/office/drawing/2014/main" id="{851FE607-ED52-85A0-3C55-39C8D5E55A54}"/>
+              </a:ext>
+            </a:extLst>
+          </p:cNvPr>
+          <p:cNvSpPr/>
+          <p:nvPr/>
+        </p:nvSpPr>
+        <p:spPr>
+          <a:xfrm>
+            <a:off x="10761042" y="2454441"/>
+            <a:ext cx="344520" cy="327259"/>
+          </a:xfrm>
+          <a:prstGeom prst="ellipse">
+            <a:avLst/>
+          </a:prstGeom>
+          <a:noFill/>
+          <a:ln>
+            <a:solidFill>
+              <a:schemeClr val="tx1"/>
+            </a:solidFill>
+          </a:ln>
+        </p:spPr>
+        <p:style>
+          <a:lnRef idx="2">
+            <a:schemeClr val="accent1">
+              <a:shade val="15000"/>
+            </a:schemeClr>
+          </a:lnRef>
+          <a:fillRef idx="1">
+            <a:schemeClr val="accent1"/>
+          </a:fillRef>
+          <a:effectRef idx="0">
+            <a:schemeClr val="accent1"/>
+          </a:effectRef>
+          <a:fontRef idx="minor">
+            <a:schemeClr val="lt1"/>
+          </a:fontRef>
+        </p:style>
+        <p:txBody>
+          <a:bodyPr rtlCol="0" anchor="ctr"/>
+          <a:lstStyle/>
+          <a:p>
+            <a:pPr algn="ctr"/>
+            <a:endParaRPr lang="fr-CA"/>
+          </a:p>
+        </p:txBody>
+      </p:sp>
+      <p:pic>
+        <p:nvPicPr>
+          <p:cNvPr id="9" name="Image 8">
+            <a:extLst>
+              <a:ext uri="{FF2B5EF4-FFF2-40B4-BE49-F238E27FC236}">
+                <a16:creationId xmlns:a16="http://schemas.microsoft.com/office/drawing/2014/main" id="{E85EA524-16A2-89F9-F6D2-B0058B7982AE}"/>
+              </a:ext>
+            </a:extLst>
+          </p:cNvPr>
+          <p:cNvPicPr>
+            <a:picLocks noChangeAspect="1"/>
+          </p:cNvPicPr>
+          <p:nvPr/>
+        </p:nvPicPr>
+        <p:blipFill>
+          <a:blip r:embed="rId3"/>
+          <a:stretch>
+            <a:fillRect/>
+          </a:stretch>
+        </p:blipFill>
+        <p:spPr>
+          <a:xfrm>
+            <a:off x="581192" y="3078752"/>
+            <a:ext cx="4346943" cy="3678183"/>
+          </a:xfrm>
+          <a:prstGeom prst="rect">
+            <a:avLst/>
+          </a:prstGeom>
+        </p:spPr>
+      </p:pic>
+    </p:spTree>
+    <p:extLst>
+      <p:ext uri="{BB962C8B-B14F-4D97-AF65-F5344CB8AC3E}">
+        <p14:creationId xmlns:p14="http://schemas.microsoft.com/office/powerpoint/2010/main" val="79226128"/>
+      </p:ext>
+    </p:extLst>
+  </p:cSld>
+  <p:clrMapOvr>
+    <a:masterClrMapping/>
+  </p:clrMapOvr>
+</p:sld>
+</file>
+
+<file path=ppt/slides/slide15.xml><?xml version="1.0" encoding="utf-8"?>
+<p:sld xmlns:a="http://schemas.openxmlformats.org/drawingml/2006/main" xmlns:r="http://schemas.openxmlformats.org/officeDocument/2006/relationships" xmlns:p="http://schemas.openxmlformats.org/presentationml/2006/main">
+  <p:cSld>
+    <p:bg>
+      <p:bgPr>
+        <a:gradFill>
+          <a:gsLst>
+            <a:gs pos="0">
+              <a:schemeClr val="tx1"/>
+            </a:gs>
+            <a:gs pos="32000">
+              <a:schemeClr val="accent1"/>
+            </a:gs>
+            <a:gs pos="84000">
+              <a:schemeClr val="accent1">
+                <a:lumMod val="60000"/>
+                <a:lumOff val="40000"/>
+              </a:schemeClr>
+            </a:gs>
+            <a:gs pos="100000">
+              <a:schemeClr val="accent1">
+                <a:lumMod val="30000"/>
+                <a:lumOff val="70000"/>
+              </a:schemeClr>
+            </a:gs>
+          </a:gsLst>
+          <a:lin ang="2700000" scaled="0"/>
+        </a:gradFill>
+        <a:effectLst/>
+      </p:bgPr>
+    </p:bg>
+    <p:spTree>
+      <p:nvGrpSpPr>
+        <p:cNvPr id="1" name=""/>
+        <p:cNvGrpSpPr/>
+        <p:nvPr/>
+      </p:nvGrpSpPr>
+      <p:grpSpPr>
+        <a:xfrm>
+          <a:off x="0" y="0"/>
+          <a:ext cx="0" cy="0"/>
+          <a:chOff x="0" y="0"/>
+          <a:chExt cx="0" cy="0"/>
+        </a:xfrm>
+      </p:grpSpPr>
+      <p:sp>
+        <p:nvSpPr>
+          <p:cNvPr id="2" name="Titre 1">
+            <a:extLst>
+              <a:ext uri="{FF2B5EF4-FFF2-40B4-BE49-F238E27FC236}">
+                <a16:creationId xmlns:a16="http://schemas.microsoft.com/office/drawing/2014/main" id="{755DF42A-8543-C04A-462C-622143E845F6}"/>
+              </a:ext>
+            </a:extLst>
+          </p:cNvPr>
+          <p:cNvSpPr>
+            <a:spLocks noGrp="1"/>
+          </p:cNvSpPr>
+          <p:nvPr>
+            <p:ph type="title"/>
+          </p:nvPr>
+        </p:nvSpPr>
+        <p:spPr/>
+        <p:txBody>
+          <a:bodyPr/>
+          <a:lstStyle/>
+          <a:p>
+            <a:r>
+              <a:rPr lang="fr-CA" dirty="0"/>
+              <a:t>Client</a:t>
+            </a:r>
+          </a:p>
+        </p:txBody>
+      </p:sp>
+      <p:sp>
+        <p:nvSpPr>
+          <p:cNvPr id="3" name="Espace réservé du contenu 2">
+            <a:extLst>
+              <a:ext uri="{FF2B5EF4-FFF2-40B4-BE49-F238E27FC236}">
+                <a16:creationId xmlns:a16="http://schemas.microsoft.com/office/drawing/2014/main" id="{B477FFD7-128D-83FF-C7CB-A7842148A65E}"/>
+              </a:ext>
+            </a:extLst>
+          </p:cNvPr>
+          <p:cNvSpPr>
+            <a:spLocks noGrp="1"/>
+          </p:cNvSpPr>
+          <p:nvPr>
+            <p:ph idx="1"/>
+          </p:nvPr>
+        </p:nvSpPr>
+        <p:spPr>
+          <a:xfrm>
+            <a:off x="581192" y="1857677"/>
+            <a:ext cx="11029615" cy="435544"/>
+          </a:xfrm>
+        </p:spPr>
+        <p:txBody>
+          <a:bodyPr/>
+          <a:lstStyle/>
+          <a:p>
+            <a:r>
+              <a:rPr lang="fr-CA" dirty="0">
+                <a:solidFill>
+                  <a:schemeClr val="bg1"/>
+                </a:solidFill>
+              </a:rPr>
+              <a:t>Recherche d’un produit et ajout au panier:</a:t>
+            </a:r>
+          </a:p>
+        </p:txBody>
+      </p:sp>
+      <p:pic>
+        <p:nvPicPr>
+          <p:cNvPr id="5" name="Image 4">
+            <a:extLst>
+              <a:ext uri="{FF2B5EF4-FFF2-40B4-BE49-F238E27FC236}">
+                <a16:creationId xmlns:a16="http://schemas.microsoft.com/office/drawing/2014/main" id="{91C092E9-322C-BEE2-39EF-923E8725ECA8}"/>
+              </a:ext>
+            </a:extLst>
+          </p:cNvPr>
+          <p:cNvPicPr>
+            <a:picLocks noChangeAspect="1"/>
+          </p:cNvPicPr>
+          <p:nvPr/>
+        </p:nvPicPr>
+        <p:blipFill>
+          <a:blip r:embed="rId2"/>
+          <a:stretch>
+            <a:fillRect/>
+          </a:stretch>
+        </p:blipFill>
+        <p:spPr>
+          <a:xfrm>
+            <a:off x="581192" y="2590481"/>
+            <a:ext cx="8248851" cy="3948598"/>
+          </a:xfrm>
+          <a:prstGeom prst="rect">
+            <a:avLst/>
+          </a:prstGeom>
+        </p:spPr>
+      </p:pic>
+    </p:spTree>
+    <p:extLst>
+      <p:ext uri="{BB962C8B-B14F-4D97-AF65-F5344CB8AC3E}">
+        <p14:creationId xmlns:p14="http://schemas.microsoft.com/office/powerpoint/2010/main" val="3620627584"/>
+      </p:ext>
+    </p:extLst>
+  </p:cSld>
+  <p:clrMapOvr>
+    <a:masterClrMapping/>
+  </p:clrMapOvr>
+</p:sld>
+</file>
+
+<file path=ppt/slides/slide16.xml><?xml version="1.0" encoding="utf-8"?>
+<p:sld xmlns:a="http://schemas.openxmlformats.org/drawingml/2006/main" xmlns:r="http://schemas.openxmlformats.org/officeDocument/2006/relationships" xmlns:p="http://schemas.openxmlformats.org/presentationml/2006/main">
+  <p:cSld>
+    <p:bg>
+      <p:bgPr>
+        <a:gradFill>
+          <a:gsLst>
+            <a:gs pos="0">
+              <a:schemeClr val="tx1"/>
+            </a:gs>
+            <a:gs pos="32000">
+              <a:schemeClr val="accent1"/>
+            </a:gs>
+            <a:gs pos="84000">
+              <a:schemeClr val="accent1">
+                <a:lumMod val="60000"/>
+                <a:lumOff val="40000"/>
+              </a:schemeClr>
+            </a:gs>
+            <a:gs pos="100000">
+              <a:schemeClr val="accent1">
+                <a:lumMod val="30000"/>
+                <a:lumOff val="70000"/>
+              </a:schemeClr>
+            </a:gs>
+          </a:gsLst>
+          <a:lin ang="2700000" scaled="0"/>
+        </a:gradFill>
+        <a:effectLst/>
+      </p:bgPr>
+    </p:bg>
+    <p:spTree>
+      <p:nvGrpSpPr>
+        <p:cNvPr id="1" name=""/>
+        <p:cNvGrpSpPr/>
+        <p:nvPr/>
+      </p:nvGrpSpPr>
+      <p:grpSpPr>
+        <a:xfrm>
+          <a:off x="0" y="0"/>
+          <a:ext cx="0" cy="0"/>
+          <a:chOff x="0" y="0"/>
+          <a:chExt cx="0" cy="0"/>
+        </a:xfrm>
+      </p:grpSpPr>
+      <p:sp>
+        <p:nvSpPr>
+          <p:cNvPr id="2" name="Titre 1">
+            <a:extLst>
+              <a:ext uri="{FF2B5EF4-FFF2-40B4-BE49-F238E27FC236}">
+                <a16:creationId xmlns:a16="http://schemas.microsoft.com/office/drawing/2014/main" id="{755DF42A-8543-C04A-462C-622143E845F6}"/>
+              </a:ext>
+            </a:extLst>
+          </p:cNvPr>
+          <p:cNvSpPr>
+            <a:spLocks noGrp="1"/>
+          </p:cNvSpPr>
+          <p:nvPr>
+            <p:ph type="title"/>
+          </p:nvPr>
+        </p:nvSpPr>
+        <p:spPr/>
+        <p:txBody>
+          <a:bodyPr/>
+          <a:lstStyle/>
+          <a:p>
+            <a:r>
+              <a:rPr lang="fr-CA" dirty="0"/>
+              <a:t>Client</a:t>
+            </a:r>
+          </a:p>
+        </p:txBody>
+      </p:sp>
+      <p:sp>
+        <p:nvSpPr>
+          <p:cNvPr id="3" name="Espace réservé du contenu 2">
+            <a:extLst>
+              <a:ext uri="{FF2B5EF4-FFF2-40B4-BE49-F238E27FC236}">
+                <a16:creationId xmlns:a16="http://schemas.microsoft.com/office/drawing/2014/main" id="{B477FFD7-128D-83FF-C7CB-A7842148A65E}"/>
+              </a:ext>
+            </a:extLst>
+          </p:cNvPr>
+          <p:cNvSpPr>
+            <a:spLocks noGrp="1"/>
+          </p:cNvSpPr>
+          <p:nvPr>
+            <p:ph idx="1"/>
+          </p:nvPr>
+        </p:nvSpPr>
+        <p:spPr>
+          <a:xfrm>
+            <a:off x="581192" y="1857677"/>
+            <a:ext cx="11029615" cy="435544"/>
+          </a:xfrm>
+        </p:spPr>
+        <p:txBody>
+          <a:bodyPr/>
+          <a:lstStyle/>
+          <a:p>
+            <a:r>
+              <a:rPr lang="fr-CA" dirty="0">
+                <a:solidFill>
+                  <a:schemeClr val="bg1"/>
+                </a:solidFill>
+              </a:rPr>
+              <a:t>Ajout d’une commande:</a:t>
+            </a:r>
+          </a:p>
+        </p:txBody>
+      </p:sp>
+      <p:pic>
+        <p:nvPicPr>
+          <p:cNvPr id="6" name="Image 5">
+            <a:extLst>
+              <a:ext uri="{FF2B5EF4-FFF2-40B4-BE49-F238E27FC236}">
+                <a16:creationId xmlns:a16="http://schemas.microsoft.com/office/drawing/2014/main" id="{25B63D7C-F0E4-C6A8-8AE8-87FF75B68307}"/>
+              </a:ext>
+            </a:extLst>
+          </p:cNvPr>
+          <p:cNvPicPr>
+            <a:picLocks noChangeAspect="1"/>
+          </p:cNvPicPr>
+          <p:nvPr/>
+        </p:nvPicPr>
+        <p:blipFill>
+          <a:blip r:embed="rId2"/>
+          <a:stretch>
+            <a:fillRect/>
+          </a:stretch>
+        </p:blipFill>
+        <p:spPr>
+          <a:xfrm>
+            <a:off x="96400" y="2434942"/>
+            <a:ext cx="6231640" cy="3280058"/>
+          </a:xfrm>
+          <a:prstGeom prst="rect">
+            <a:avLst/>
+          </a:prstGeom>
+        </p:spPr>
+      </p:pic>
+      <p:pic>
+        <p:nvPicPr>
+          <p:cNvPr id="8" name="Image 7">
+            <a:extLst>
+              <a:ext uri="{FF2B5EF4-FFF2-40B4-BE49-F238E27FC236}">
+                <a16:creationId xmlns:a16="http://schemas.microsoft.com/office/drawing/2014/main" id="{5E913941-4DCB-EE77-212E-286C7181F552}"/>
+              </a:ext>
+            </a:extLst>
+          </p:cNvPr>
+          <p:cNvPicPr>
+            <a:picLocks noChangeAspect="1"/>
+          </p:cNvPicPr>
+          <p:nvPr/>
+        </p:nvPicPr>
+        <p:blipFill>
+          <a:blip r:embed="rId3"/>
+          <a:stretch>
+            <a:fillRect/>
+          </a:stretch>
+        </p:blipFill>
+        <p:spPr>
+          <a:xfrm>
+            <a:off x="6451102" y="2434942"/>
+            <a:ext cx="5670723" cy="4238625"/>
+          </a:xfrm>
+          <a:prstGeom prst="rect">
+            <a:avLst/>
+          </a:prstGeom>
+        </p:spPr>
+      </p:pic>
+    </p:spTree>
+    <p:extLst>
+      <p:ext uri="{BB962C8B-B14F-4D97-AF65-F5344CB8AC3E}">
+        <p14:creationId xmlns:p14="http://schemas.microsoft.com/office/powerpoint/2010/main" val="185137445"/>
+      </p:ext>
+    </p:extLst>
+  </p:cSld>
+  <p:clrMapOvr>
+    <a:masterClrMapping/>
+  </p:clrMapOvr>
+</p:sld>
+</file>
+
+<file path=ppt/slides/slide17.xml><?xml version="1.0" encoding="utf-8"?>
+<p:sld xmlns:a="http://schemas.openxmlformats.org/drawingml/2006/main" xmlns:r="http://schemas.openxmlformats.org/officeDocument/2006/relationships" xmlns:p="http://schemas.openxmlformats.org/presentationml/2006/main">
+  <p:cSld>
+    <p:bg>
+      <p:bgPr>
+        <a:gradFill>
+          <a:gsLst>
+            <a:gs pos="0">
+              <a:schemeClr val="tx1"/>
+            </a:gs>
+            <a:gs pos="32000">
+              <a:schemeClr val="accent1"/>
+            </a:gs>
+            <a:gs pos="84000">
+              <a:schemeClr val="accent1">
+                <a:lumMod val="60000"/>
+                <a:lumOff val="40000"/>
+              </a:schemeClr>
+            </a:gs>
+            <a:gs pos="100000">
+              <a:schemeClr val="accent1">
+                <a:lumMod val="30000"/>
+                <a:lumOff val="70000"/>
+              </a:schemeClr>
+            </a:gs>
+          </a:gsLst>
+          <a:lin ang="2700000" scaled="0"/>
+        </a:gradFill>
+        <a:effectLst/>
+      </p:bgPr>
+    </p:bg>
+    <p:spTree>
+      <p:nvGrpSpPr>
+        <p:cNvPr id="1" name=""/>
+        <p:cNvGrpSpPr/>
+        <p:nvPr/>
+      </p:nvGrpSpPr>
+      <p:grpSpPr>
+        <a:xfrm>
+          <a:off x="0" y="0"/>
+          <a:ext cx="0" cy="0"/>
+          <a:chOff x="0" y="0"/>
+          <a:chExt cx="0" cy="0"/>
+        </a:xfrm>
+      </p:grpSpPr>
+      <p:sp>
+        <p:nvSpPr>
+          <p:cNvPr id="2" name="Titre 1">
+            <a:extLst>
+              <a:ext uri="{FF2B5EF4-FFF2-40B4-BE49-F238E27FC236}">
+                <a16:creationId xmlns:a16="http://schemas.microsoft.com/office/drawing/2014/main" id="{755DF42A-8543-C04A-462C-622143E845F6}"/>
+              </a:ext>
+            </a:extLst>
+          </p:cNvPr>
+          <p:cNvSpPr>
+            <a:spLocks noGrp="1"/>
+          </p:cNvSpPr>
+          <p:nvPr>
+            <p:ph type="title"/>
+          </p:nvPr>
+        </p:nvSpPr>
+        <p:spPr/>
+        <p:txBody>
+          <a:bodyPr/>
+          <a:lstStyle/>
+          <a:p>
+            <a:r>
+              <a:rPr lang="fr-CA" dirty="0"/>
+              <a:t>Gestionnaire (2)</a:t>
+            </a:r>
+          </a:p>
+        </p:txBody>
+      </p:sp>
+      <p:sp>
+        <p:nvSpPr>
+          <p:cNvPr id="3" name="Espace réservé du contenu 2">
+            <a:extLst>
+              <a:ext uri="{FF2B5EF4-FFF2-40B4-BE49-F238E27FC236}">
+                <a16:creationId xmlns:a16="http://schemas.microsoft.com/office/drawing/2014/main" id="{B477FFD7-128D-83FF-C7CB-A7842148A65E}"/>
+              </a:ext>
+            </a:extLst>
+          </p:cNvPr>
+          <p:cNvSpPr>
+            <a:spLocks noGrp="1"/>
+          </p:cNvSpPr>
+          <p:nvPr>
+            <p:ph idx="1"/>
+          </p:nvPr>
+        </p:nvSpPr>
+        <p:spPr>
+          <a:xfrm>
+            <a:off x="581192" y="1857677"/>
+            <a:ext cx="11029615" cy="435544"/>
+          </a:xfrm>
+        </p:spPr>
+        <p:txBody>
+          <a:bodyPr/>
+          <a:lstStyle/>
+          <a:p>
+            <a:r>
+              <a:rPr lang="fr-CA" dirty="0">
+                <a:solidFill>
+                  <a:schemeClr val="bg1"/>
+                </a:solidFill>
+              </a:rPr>
+              <a:t>Gestion des catégories:</a:t>
+            </a:r>
+          </a:p>
+        </p:txBody>
+      </p:sp>
+      <p:pic>
+        <p:nvPicPr>
+          <p:cNvPr id="6" name="Image 5">
+            <a:extLst>
+              <a:ext uri="{FF2B5EF4-FFF2-40B4-BE49-F238E27FC236}">
+                <a16:creationId xmlns:a16="http://schemas.microsoft.com/office/drawing/2014/main" id="{63EC4EC5-23C9-F226-996E-7ED70A4291FA}"/>
+              </a:ext>
+            </a:extLst>
+          </p:cNvPr>
+          <p:cNvPicPr>
+            <a:picLocks noChangeAspect="1"/>
+          </p:cNvPicPr>
+          <p:nvPr/>
+        </p:nvPicPr>
+        <p:blipFill>
+          <a:blip r:embed="rId2"/>
+          <a:stretch>
+            <a:fillRect/>
+          </a:stretch>
+        </p:blipFill>
+        <p:spPr>
+          <a:xfrm>
+            <a:off x="581192" y="2510641"/>
+            <a:ext cx="8599714" cy="3822806"/>
+          </a:xfrm>
+          <a:prstGeom prst="rect">
+            <a:avLst/>
+          </a:prstGeom>
+        </p:spPr>
+      </p:pic>
+    </p:spTree>
+    <p:extLst>
+      <p:ext uri="{BB962C8B-B14F-4D97-AF65-F5344CB8AC3E}">
+        <p14:creationId xmlns:p14="http://schemas.microsoft.com/office/powerpoint/2010/main" val="2431389467"/>
+      </p:ext>
+    </p:extLst>
+  </p:cSld>
+  <p:clrMapOvr>
+    <a:masterClrMapping/>
+  </p:clrMapOvr>
+</p:sld>
+</file>
+
+<file path=ppt/slides/slide18.xml><?xml version="1.0" encoding="utf-8"?>
+<p:sld xmlns:a="http://schemas.openxmlformats.org/drawingml/2006/main" xmlns:r="http://schemas.openxmlformats.org/officeDocument/2006/relationships" xmlns:p="http://schemas.openxmlformats.org/presentationml/2006/main">
+  <p:cSld>
+    <p:bg>
+      <p:bgPr>
+        <a:gradFill>
+          <a:gsLst>
+            <a:gs pos="0">
+              <a:schemeClr val="tx1"/>
+            </a:gs>
+            <a:gs pos="32000">
+              <a:schemeClr val="accent1"/>
+            </a:gs>
+            <a:gs pos="84000">
+              <a:schemeClr val="accent1">
+                <a:lumMod val="60000"/>
+                <a:lumOff val="40000"/>
+              </a:schemeClr>
+            </a:gs>
+            <a:gs pos="100000">
+              <a:schemeClr val="accent1">
+                <a:lumMod val="30000"/>
+                <a:lumOff val="70000"/>
+              </a:schemeClr>
+            </a:gs>
+          </a:gsLst>
+          <a:lin ang="2700000" scaled="0"/>
+        </a:gradFill>
+        <a:effectLst/>
+      </p:bgPr>
+    </p:bg>
+    <p:spTree>
+      <p:nvGrpSpPr>
+        <p:cNvPr id="1" name=""/>
+        <p:cNvGrpSpPr/>
+        <p:nvPr/>
+      </p:nvGrpSpPr>
+      <p:grpSpPr>
+        <a:xfrm>
+          <a:off x="0" y="0"/>
+          <a:ext cx="0" cy="0"/>
+          <a:chOff x="0" y="0"/>
+          <a:chExt cx="0" cy="0"/>
+        </a:xfrm>
+      </p:grpSpPr>
+      <p:sp>
+        <p:nvSpPr>
+          <p:cNvPr id="2" name="Titre 1">
+            <a:extLst>
+              <a:ext uri="{FF2B5EF4-FFF2-40B4-BE49-F238E27FC236}">
+                <a16:creationId xmlns:a16="http://schemas.microsoft.com/office/drawing/2014/main" id="{755DF42A-8543-C04A-462C-622143E845F6}"/>
+              </a:ext>
+            </a:extLst>
+          </p:cNvPr>
+          <p:cNvSpPr>
+            <a:spLocks noGrp="1"/>
+          </p:cNvSpPr>
+          <p:nvPr>
+            <p:ph type="title"/>
+          </p:nvPr>
+        </p:nvSpPr>
+        <p:spPr/>
+        <p:txBody>
+          <a:bodyPr/>
+          <a:lstStyle/>
+          <a:p>
+            <a:r>
+              <a:rPr lang="fr-CA" dirty="0"/>
+              <a:t>Gestionnaire (2)</a:t>
+            </a:r>
+          </a:p>
+        </p:txBody>
+      </p:sp>
+      <p:sp>
+        <p:nvSpPr>
+          <p:cNvPr id="3" name="Espace réservé du contenu 2">
+            <a:extLst>
+              <a:ext uri="{FF2B5EF4-FFF2-40B4-BE49-F238E27FC236}">
+                <a16:creationId xmlns:a16="http://schemas.microsoft.com/office/drawing/2014/main" id="{B477FFD7-128D-83FF-C7CB-A7842148A65E}"/>
+              </a:ext>
+            </a:extLst>
+          </p:cNvPr>
+          <p:cNvSpPr>
+            <a:spLocks noGrp="1"/>
+          </p:cNvSpPr>
+          <p:nvPr>
+            <p:ph idx="1"/>
+          </p:nvPr>
+        </p:nvSpPr>
+        <p:spPr>
+          <a:xfrm>
+            <a:off x="581192" y="1857677"/>
+            <a:ext cx="11029615" cy="435544"/>
+          </a:xfrm>
+        </p:spPr>
+        <p:txBody>
+          <a:bodyPr/>
+          <a:lstStyle/>
+          <a:p>
+            <a:r>
+              <a:rPr lang="fr-CA" dirty="0">
+                <a:solidFill>
+                  <a:schemeClr val="bg1"/>
+                </a:solidFill>
+              </a:rPr>
+              <a:t>Gestion des clients:</a:t>
+            </a:r>
+          </a:p>
+        </p:txBody>
+      </p:sp>
+      <p:pic>
+        <p:nvPicPr>
+          <p:cNvPr id="5" name="Image 4">
+            <a:extLst>
+              <a:ext uri="{FF2B5EF4-FFF2-40B4-BE49-F238E27FC236}">
+                <a16:creationId xmlns:a16="http://schemas.microsoft.com/office/drawing/2014/main" id="{90C3215E-457A-EB38-912B-CBBF9784D0DC}"/>
+              </a:ext>
+            </a:extLst>
+          </p:cNvPr>
+          <p:cNvPicPr>
+            <a:picLocks noChangeAspect="1"/>
+          </p:cNvPicPr>
+          <p:nvPr/>
+        </p:nvPicPr>
+        <p:blipFill>
+          <a:blip r:embed="rId2"/>
+          <a:stretch>
+            <a:fillRect/>
+          </a:stretch>
+        </p:blipFill>
+        <p:spPr>
+          <a:xfrm>
+            <a:off x="581192" y="2434942"/>
+            <a:ext cx="9963150" cy="3852519"/>
+          </a:xfrm>
+          <a:prstGeom prst="rect">
+            <a:avLst/>
+          </a:prstGeom>
+        </p:spPr>
+      </p:pic>
+    </p:spTree>
+    <p:extLst>
+      <p:ext uri="{BB962C8B-B14F-4D97-AF65-F5344CB8AC3E}">
+        <p14:creationId xmlns:p14="http://schemas.microsoft.com/office/powerpoint/2010/main" val="3578688519"/>
+      </p:ext>
+    </p:extLst>
+  </p:cSld>
+  <p:clrMapOvr>
+    <a:masterClrMapping/>
+  </p:clrMapOvr>
+</p:sld>
+</file>
+
+<file path=ppt/slides/slide19.xml><?xml version="1.0" encoding="utf-8"?>
+<p:sld xmlns:a="http://schemas.openxmlformats.org/drawingml/2006/main" xmlns:r="http://schemas.openxmlformats.org/officeDocument/2006/relationships" xmlns:p="http://schemas.openxmlformats.org/presentationml/2006/main">
+  <p:cSld>
+    <p:bg>
+      <p:bgPr>
+        <a:gradFill>
+          <a:gsLst>
+            <a:gs pos="0">
+              <a:schemeClr val="tx1"/>
+            </a:gs>
+            <a:gs pos="32000">
+              <a:schemeClr val="accent1"/>
+            </a:gs>
+            <a:gs pos="84000">
+              <a:schemeClr val="accent1">
+                <a:lumMod val="60000"/>
+                <a:lumOff val="40000"/>
+              </a:schemeClr>
+            </a:gs>
+            <a:gs pos="100000">
+              <a:schemeClr val="accent1">
+                <a:lumMod val="30000"/>
+                <a:lumOff val="70000"/>
+              </a:schemeClr>
+            </a:gs>
+          </a:gsLst>
+          <a:lin ang="2700000" scaled="0"/>
+        </a:gradFill>
+        <a:effectLst/>
+      </p:bgPr>
+    </p:bg>
+    <p:spTree>
+      <p:nvGrpSpPr>
+        <p:cNvPr id="1" name=""/>
+        <p:cNvGrpSpPr/>
+        <p:nvPr/>
+      </p:nvGrpSpPr>
+      <p:grpSpPr>
+        <a:xfrm>
+          <a:off x="0" y="0"/>
+          <a:ext cx="0" cy="0"/>
+          <a:chOff x="0" y="0"/>
+          <a:chExt cx="0" cy="0"/>
+        </a:xfrm>
+      </p:grpSpPr>
+      <p:sp>
+        <p:nvSpPr>
+          <p:cNvPr id="2" name="Titre 1">
+            <a:extLst>
+              <a:ext uri="{FF2B5EF4-FFF2-40B4-BE49-F238E27FC236}">
+                <a16:creationId xmlns:a16="http://schemas.microsoft.com/office/drawing/2014/main" id="{755DF42A-8543-C04A-462C-622143E845F6}"/>
+              </a:ext>
+            </a:extLst>
+          </p:cNvPr>
+          <p:cNvSpPr>
+            <a:spLocks noGrp="1"/>
+          </p:cNvSpPr>
+          <p:nvPr>
+            <p:ph type="title"/>
+          </p:nvPr>
+        </p:nvSpPr>
+        <p:spPr/>
+        <p:txBody>
+          <a:bodyPr/>
+          <a:lstStyle/>
+          <a:p>
+            <a:r>
+              <a:rPr lang="fr-CA" dirty="0"/>
+              <a:t>Gestionnaire (2)</a:t>
+            </a:r>
+          </a:p>
+        </p:txBody>
+      </p:sp>
+      <p:sp>
+        <p:nvSpPr>
+          <p:cNvPr id="3" name="Espace réservé du contenu 2">
+            <a:extLst>
+              <a:ext uri="{FF2B5EF4-FFF2-40B4-BE49-F238E27FC236}">
+                <a16:creationId xmlns:a16="http://schemas.microsoft.com/office/drawing/2014/main" id="{B477FFD7-128D-83FF-C7CB-A7842148A65E}"/>
+              </a:ext>
+            </a:extLst>
+          </p:cNvPr>
+          <p:cNvSpPr>
+            <a:spLocks noGrp="1"/>
+          </p:cNvSpPr>
+          <p:nvPr>
+            <p:ph idx="1"/>
+          </p:nvPr>
+        </p:nvSpPr>
+        <p:spPr>
+          <a:xfrm>
+            <a:off x="581192" y="1857677"/>
+            <a:ext cx="11029615" cy="435544"/>
+          </a:xfrm>
+        </p:spPr>
+        <p:txBody>
+          <a:bodyPr/>
+          <a:lstStyle/>
+          <a:p>
+            <a:r>
+              <a:rPr lang="fr-CA" dirty="0">
+                <a:solidFill>
+                  <a:schemeClr val="bg1"/>
+                </a:solidFill>
+              </a:rPr>
+              <a:t>Gestion des vendeurs:</a:t>
+            </a:r>
+          </a:p>
+        </p:txBody>
+      </p:sp>
+      <p:pic>
+        <p:nvPicPr>
+          <p:cNvPr id="6" name="Image 5">
+            <a:extLst>
+              <a:ext uri="{FF2B5EF4-FFF2-40B4-BE49-F238E27FC236}">
+                <a16:creationId xmlns:a16="http://schemas.microsoft.com/office/drawing/2014/main" id="{BA987D93-A0AF-EA60-5996-EA60FBC42547}"/>
+              </a:ext>
+            </a:extLst>
+          </p:cNvPr>
+          <p:cNvPicPr>
+            <a:picLocks noChangeAspect="1"/>
+          </p:cNvPicPr>
+          <p:nvPr/>
+        </p:nvPicPr>
+        <p:blipFill>
+          <a:blip r:embed="rId2"/>
+          <a:stretch>
+            <a:fillRect/>
+          </a:stretch>
+        </p:blipFill>
+        <p:spPr>
+          <a:xfrm>
+            <a:off x="581192" y="2321796"/>
+            <a:ext cx="7444356" cy="4311804"/>
+          </a:xfrm>
+          <a:prstGeom prst="rect">
+            <a:avLst/>
+          </a:prstGeom>
+        </p:spPr>
+      </p:pic>
+    </p:spTree>
+    <p:extLst>
+      <p:ext uri="{BB962C8B-B14F-4D97-AF65-F5344CB8AC3E}">
+        <p14:creationId xmlns:p14="http://schemas.microsoft.com/office/powerpoint/2010/main" val="1219235631"/>
+      </p:ext>
+    </p:extLst>
+  </p:cSld>
+  <p:clrMapOvr>
+    <a:masterClrMapping/>
+  </p:clrMapOvr>
+</p:sld>
+</file>
+
 <file path=ppt/slides/slide2.xml><?xml version="1.0" encoding="utf-8"?>
 <p:sld xmlns:a="http://schemas.openxmlformats.org/drawingml/2006/main" xmlns:r="http://schemas.openxmlformats.org/officeDocument/2006/relationships" xmlns:p="http://schemas.openxmlformats.org/presentationml/2006/main">
   <p:cSld>
@@ -5306,7 +7637,7 @@
         </p:spPr>
         <p:txBody>
           <a:bodyPr anchor="ctr">
-            <a:normAutofit fontScale="85000" lnSpcReduction="20000"/>
+            <a:normAutofit/>
           </a:bodyPr>
           <a:lstStyle/>
           <a:p>
@@ -5340,21 +7671,7 @@
                   <a:schemeClr val="bg1"/>
                 </a:solidFill>
               </a:rPr>
-              <a:t>Vendeur (1)</a:t>
-            </a:r>
-          </a:p>
-          <a:p>
-            <a:pPr lvl="1">
-              <a:buFont typeface="Wingdings" panose="05000000000000000000" pitchFamily="2" charset="2"/>
-              <a:buChar char="Ø"/>
-            </a:pPr>
-            <a:r>
-              <a:rPr lang="fr-CA" dirty="0">
-                <a:solidFill>
-                  <a:schemeClr val="bg1"/>
-                </a:solidFill>
-              </a:rPr>
-              <a:t>Inscription, activation, connexion, mot de passe</a:t>
+              <a:t>Vendeur et client (1)</a:t>
             </a:r>
           </a:p>
           <a:p>
@@ -5365,44 +7682,6 @@
                 </a:solidFill>
               </a:rPr>
               <a:t>Gestionnaire (1)</a:t>
-            </a:r>
-          </a:p>
-          <a:p>
-            <a:pPr lvl="1">
-              <a:buFont typeface="Wingdings" panose="05000000000000000000" pitchFamily="2" charset="2"/>
-              <a:buChar char="Ø"/>
-            </a:pPr>
-            <a:r>
-              <a:rPr lang="fr-CA" dirty="0">
-                <a:solidFill>
-                  <a:schemeClr val="bg1"/>
-                </a:solidFill>
-              </a:rPr>
-              <a:t>Connexion, activation d'un vendeur, taux de redevance</a:t>
-            </a:r>
-          </a:p>
-          <a:p>
-            <a:r>
-              <a:rPr lang="fr-CA" dirty="0">
-                <a:solidFill>
-                  <a:schemeClr val="bg1"/>
-                </a:solidFill>
-              </a:rPr>
-              <a:t>Client (1)</a:t>
-            </a:r>
-          </a:p>
-          <a:p>
-            <a:pPr lvl="1">
-              <a:buFont typeface="Wingdings" panose="05000000000000000000" pitchFamily="2" charset="2"/>
-              <a:buChar char="Ø"/>
-            </a:pPr>
-            <a:r>
-              <a:rPr lang="fr-CA" dirty="0">
-                <a:solidFill>
-                  <a:schemeClr val="bg1"/>
-                </a:solidFill>
-              </a:rPr>
-              <a:t>Inscription, activation, connexion, mot de passe</a:t>
             </a:r>
           </a:p>
           <a:p>
@@ -5516,7 +7795,7 @@
 </p:sld>
 </file>
 
-<file path=ppt/slides/slide3.xml><?xml version="1.0" encoding="utf-8"?>
+<file path=ppt/slides/slide20.xml><?xml version="1.0" encoding="utf-8"?>
 <p:sld xmlns:a="http://schemas.openxmlformats.org/drawingml/2006/main" xmlns:r="http://schemas.openxmlformats.org/officeDocument/2006/relationships" xmlns:p="http://schemas.openxmlformats.org/presentationml/2006/main">
   <p:cSld>
     <p:bg>
@@ -5542,7 +7821,7 @@
               </a:schemeClr>
             </a:gs>
           </a:gsLst>
-          <a:lin ang="2700000" scaled="1"/>
+          <a:lin ang="2700000" scaled="0"/>
         </a:gradFill>
         <a:effectLst/>
       </p:bgPr>
@@ -5584,7 +7863,7 @@
           <a:p>
             <a:r>
               <a:rPr lang="fr-CA" dirty="0"/>
-              <a:t>Accueil internaute</a:t>
+              <a:t>Gestionnaire (2)</a:t>
             </a:r>
           </a:p>
         </p:txBody>
@@ -5607,8 +7886,8 @@
         </p:nvSpPr>
         <p:spPr>
           <a:xfrm>
-            <a:off x="581192" y="2180495"/>
-            <a:ext cx="11029615" cy="4412809"/>
+            <a:off x="581192" y="1857677"/>
+            <a:ext cx="11029615" cy="435544"/>
           </a:xfrm>
         </p:spPr>
         <p:txBody>
@@ -5621,108 +7900,105 @@
                   <a:schemeClr val="bg1"/>
                 </a:solidFill>
               </a:rPr>
-              <a:t>Affichage de base de l’application</a:t>
-            </a:r>
-          </a:p>
-          <a:p>
-            <a:r>
-              <a:rPr lang="fr-CA" dirty="0">
-                <a:solidFill>
-                  <a:schemeClr val="bg1"/>
-                </a:solidFill>
-              </a:rPr>
-              <a:t>Affichage pour toute personne non connectée</a:t>
-            </a:r>
-          </a:p>
-          <a:p>
-            <a:endParaRPr lang="fr-CA" dirty="0">
-              <a:solidFill>
-                <a:schemeClr val="bg1"/>
-              </a:solidFill>
-            </a:endParaRPr>
-          </a:p>
-          <a:p>
-            <a:r>
-              <a:rPr lang="fr-CA" dirty="0">
-                <a:solidFill>
-                  <a:schemeClr val="bg1"/>
-                </a:solidFill>
-              </a:rPr>
-              <a:t>Montre liste des catégories disponibles</a:t>
-            </a:r>
-          </a:p>
-          <a:p>
-            <a:r>
-              <a:rPr lang="fr-CA" dirty="0">
-                <a:solidFill>
-                  <a:schemeClr val="bg1"/>
-                </a:solidFill>
-              </a:rPr>
-              <a:t>Affiche aussi liste des vendeurs qui ont produits à vendre dans cette catégorie</a:t>
-            </a:r>
-          </a:p>
-          <a:p>
-            <a:endParaRPr lang="fr-CA" dirty="0">
-              <a:solidFill>
-                <a:schemeClr val="bg1"/>
-              </a:solidFill>
-            </a:endParaRPr>
-          </a:p>
-          <a:p>
-            <a:r>
-              <a:rPr lang="fr-CA" dirty="0">
-                <a:solidFill>
-                  <a:schemeClr val="bg1"/>
-                </a:solidFill>
-              </a:rPr>
-              <a:t>Possibilité de cliquer sur les vendeurs</a:t>
-            </a:r>
-          </a:p>
-          <a:p>
-            <a:pPr lvl="1"/>
-            <a:r>
-              <a:rPr lang="fr-CA" dirty="0">
-                <a:solidFill>
-                  <a:schemeClr val="bg1"/>
-                </a:solidFill>
-              </a:rPr>
-              <a:t>Affiche la liste des 15 derniers produits</a:t>
-            </a:r>
-          </a:p>
-          <a:p>
-            <a:pPr lvl="1"/>
-            <a:r>
-              <a:rPr lang="fr-CA" dirty="0">
-                <a:solidFill>
-                  <a:schemeClr val="bg1"/>
-                </a:solidFill>
-              </a:rPr>
-              <a:t>Liens pour se connecter et accéder au catalogue complet</a:t>
-            </a:r>
-          </a:p>
-          <a:p>
-            <a:endParaRPr lang="fr-CA" dirty="0">
-              <a:solidFill>
-                <a:schemeClr val="bg1"/>
-              </a:solidFill>
-            </a:endParaRPr>
-          </a:p>
-          <a:p>
-            <a:r>
-              <a:rPr lang="fr-CA" dirty="0">
-                <a:solidFill>
-                  <a:schemeClr val="bg1"/>
-                </a:solidFill>
-              </a:rPr>
-              <a:t>Peut uniquement visualiser</a:t>
-            </a:r>
-          </a:p>
-        </p:txBody>
-      </p:sp>
+              <a:t>Statistiques et rapports:</a:t>
+            </a:r>
+          </a:p>
+        </p:txBody>
+      </p:sp>
+      <p:pic>
+        <p:nvPicPr>
+          <p:cNvPr id="5" name="Image 4">
+            <a:extLst>
+              <a:ext uri="{FF2B5EF4-FFF2-40B4-BE49-F238E27FC236}">
+                <a16:creationId xmlns:a16="http://schemas.microsoft.com/office/drawing/2014/main" id="{7AB02E94-C3FE-D24F-85E5-6C2F129471A6}"/>
+              </a:ext>
+            </a:extLst>
+          </p:cNvPr>
+          <p:cNvPicPr>
+            <a:picLocks noChangeAspect="1"/>
+          </p:cNvPicPr>
+          <p:nvPr/>
+        </p:nvPicPr>
+        <p:blipFill>
+          <a:blip r:embed="rId2"/>
+          <a:stretch>
+            <a:fillRect/>
+          </a:stretch>
+        </p:blipFill>
+        <p:spPr>
+          <a:xfrm>
+            <a:off x="581193" y="2353251"/>
+            <a:ext cx="2743250" cy="4411443"/>
+          </a:xfrm>
+          <a:prstGeom prst="rect">
+            <a:avLst/>
+          </a:prstGeom>
+        </p:spPr>
+      </p:pic>
+      <p:pic>
+        <p:nvPicPr>
+          <p:cNvPr id="8" name="Image 7">
+            <a:extLst>
+              <a:ext uri="{FF2B5EF4-FFF2-40B4-BE49-F238E27FC236}">
+                <a16:creationId xmlns:a16="http://schemas.microsoft.com/office/drawing/2014/main" id="{F6403CB7-6D68-BBDF-78CB-E81E2818E0E7}"/>
+              </a:ext>
+            </a:extLst>
+          </p:cNvPr>
+          <p:cNvPicPr>
+            <a:picLocks noChangeAspect="1"/>
+          </p:cNvPicPr>
+          <p:nvPr/>
+        </p:nvPicPr>
+        <p:blipFill>
+          <a:blip r:embed="rId3"/>
+          <a:stretch>
+            <a:fillRect/>
+          </a:stretch>
+        </p:blipFill>
+        <p:spPr>
+          <a:xfrm>
+            <a:off x="8092769" y="2353250"/>
+            <a:ext cx="3958108" cy="4416027"/>
+          </a:xfrm>
+          <a:prstGeom prst="rect">
+            <a:avLst/>
+          </a:prstGeom>
+        </p:spPr>
+      </p:pic>
+      <p:pic>
+        <p:nvPicPr>
+          <p:cNvPr id="10" name="Image 9">
+            <a:extLst>
+              <a:ext uri="{FF2B5EF4-FFF2-40B4-BE49-F238E27FC236}">
+                <a16:creationId xmlns:a16="http://schemas.microsoft.com/office/drawing/2014/main" id="{C6914BA6-BC34-93F0-A6E2-ADEEFDA06002}"/>
+              </a:ext>
+            </a:extLst>
+          </p:cNvPr>
+          <p:cNvPicPr>
+            <a:picLocks noChangeAspect="1"/>
+          </p:cNvPicPr>
+          <p:nvPr/>
+        </p:nvPicPr>
+        <p:blipFill>
+          <a:blip r:embed="rId4"/>
+          <a:stretch>
+            <a:fillRect/>
+          </a:stretch>
+        </p:blipFill>
+        <p:spPr>
+          <a:xfrm>
+            <a:off x="3488105" y="2353250"/>
+            <a:ext cx="4441001" cy="4411443"/>
+          </a:xfrm>
+          <a:prstGeom prst="rect">
+            <a:avLst/>
+          </a:prstGeom>
+        </p:spPr>
+      </p:pic>
     </p:spTree>
     <p:extLst>
       <p:ext uri="{BB962C8B-B14F-4D97-AF65-F5344CB8AC3E}">
-        <p14:creationId xmlns:p14="http://schemas.microsoft.com/office/powerpoint/2010/main" val="858085572"/>
+        <p14:creationId xmlns:p14="http://schemas.microsoft.com/office/powerpoint/2010/main" val="3524400072"/>
       </p:ext>
     </p:extLst>
   </p:cSld>
@@ -5732,7 +8008,7 @@
 </p:sld>
 </file>
 
-<file path=ppt/slides/slide4.xml><?xml version="1.0" encoding="utf-8"?>
+<file path=ppt/slides/slide21.xml><?xml version="1.0" encoding="utf-8"?>
 <p:sld xmlns:a="http://schemas.openxmlformats.org/drawingml/2006/main" xmlns:r="http://schemas.openxmlformats.org/officeDocument/2006/relationships" xmlns:p="http://schemas.openxmlformats.org/presentationml/2006/main">
   <p:cSld>
     <p:bg>
@@ -5758,7 +8034,7 @@
               </a:schemeClr>
             </a:gs>
           </a:gsLst>
-          <a:lin ang="2700000" scaled="1"/>
+          <a:lin ang="2700000" scaled="0"/>
         </a:gradFill>
         <a:effectLst/>
       </p:bgPr>
@@ -5800,7 +8076,7 @@
           <a:p>
             <a:r>
               <a:rPr lang="fr-CA" dirty="0"/>
-              <a:t>Vendeur (1)</a:t>
+              <a:t>Gestionnaire (2)</a:t>
             </a:r>
           </a:p>
         </p:txBody>
@@ -5823,8 +8099,8 @@
         </p:nvSpPr>
         <p:spPr>
           <a:xfrm>
-            <a:off x="581192" y="1857676"/>
-            <a:ext cx="11029615" cy="4899259"/>
+            <a:off x="581192" y="1857677"/>
+            <a:ext cx="11029615" cy="435544"/>
           </a:xfrm>
         </p:spPr>
         <p:txBody>
@@ -5837,130 +8113,75 @@
                   <a:schemeClr val="bg1"/>
                 </a:solidFill>
               </a:rPr>
-              <a:t>Inscription:</a:t>
-            </a:r>
-          </a:p>
-          <a:p>
-            <a:pPr lvl="1"/>
-            <a:r>
-              <a:rPr lang="fr-CA" dirty="0">
-                <a:solidFill>
-                  <a:schemeClr val="bg1"/>
-                </a:solidFill>
-              </a:rPr>
-              <a:t>Page accessible depuis le lien ‘Inscription’ =&gt; bouton ‘S’inscrire comme vendeur’</a:t>
-            </a:r>
-          </a:p>
-          <a:p>
-            <a:pPr lvl="1"/>
-            <a:endParaRPr lang="fr-CA" dirty="0">
-              <a:solidFill>
-                <a:schemeClr val="bg1"/>
-              </a:solidFill>
-            </a:endParaRPr>
-          </a:p>
-          <a:p>
-            <a:pPr lvl="1"/>
-            <a:r>
-              <a:rPr lang="fr-CA" dirty="0">
-                <a:solidFill>
-                  <a:schemeClr val="bg1"/>
-                </a:solidFill>
-              </a:rPr>
-              <a:t>Bouton ‘Retour’ pour revenir à page inscription de base</a:t>
-            </a:r>
-          </a:p>
-          <a:p>
-            <a:pPr lvl="1"/>
-            <a:r>
-              <a:rPr lang="fr-CA" dirty="0">
-                <a:solidFill>
-                  <a:schemeClr val="bg1"/>
-                </a:solidFill>
-              </a:rPr>
-              <a:t>Champs d’informations sur l’utilisateur</a:t>
-            </a:r>
-          </a:p>
-          <a:p>
-            <a:pPr lvl="1"/>
-            <a:r>
-              <a:rPr lang="fr-CA" dirty="0">
-                <a:solidFill>
-                  <a:schemeClr val="bg1"/>
-                </a:solidFill>
-              </a:rPr>
-              <a:t>Champs obligatoires ont une étoile rouge</a:t>
-            </a:r>
-          </a:p>
-          <a:p>
-            <a:pPr lvl="1"/>
-            <a:r>
-              <a:rPr lang="fr-CA" dirty="0">
-                <a:solidFill>
-                  <a:schemeClr val="bg1"/>
-                </a:solidFill>
-              </a:rPr>
-              <a:t>Bouton ‘S’enregistrer’ pour confirmer l’inscription</a:t>
-            </a:r>
-          </a:p>
-          <a:p>
-            <a:pPr lvl="1"/>
-            <a:endParaRPr lang="fr-CA" dirty="0">
-              <a:solidFill>
-                <a:schemeClr val="bg1"/>
-              </a:solidFill>
-            </a:endParaRPr>
-          </a:p>
-          <a:p>
-            <a:pPr lvl="1"/>
-            <a:r>
-              <a:rPr lang="fr-CA" dirty="0">
-                <a:solidFill>
-                  <a:schemeClr val="bg1"/>
-                </a:solidFill>
-              </a:rPr>
-              <a:t>Si valide: </a:t>
-            </a:r>
-          </a:p>
-          <a:p>
-            <a:pPr lvl="2"/>
-            <a:r>
-              <a:rPr lang="fr-CA" dirty="0">
-                <a:solidFill>
-                  <a:schemeClr val="bg1"/>
-                </a:solidFill>
-              </a:rPr>
-              <a:t>Utilisateur ajouté dans BD avec statuts de confirmation/approbation à faux</a:t>
-            </a:r>
-          </a:p>
-          <a:p>
-            <a:pPr lvl="2"/>
-            <a:r>
-              <a:rPr lang="fr-CA" dirty="0">
-                <a:solidFill>
-                  <a:schemeClr val="bg1"/>
-                </a:solidFill>
-              </a:rPr>
-              <a:t>Courriel envoyé à email fourni pour confirmer compte</a:t>
-            </a:r>
-          </a:p>
-          <a:p>
-            <a:pPr lvl="2"/>
-            <a:r>
-              <a:rPr lang="fr-CA" dirty="0">
-                <a:solidFill>
-                  <a:schemeClr val="bg1"/>
-                </a:solidFill>
-              </a:rPr>
-              <a:t>Affichage page de confirmation</a:t>
-            </a:r>
-          </a:p>
-        </p:txBody>
-      </p:sp>
+              <a:t>Utilisateurs inactifs:</a:t>
+            </a:r>
+          </a:p>
+        </p:txBody>
+      </p:sp>
+      <p:pic>
+        <p:nvPicPr>
+          <p:cNvPr id="6" name="Image 5">
+            <a:extLst>
+              <a:ext uri="{FF2B5EF4-FFF2-40B4-BE49-F238E27FC236}">
+                <a16:creationId xmlns:a16="http://schemas.microsoft.com/office/drawing/2014/main" id="{3836918D-B328-72D2-6D90-DE1FCBEDEACC}"/>
+              </a:ext>
+            </a:extLst>
+          </p:cNvPr>
+          <p:cNvPicPr>
+            <a:picLocks noChangeAspect="1"/>
+          </p:cNvPicPr>
+          <p:nvPr/>
+        </p:nvPicPr>
+        <p:blipFill>
+          <a:blip r:embed="rId2"/>
+          <a:stretch>
+            <a:fillRect/>
+          </a:stretch>
+        </p:blipFill>
+        <p:spPr>
+          <a:xfrm>
+            <a:off x="581192" y="2293221"/>
+            <a:ext cx="8286583" cy="2172047"/>
+          </a:xfrm>
+          <a:prstGeom prst="rect">
+            <a:avLst/>
+          </a:prstGeom>
+        </p:spPr>
+      </p:pic>
+      <p:pic>
+        <p:nvPicPr>
+          <p:cNvPr id="9" name="Image 8">
+            <a:extLst>
+              <a:ext uri="{FF2B5EF4-FFF2-40B4-BE49-F238E27FC236}">
+                <a16:creationId xmlns:a16="http://schemas.microsoft.com/office/drawing/2014/main" id="{2DF92B96-B2EF-5DCE-7287-6822CC837E70}"/>
+              </a:ext>
+            </a:extLst>
+          </p:cNvPr>
+          <p:cNvPicPr>
+            <a:picLocks noChangeAspect="1"/>
+          </p:cNvPicPr>
+          <p:nvPr/>
+        </p:nvPicPr>
+        <p:blipFill>
+          <a:blip r:embed="rId3"/>
+          <a:stretch>
+            <a:fillRect/>
+          </a:stretch>
+        </p:blipFill>
+        <p:spPr>
+          <a:xfrm>
+            <a:off x="581192" y="4547807"/>
+            <a:ext cx="9505783" cy="2238608"/>
+          </a:xfrm>
+          <a:prstGeom prst="rect">
+            <a:avLst/>
+          </a:prstGeom>
+        </p:spPr>
+      </p:pic>
     </p:spTree>
     <p:extLst>
       <p:ext uri="{BB962C8B-B14F-4D97-AF65-F5344CB8AC3E}">
-        <p14:creationId xmlns:p14="http://schemas.microsoft.com/office/powerpoint/2010/main" val="3801055772"/>
+        <p14:creationId xmlns:p14="http://schemas.microsoft.com/office/powerpoint/2010/main" val="2786153139"/>
       </p:ext>
     </p:extLst>
   </p:cSld>
@@ -5970,7 +8191,7 @@
 </p:sld>
 </file>
 
-<file path=ppt/slides/slide5.xml><?xml version="1.0" encoding="utf-8"?>
+<file path=ppt/slides/slide22.xml><?xml version="1.0" encoding="utf-8"?>
 <p:sld xmlns:a="http://schemas.openxmlformats.org/drawingml/2006/main" xmlns:r="http://schemas.openxmlformats.org/officeDocument/2006/relationships" xmlns:p="http://schemas.openxmlformats.org/presentationml/2006/main">
   <p:cSld>
     <p:bg>
@@ -5996,7 +8217,7 @@
               </a:schemeClr>
             </a:gs>
           </a:gsLst>
-          <a:lin ang="2700000" scaled="1"/>
+          <a:lin ang="2700000" scaled="0"/>
         </a:gradFill>
         <a:effectLst/>
       </p:bgPr>
@@ -6038,7 +8259,7 @@
           <a:p>
             <a:r>
               <a:rPr lang="fr-CA" dirty="0"/>
-              <a:t>Vendeur (1)</a:t>
+              <a:t>Gestionnaire (2)</a:t>
             </a:r>
           </a:p>
         </p:txBody>
@@ -6061,8 +8282,8 @@
         </p:nvSpPr>
         <p:spPr>
           <a:xfrm>
-            <a:off x="581192" y="1857676"/>
-            <a:ext cx="11029615" cy="4899259"/>
+            <a:off x="581192" y="1857677"/>
+            <a:ext cx="11029615" cy="435544"/>
           </a:xfrm>
         </p:spPr>
         <p:txBody>
@@ -6075,48 +8296,7 @@
                   <a:schemeClr val="bg1"/>
                 </a:solidFill>
               </a:rPr>
-              <a:t>Activation:</a:t>
-            </a:r>
-          </a:p>
-          <a:p>
-            <a:pPr lvl="1"/>
-            <a:r>
-              <a:rPr lang="fr-CA" dirty="0">
-                <a:solidFill>
-                  <a:schemeClr val="bg1"/>
-                </a:solidFill>
-              </a:rPr>
-              <a:t>Courriel de confirmation envoyé et nécessaire à la connexion</a:t>
-            </a:r>
-          </a:p>
-          <a:p>
-            <a:pPr lvl="1"/>
-            <a:r>
-              <a:rPr lang="fr-CA" dirty="0">
-                <a:solidFill>
-                  <a:schemeClr val="bg1"/>
-                </a:solidFill>
-              </a:rPr>
-              <a:t>Une fois lien confirmation cliqué =&gt; statut de confirmation devient valide</a:t>
-            </a:r>
-          </a:p>
-          <a:p>
-            <a:pPr lvl="1"/>
-            <a:endParaRPr lang="fr-CA" dirty="0">
-              <a:solidFill>
-                <a:schemeClr val="bg1"/>
-              </a:solidFill>
-            </a:endParaRPr>
-          </a:p>
-          <a:p>
-            <a:pPr lvl="1"/>
-            <a:r>
-              <a:rPr lang="fr-CA" dirty="0">
-                <a:solidFill>
-                  <a:schemeClr val="bg1"/>
-                </a:solidFill>
-              </a:rPr>
-              <a:t>Doit attendre approbation du gestionnaire pour se connecter (détails à suivre)</a:t>
+              <a:t>Messagerie</a:t>
             </a:r>
           </a:p>
         </p:txBody>
@@ -6124,7 +8304,7 @@
     </p:spTree>
     <p:extLst>
       <p:ext uri="{BB962C8B-B14F-4D97-AF65-F5344CB8AC3E}">
-        <p14:creationId xmlns:p14="http://schemas.microsoft.com/office/powerpoint/2010/main" val="2118975356"/>
+        <p14:creationId xmlns:p14="http://schemas.microsoft.com/office/powerpoint/2010/main" val="3439884408"/>
       </p:ext>
     </p:extLst>
   </p:cSld>
@@ -6134,284 +8314,7 @@
 </p:sld>
 </file>
 
-<file path=ppt/slides/slide6.xml><?xml version="1.0" encoding="utf-8"?>
-<p:sld xmlns:a="http://schemas.openxmlformats.org/drawingml/2006/main" xmlns:r="http://schemas.openxmlformats.org/officeDocument/2006/relationships" xmlns:p="http://schemas.openxmlformats.org/presentationml/2006/main">
-  <p:cSld>
-    <p:bg>
-      <p:bgPr>
-        <a:gradFill>
-          <a:gsLst>
-            <a:gs pos="0">
-              <a:schemeClr val="tx1"/>
-            </a:gs>
-            <a:gs pos="32000">
-              <a:schemeClr val="accent1"/>
-            </a:gs>
-            <a:gs pos="84000">
-              <a:schemeClr val="accent1">
-                <a:lumMod val="60000"/>
-                <a:lumOff val="40000"/>
-              </a:schemeClr>
-            </a:gs>
-            <a:gs pos="100000">
-              <a:schemeClr val="accent1">
-                <a:lumMod val="30000"/>
-                <a:lumOff val="70000"/>
-              </a:schemeClr>
-            </a:gs>
-          </a:gsLst>
-          <a:lin ang="2700000" scaled="1"/>
-        </a:gradFill>
-        <a:effectLst/>
-      </p:bgPr>
-    </p:bg>
-    <p:spTree>
-      <p:nvGrpSpPr>
-        <p:cNvPr id="1" name=""/>
-        <p:cNvGrpSpPr/>
-        <p:nvPr/>
-      </p:nvGrpSpPr>
-      <p:grpSpPr>
-        <a:xfrm>
-          <a:off x="0" y="0"/>
-          <a:ext cx="0" cy="0"/>
-          <a:chOff x="0" y="0"/>
-          <a:chExt cx="0" cy="0"/>
-        </a:xfrm>
-      </p:grpSpPr>
-      <p:sp>
-        <p:nvSpPr>
-          <p:cNvPr id="2" name="Titre 1">
-            <a:extLst>
-              <a:ext uri="{FF2B5EF4-FFF2-40B4-BE49-F238E27FC236}">
-                <a16:creationId xmlns:a16="http://schemas.microsoft.com/office/drawing/2014/main" id="{755DF42A-8543-C04A-462C-622143E845F6}"/>
-              </a:ext>
-            </a:extLst>
-          </p:cNvPr>
-          <p:cNvSpPr>
-            <a:spLocks noGrp="1"/>
-          </p:cNvSpPr>
-          <p:nvPr>
-            <p:ph type="title"/>
-          </p:nvPr>
-        </p:nvSpPr>
-        <p:spPr/>
-        <p:txBody>
-          <a:bodyPr/>
-          <a:lstStyle/>
-          <a:p>
-            <a:r>
-              <a:rPr lang="fr-CA" dirty="0"/>
-              <a:t>Vendeur (1)</a:t>
-            </a:r>
-          </a:p>
-        </p:txBody>
-      </p:sp>
-      <p:sp>
-        <p:nvSpPr>
-          <p:cNvPr id="3" name="Espace réservé du contenu 2">
-            <a:extLst>
-              <a:ext uri="{FF2B5EF4-FFF2-40B4-BE49-F238E27FC236}">
-                <a16:creationId xmlns:a16="http://schemas.microsoft.com/office/drawing/2014/main" id="{B477FFD7-128D-83FF-C7CB-A7842148A65E}"/>
-              </a:ext>
-            </a:extLst>
-          </p:cNvPr>
-          <p:cNvSpPr>
-            <a:spLocks noGrp="1"/>
-          </p:cNvSpPr>
-          <p:nvPr>
-            <p:ph idx="1"/>
-          </p:nvPr>
-        </p:nvSpPr>
-        <p:spPr>
-          <a:xfrm>
-            <a:off x="581192" y="1857676"/>
-            <a:ext cx="11029615" cy="4899259"/>
-          </a:xfrm>
-        </p:spPr>
-        <p:txBody>
-          <a:bodyPr/>
-          <a:lstStyle/>
-          <a:p>
-            <a:r>
-              <a:rPr lang="fr-CA" dirty="0">
-                <a:solidFill>
-                  <a:schemeClr val="bg1"/>
-                </a:solidFill>
-              </a:rPr>
-              <a:t>Connexion:</a:t>
-            </a:r>
-          </a:p>
-          <a:p>
-            <a:pPr lvl="1"/>
-            <a:r>
-              <a:rPr lang="fr-CA" dirty="0">
-                <a:solidFill>
-                  <a:schemeClr val="bg1"/>
-                </a:solidFill>
-              </a:rPr>
-              <a:t>Une fois les 2 statuts valides, l’utilisateur peut se connecter avec le courriel et le mot de passe saisit durant l’inscription</a:t>
-            </a:r>
-          </a:p>
-          <a:p>
-            <a:pPr lvl="1"/>
-            <a:endParaRPr lang="fr-CA" dirty="0">
-              <a:solidFill>
-                <a:schemeClr val="bg1"/>
-              </a:solidFill>
-            </a:endParaRPr>
-          </a:p>
-          <a:p>
-            <a:pPr lvl="1"/>
-            <a:r>
-              <a:rPr lang="fr-CA" dirty="0">
-                <a:solidFill>
-                  <a:schemeClr val="bg1"/>
-                </a:solidFill>
-              </a:rPr>
-              <a:t>Page accessible depuis lien ‘Connexion’ dans la barre de menu</a:t>
-            </a:r>
-          </a:p>
-        </p:txBody>
-      </p:sp>
-    </p:spTree>
-    <p:extLst>
-      <p:ext uri="{BB962C8B-B14F-4D97-AF65-F5344CB8AC3E}">
-        <p14:creationId xmlns:p14="http://schemas.microsoft.com/office/powerpoint/2010/main" val="3929942418"/>
-      </p:ext>
-    </p:extLst>
-  </p:cSld>
-  <p:clrMapOvr>
-    <a:masterClrMapping/>
-  </p:clrMapOvr>
-</p:sld>
-</file>
-
-<file path=ppt/slides/slide7.xml><?xml version="1.0" encoding="utf-8"?>
-<p:sld xmlns:a="http://schemas.openxmlformats.org/drawingml/2006/main" xmlns:r="http://schemas.openxmlformats.org/officeDocument/2006/relationships" xmlns:p="http://schemas.openxmlformats.org/presentationml/2006/main">
-  <p:cSld>
-    <p:spTree>
-      <p:nvGrpSpPr>
-        <p:cNvPr id="1" name=""/>
-        <p:cNvGrpSpPr/>
-        <p:nvPr/>
-      </p:nvGrpSpPr>
-      <p:grpSpPr>
-        <a:xfrm>
-          <a:off x="0" y="0"/>
-          <a:ext cx="0" cy="0"/>
-          <a:chOff x="0" y="0"/>
-          <a:chExt cx="0" cy="0"/>
-        </a:xfrm>
-      </p:grpSpPr>
-      <p:sp>
-        <p:nvSpPr>
-          <p:cNvPr id="2" name="Titre 1">
-            <a:extLst>
-              <a:ext uri="{FF2B5EF4-FFF2-40B4-BE49-F238E27FC236}">
-                <a16:creationId xmlns:a16="http://schemas.microsoft.com/office/drawing/2014/main" id="{921633EB-7DCB-4DDC-80AF-C885A3EE1245}"/>
-              </a:ext>
-            </a:extLst>
-          </p:cNvPr>
-          <p:cNvSpPr>
-            <a:spLocks noGrp="1"/>
-          </p:cNvSpPr>
-          <p:nvPr>
-            <p:ph type="title"/>
-          </p:nvPr>
-        </p:nvSpPr>
-        <p:spPr/>
-        <p:txBody>
-          <a:bodyPr rtlCol="0"/>
-          <a:lstStyle/>
-          <a:p>
-            <a:pPr rtl="0"/>
-            <a:r>
-              <a:rPr lang="fr-CA" dirty="0"/>
-              <a:t>Contexte concurrentiel</a:t>
-            </a:r>
-          </a:p>
-        </p:txBody>
-      </p:sp>
-      <p:pic>
-        <p:nvPicPr>
-          <p:cNvPr id="11" name="Espace réservé du contenu 4" descr="Graphiques">
-            <a:extLst>
-              <a:ext uri="{FF2B5EF4-FFF2-40B4-BE49-F238E27FC236}">
-                <a16:creationId xmlns:a16="http://schemas.microsoft.com/office/drawing/2014/main" id="{47D9BE16-119C-43B2-9AE6-18C4A150C0EF}"/>
-              </a:ext>
-            </a:extLst>
-          </p:cNvPr>
-          <p:cNvPicPr>
-            <a:picLocks noGrp="1" noChangeAspect="1"/>
-          </p:cNvPicPr>
-          <p:nvPr>
-            <p:ph sz="half" idx="1"/>
-          </p:nvPr>
-        </p:nvPicPr>
-        <p:blipFill rotWithShape="1">
-          <a:blip r:embed="rId3" cstate="screen">
-            <a:extLst>
-              <a:ext uri="{28A0092B-C50C-407E-A947-70E740481C1C}">
-                <a14:useLocalDpi xmlns:a14="http://schemas.microsoft.com/office/drawing/2010/main"/>
-              </a:ext>
-            </a:extLst>
-          </a:blip>
-          <a:stretch/>
-        </p:blipFill>
-        <p:spPr>
-          <a:xfrm>
-            <a:off x="581025" y="2231480"/>
-            <a:ext cx="5422900" cy="3625353"/>
-          </a:xfrm>
-        </p:spPr>
-      </p:pic>
-      <p:pic>
-        <p:nvPicPr>
-          <p:cNvPr id="18" name="Espace réservé du contenu 17" descr="Espace réservé du graphique">
-            <a:extLst>
-              <a:ext uri="{FF2B5EF4-FFF2-40B4-BE49-F238E27FC236}">
-                <a16:creationId xmlns:a16="http://schemas.microsoft.com/office/drawing/2014/main" id="{BFEA8EC1-23A4-4843-A9C3-AE771D73392A}"/>
-              </a:ext>
-            </a:extLst>
-          </p:cNvPr>
-          <p:cNvPicPr>
-            <a:picLocks noGrp="1" noChangeAspect="1"/>
-          </p:cNvPicPr>
-          <p:nvPr>
-            <p:ph sz="half" idx="2"/>
-          </p:nvPr>
-        </p:nvPicPr>
-        <p:blipFill>
-          <a:blip r:embed="rId4"/>
-          <a:stretch>
-            <a:fillRect/>
-          </a:stretch>
-        </p:blipFill>
-        <p:spPr>
-          <a:xfrm>
-            <a:off x="6201811" y="2571845"/>
-            <a:ext cx="5395428" cy="2944623"/>
-          </a:xfrm>
-          <a:prstGeom prst="rect">
-            <a:avLst/>
-          </a:prstGeom>
-        </p:spPr>
-      </p:pic>
-    </p:spTree>
-    <p:extLst>
-      <p:ext uri="{BB962C8B-B14F-4D97-AF65-F5344CB8AC3E}">
-        <p14:creationId xmlns:p14="http://schemas.microsoft.com/office/powerpoint/2010/main" val="497607547"/>
-      </p:ext>
-    </p:extLst>
-  </p:cSld>
-  <p:clrMapOvr>
-    <a:masterClrMapping/>
-  </p:clrMapOvr>
-</p:sld>
-</file>
-
-<file path=ppt/slides/slide8.xml><?xml version="1.0" encoding="utf-8"?>
+<file path=ppt/slides/slide23.xml><?xml version="1.0" encoding="utf-8"?>
 <p:sld xmlns:a="http://schemas.openxmlformats.org/drawingml/2006/main" xmlns:r="http://schemas.openxmlformats.org/officeDocument/2006/relationships" xmlns:p="http://schemas.openxmlformats.org/presentationml/2006/main">
   <p:cSld>
     <p:bg>
@@ -6873,6 +8776,1477 @@
     <p:extLst>
       <p:ext uri="{BB962C8B-B14F-4D97-AF65-F5344CB8AC3E}">
         <p14:creationId xmlns:p14="http://schemas.microsoft.com/office/powerpoint/2010/main" val="3501347425"/>
+      </p:ext>
+    </p:extLst>
+  </p:cSld>
+  <p:clrMapOvr>
+    <a:masterClrMapping/>
+  </p:clrMapOvr>
+</p:sld>
+</file>
+
+<file path=ppt/slides/slide3.xml><?xml version="1.0" encoding="utf-8"?>
+<p:sld xmlns:a="http://schemas.openxmlformats.org/drawingml/2006/main" xmlns:r="http://schemas.openxmlformats.org/officeDocument/2006/relationships" xmlns:p="http://schemas.openxmlformats.org/presentationml/2006/main">
+  <p:cSld>
+    <p:bg>
+      <p:bgPr>
+        <a:gradFill>
+          <a:gsLst>
+            <a:gs pos="0">
+              <a:schemeClr val="tx1"/>
+            </a:gs>
+            <a:gs pos="32000">
+              <a:schemeClr val="accent1"/>
+            </a:gs>
+            <a:gs pos="84000">
+              <a:schemeClr val="accent1">
+                <a:lumMod val="60000"/>
+                <a:lumOff val="40000"/>
+              </a:schemeClr>
+            </a:gs>
+            <a:gs pos="100000">
+              <a:schemeClr val="accent1">
+                <a:lumMod val="30000"/>
+                <a:lumOff val="70000"/>
+              </a:schemeClr>
+            </a:gs>
+          </a:gsLst>
+          <a:lin ang="2700000" scaled="1"/>
+        </a:gradFill>
+        <a:effectLst/>
+      </p:bgPr>
+    </p:bg>
+    <p:spTree>
+      <p:nvGrpSpPr>
+        <p:cNvPr id="1" name=""/>
+        <p:cNvGrpSpPr/>
+        <p:nvPr/>
+      </p:nvGrpSpPr>
+      <p:grpSpPr>
+        <a:xfrm>
+          <a:off x="0" y="0"/>
+          <a:ext cx="0" cy="0"/>
+          <a:chOff x="0" y="0"/>
+          <a:chExt cx="0" cy="0"/>
+        </a:xfrm>
+      </p:grpSpPr>
+      <p:sp>
+        <p:nvSpPr>
+          <p:cNvPr id="2" name="Titre 1">
+            <a:extLst>
+              <a:ext uri="{FF2B5EF4-FFF2-40B4-BE49-F238E27FC236}">
+                <a16:creationId xmlns:a16="http://schemas.microsoft.com/office/drawing/2014/main" id="{755DF42A-8543-C04A-462C-622143E845F6}"/>
+              </a:ext>
+            </a:extLst>
+          </p:cNvPr>
+          <p:cNvSpPr>
+            <a:spLocks noGrp="1"/>
+          </p:cNvSpPr>
+          <p:nvPr>
+            <p:ph type="title"/>
+          </p:nvPr>
+        </p:nvSpPr>
+        <p:spPr/>
+        <p:txBody>
+          <a:bodyPr/>
+          <a:lstStyle/>
+          <a:p>
+            <a:r>
+              <a:rPr lang="fr-CA" dirty="0"/>
+              <a:t>Accueil internaute</a:t>
+            </a:r>
+          </a:p>
+        </p:txBody>
+      </p:sp>
+      <p:sp>
+        <p:nvSpPr>
+          <p:cNvPr id="3" name="Espace réservé du contenu 2">
+            <a:extLst>
+              <a:ext uri="{FF2B5EF4-FFF2-40B4-BE49-F238E27FC236}">
+                <a16:creationId xmlns:a16="http://schemas.microsoft.com/office/drawing/2014/main" id="{B477FFD7-128D-83FF-C7CB-A7842148A65E}"/>
+              </a:ext>
+            </a:extLst>
+          </p:cNvPr>
+          <p:cNvSpPr>
+            <a:spLocks noGrp="1"/>
+          </p:cNvSpPr>
+          <p:nvPr>
+            <p:ph idx="1"/>
+          </p:nvPr>
+        </p:nvSpPr>
+        <p:spPr>
+          <a:xfrm>
+            <a:off x="581192" y="2180495"/>
+            <a:ext cx="11029615" cy="4412809"/>
+          </a:xfrm>
+        </p:spPr>
+        <p:txBody>
+          <a:bodyPr/>
+          <a:lstStyle/>
+          <a:p>
+            <a:r>
+              <a:rPr lang="fr-CA" dirty="0">
+                <a:solidFill>
+                  <a:schemeClr val="bg1"/>
+                </a:solidFill>
+              </a:rPr>
+              <a:t>Affichage de base de l’application</a:t>
+            </a:r>
+          </a:p>
+          <a:p>
+            <a:r>
+              <a:rPr lang="fr-CA" dirty="0">
+                <a:solidFill>
+                  <a:schemeClr val="bg1"/>
+                </a:solidFill>
+              </a:rPr>
+              <a:t>Affichage pour toute personne non connectée</a:t>
+            </a:r>
+          </a:p>
+          <a:p>
+            <a:endParaRPr lang="fr-CA" dirty="0">
+              <a:solidFill>
+                <a:schemeClr val="bg1"/>
+              </a:solidFill>
+            </a:endParaRPr>
+          </a:p>
+          <a:p>
+            <a:r>
+              <a:rPr lang="fr-CA" dirty="0">
+                <a:solidFill>
+                  <a:schemeClr val="bg1"/>
+                </a:solidFill>
+              </a:rPr>
+              <a:t>Montre liste des catégories disponibles</a:t>
+            </a:r>
+          </a:p>
+          <a:p>
+            <a:r>
+              <a:rPr lang="fr-CA" dirty="0">
+                <a:solidFill>
+                  <a:schemeClr val="bg1"/>
+                </a:solidFill>
+              </a:rPr>
+              <a:t>Affiche aussi liste des vendeurs qui ont produits à vendre dans cette catégorie</a:t>
+            </a:r>
+          </a:p>
+          <a:p>
+            <a:endParaRPr lang="fr-CA" dirty="0">
+              <a:solidFill>
+                <a:schemeClr val="bg1"/>
+              </a:solidFill>
+            </a:endParaRPr>
+          </a:p>
+          <a:p>
+            <a:r>
+              <a:rPr lang="fr-CA" dirty="0">
+                <a:solidFill>
+                  <a:schemeClr val="bg1"/>
+                </a:solidFill>
+              </a:rPr>
+              <a:t>Possibilité de cliquer sur les vendeurs</a:t>
+            </a:r>
+          </a:p>
+          <a:p>
+            <a:pPr lvl="1"/>
+            <a:r>
+              <a:rPr lang="fr-CA" dirty="0">
+                <a:solidFill>
+                  <a:schemeClr val="bg1"/>
+                </a:solidFill>
+              </a:rPr>
+              <a:t>Affiche la liste des 15 derniers produits</a:t>
+            </a:r>
+          </a:p>
+          <a:p>
+            <a:pPr lvl="1"/>
+            <a:r>
+              <a:rPr lang="fr-CA" dirty="0">
+                <a:solidFill>
+                  <a:schemeClr val="bg1"/>
+                </a:solidFill>
+              </a:rPr>
+              <a:t>Liens pour se connecter et accéder au catalogue complet</a:t>
+            </a:r>
+          </a:p>
+          <a:p>
+            <a:endParaRPr lang="fr-CA" dirty="0">
+              <a:solidFill>
+                <a:schemeClr val="bg1"/>
+              </a:solidFill>
+            </a:endParaRPr>
+          </a:p>
+          <a:p>
+            <a:r>
+              <a:rPr lang="fr-CA" dirty="0">
+                <a:solidFill>
+                  <a:schemeClr val="bg1"/>
+                </a:solidFill>
+              </a:rPr>
+              <a:t>Peut uniquement visualiser</a:t>
+            </a:r>
+          </a:p>
+        </p:txBody>
+      </p:sp>
+    </p:spTree>
+    <p:extLst>
+      <p:ext uri="{BB962C8B-B14F-4D97-AF65-F5344CB8AC3E}">
+        <p14:creationId xmlns:p14="http://schemas.microsoft.com/office/powerpoint/2010/main" val="858085572"/>
+      </p:ext>
+    </p:extLst>
+  </p:cSld>
+  <p:clrMapOvr>
+    <a:masterClrMapping/>
+  </p:clrMapOvr>
+</p:sld>
+</file>
+
+<file path=ppt/slides/slide4.xml><?xml version="1.0" encoding="utf-8"?>
+<p:sld xmlns:a="http://schemas.openxmlformats.org/drawingml/2006/main" xmlns:r="http://schemas.openxmlformats.org/officeDocument/2006/relationships" xmlns:p="http://schemas.openxmlformats.org/presentationml/2006/main">
+  <p:cSld>
+    <p:bg>
+      <p:bgPr>
+        <a:gradFill>
+          <a:gsLst>
+            <a:gs pos="0">
+              <a:schemeClr val="tx1"/>
+            </a:gs>
+            <a:gs pos="32000">
+              <a:schemeClr val="accent1"/>
+            </a:gs>
+            <a:gs pos="84000">
+              <a:schemeClr val="accent1">
+                <a:lumMod val="60000"/>
+                <a:lumOff val="40000"/>
+              </a:schemeClr>
+            </a:gs>
+            <a:gs pos="100000">
+              <a:schemeClr val="accent1">
+                <a:lumMod val="30000"/>
+                <a:lumOff val="70000"/>
+              </a:schemeClr>
+            </a:gs>
+          </a:gsLst>
+          <a:lin ang="2700000" scaled="1"/>
+        </a:gradFill>
+        <a:effectLst/>
+      </p:bgPr>
+    </p:bg>
+    <p:spTree>
+      <p:nvGrpSpPr>
+        <p:cNvPr id="1" name=""/>
+        <p:cNvGrpSpPr/>
+        <p:nvPr/>
+      </p:nvGrpSpPr>
+      <p:grpSpPr>
+        <a:xfrm>
+          <a:off x="0" y="0"/>
+          <a:ext cx="0" cy="0"/>
+          <a:chOff x="0" y="0"/>
+          <a:chExt cx="0" cy="0"/>
+        </a:xfrm>
+      </p:grpSpPr>
+      <p:sp>
+        <p:nvSpPr>
+          <p:cNvPr id="2" name="Titre 1">
+            <a:extLst>
+              <a:ext uri="{FF2B5EF4-FFF2-40B4-BE49-F238E27FC236}">
+                <a16:creationId xmlns:a16="http://schemas.microsoft.com/office/drawing/2014/main" id="{755DF42A-8543-C04A-462C-622143E845F6}"/>
+              </a:ext>
+            </a:extLst>
+          </p:cNvPr>
+          <p:cNvSpPr>
+            <a:spLocks noGrp="1"/>
+          </p:cNvSpPr>
+          <p:nvPr>
+            <p:ph type="title"/>
+          </p:nvPr>
+        </p:nvSpPr>
+        <p:spPr/>
+        <p:txBody>
+          <a:bodyPr/>
+          <a:lstStyle/>
+          <a:p>
+            <a:r>
+              <a:rPr lang="fr-CA" dirty="0"/>
+              <a:t>Vendeur et client (1)</a:t>
+            </a:r>
+          </a:p>
+        </p:txBody>
+      </p:sp>
+      <p:sp>
+        <p:nvSpPr>
+          <p:cNvPr id="3" name="Espace réservé du contenu 2">
+            <a:extLst>
+              <a:ext uri="{FF2B5EF4-FFF2-40B4-BE49-F238E27FC236}">
+                <a16:creationId xmlns:a16="http://schemas.microsoft.com/office/drawing/2014/main" id="{B477FFD7-128D-83FF-C7CB-A7842148A65E}"/>
+              </a:ext>
+            </a:extLst>
+          </p:cNvPr>
+          <p:cNvSpPr>
+            <a:spLocks noGrp="1"/>
+          </p:cNvSpPr>
+          <p:nvPr>
+            <p:ph idx="1"/>
+          </p:nvPr>
+        </p:nvSpPr>
+        <p:spPr>
+          <a:xfrm>
+            <a:off x="581192" y="1857676"/>
+            <a:ext cx="11029615" cy="4899259"/>
+          </a:xfrm>
+        </p:spPr>
+        <p:txBody>
+          <a:bodyPr>
+            <a:normAutofit/>
+          </a:bodyPr>
+          <a:lstStyle/>
+          <a:p>
+            <a:r>
+              <a:rPr lang="fr-CA" dirty="0">
+                <a:solidFill>
+                  <a:schemeClr val="bg1"/>
+                </a:solidFill>
+              </a:rPr>
+              <a:t>Inscription:</a:t>
+            </a:r>
+          </a:p>
+          <a:p>
+            <a:pPr lvl="1"/>
+            <a:r>
+              <a:rPr lang="fr-CA" dirty="0">
+                <a:solidFill>
+                  <a:schemeClr val="bg1"/>
+                </a:solidFill>
+              </a:rPr>
+              <a:t>Page accessible depuis le lien ‘Inscription’ (Client)</a:t>
+            </a:r>
+          </a:p>
+          <a:p>
+            <a:pPr lvl="1"/>
+            <a:r>
+              <a:rPr lang="fr-CA" dirty="0">
+                <a:solidFill>
+                  <a:schemeClr val="bg1"/>
+                </a:solidFill>
+              </a:rPr>
+              <a:t>Page accessible depuis le lien ‘Inscription’ =&gt; bouton ‘S’inscrire comme vendeur’ (Vendeur)</a:t>
+            </a:r>
+          </a:p>
+          <a:p>
+            <a:pPr lvl="1"/>
+            <a:endParaRPr lang="fr-CA" dirty="0">
+              <a:solidFill>
+                <a:schemeClr val="bg1"/>
+              </a:solidFill>
+            </a:endParaRPr>
+          </a:p>
+          <a:p>
+            <a:pPr lvl="1"/>
+            <a:r>
+              <a:rPr lang="fr-CA" dirty="0">
+                <a:solidFill>
+                  <a:schemeClr val="bg1"/>
+                </a:solidFill>
+              </a:rPr>
+              <a:t>Bouton ‘Retour’ pour revenir à page inscription de base (Vendeur)</a:t>
+            </a:r>
+          </a:p>
+          <a:p>
+            <a:pPr lvl="1"/>
+            <a:r>
+              <a:rPr lang="fr-CA" dirty="0">
+                <a:solidFill>
+                  <a:schemeClr val="bg1"/>
+                </a:solidFill>
+              </a:rPr>
+              <a:t>Champs d’informations sur l’utilisateur</a:t>
+            </a:r>
+          </a:p>
+          <a:p>
+            <a:pPr lvl="1"/>
+            <a:r>
+              <a:rPr lang="fr-CA" dirty="0">
+                <a:solidFill>
+                  <a:schemeClr val="bg1"/>
+                </a:solidFill>
+              </a:rPr>
+              <a:t>Champs obligatoires ont une étoile rouge</a:t>
+            </a:r>
+          </a:p>
+          <a:p>
+            <a:pPr lvl="1"/>
+            <a:r>
+              <a:rPr lang="fr-CA" dirty="0">
+                <a:solidFill>
+                  <a:schemeClr val="bg1"/>
+                </a:solidFill>
+              </a:rPr>
+              <a:t>Bouton ‘S’enregistrer’ pour confirmer l’inscription</a:t>
+            </a:r>
+          </a:p>
+          <a:p>
+            <a:pPr lvl="1"/>
+            <a:endParaRPr lang="fr-CA" dirty="0">
+              <a:solidFill>
+                <a:schemeClr val="bg1"/>
+              </a:solidFill>
+            </a:endParaRPr>
+          </a:p>
+          <a:p>
+            <a:pPr lvl="1"/>
+            <a:r>
+              <a:rPr lang="fr-CA" dirty="0">
+                <a:solidFill>
+                  <a:schemeClr val="bg1"/>
+                </a:solidFill>
+              </a:rPr>
+              <a:t>Si valide: </a:t>
+            </a:r>
+          </a:p>
+          <a:p>
+            <a:pPr lvl="2"/>
+            <a:r>
+              <a:rPr lang="fr-CA" dirty="0">
+                <a:solidFill>
+                  <a:schemeClr val="bg1"/>
+                </a:solidFill>
+              </a:rPr>
+              <a:t>Utilisateur ajouté dans BD avec statuts de confirmation/approbation à faux</a:t>
+            </a:r>
+          </a:p>
+          <a:p>
+            <a:pPr lvl="2"/>
+            <a:r>
+              <a:rPr lang="fr-CA" dirty="0">
+                <a:solidFill>
+                  <a:schemeClr val="bg1"/>
+                </a:solidFill>
+              </a:rPr>
+              <a:t>Courriel envoyé à email fourni pour confirmer compte</a:t>
+            </a:r>
+          </a:p>
+          <a:p>
+            <a:pPr lvl="2"/>
+            <a:r>
+              <a:rPr lang="fr-CA" dirty="0">
+                <a:solidFill>
+                  <a:schemeClr val="bg1"/>
+                </a:solidFill>
+              </a:rPr>
+              <a:t>Affichage page de confirmation</a:t>
+            </a:r>
+          </a:p>
+        </p:txBody>
+      </p:sp>
+    </p:spTree>
+    <p:extLst>
+      <p:ext uri="{BB962C8B-B14F-4D97-AF65-F5344CB8AC3E}">
+        <p14:creationId xmlns:p14="http://schemas.microsoft.com/office/powerpoint/2010/main" val="3801055772"/>
+      </p:ext>
+    </p:extLst>
+  </p:cSld>
+  <p:clrMapOvr>
+    <a:masterClrMapping/>
+  </p:clrMapOvr>
+</p:sld>
+</file>
+
+<file path=ppt/slides/slide5.xml><?xml version="1.0" encoding="utf-8"?>
+<p:sld xmlns:a="http://schemas.openxmlformats.org/drawingml/2006/main" xmlns:r="http://schemas.openxmlformats.org/officeDocument/2006/relationships" xmlns:p="http://schemas.openxmlformats.org/presentationml/2006/main">
+  <p:cSld>
+    <p:bg>
+      <p:bgPr>
+        <a:gradFill>
+          <a:gsLst>
+            <a:gs pos="0">
+              <a:schemeClr val="tx1"/>
+            </a:gs>
+            <a:gs pos="32000">
+              <a:schemeClr val="accent1"/>
+            </a:gs>
+            <a:gs pos="84000">
+              <a:schemeClr val="accent1">
+                <a:lumMod val="60000"/>
+                <a:lumOff val="40000"/>
+              </a:schemeClr>
+            </a:gs>
+            <a:gs pos="100000">
+              <a:schemeClr val="accent1">
+                <a:lumMod val="30000"/>
+                <a:lumOff val="70000"/>
+              </a:schemeClr>
+            </a:gs>
+          </a:gsLst>
+          <a:lin ang="2700000" scaled="1"/>
+        </a:gradFill>
+        <a:effectLst/>
+      </p:bgPr>
+    </p:bg>
+    <p:spTree>
+      <p:nvGrpSpPr>
+        <p:cNvPr id="1" name=""/>
+        <p:cNvGrpSpPr/>
+        <p:nvPr/>
+      </p:nvGrpSpPr>
+      <p:grpSpPr>
+        <a:xfrm>
+          <a:off x="0" y="0"/>
+          <a:ext cx="0" cy="0"/>
+          <a:chOff x="0" y="0"/>
+          <a:chExt cx="0" cy="0"/>
+        </a:xfrm>
+      </p:grpSpPr>
+      <p:sp>
+        <p:nvSpPr>
+          <p:cNvPr id="2" name="Titre 1">
+            <a:extLst>
+              <a:ext uri="{FF2B5EF4-FFF2-40B4-BE49-F238E27FC236}">
+                <a16:creationId xmlns:a16="http://schemas.microsoft.com/office/drawing/2014/main" id="{755DF42A-8543-C04A-462C-622143E845F6}"/>
+              </a:ext>
+            </a:extLst>
+          </p:cNvPr>
+          <p:cNvSpPr>
+            <a:spLocks noGrp="1"/>
+          </p:cNvSpPr>
+          <p:nvPr>
+            <p:ph type="title"/>
+          </p:nvPr>
+        </p:nvSpPr>
+        <p:spPr/>
+        <p:txBody>
+          <a:bodyPr/>
+          <a:lstStyle/>
+          <a:p>
+            <a:r>
+              <a:rPr lang="fr-CA" dirty="0"/>
+              <a:t>Vendeur et client (1)</a:t>
+            </a:r>
+          </a:p>
+        </p:txBody>
+      </p:sp>
+      <p:sp>
+        <p:nvSpPr>
+          <p:cNvPr id="3" name="Espace réservé du contenu 2">
+            <a:extLst>
+              <a:ext uri="{FF2B5EF4-FFF2-40B4-BE49-F238E27FC236}">
+                <a16:creationId xmlns:a16="http://schemas.microsoft.com/office/drawing/2014/main" id="{B477FFD7-128D-83FF-C7CB-A7842148A65E}"/>
+              </a:ext>
+            </a:extLst>
+          </p:cNvPr>
+          <p:cNvSpPr>
+            <a:spLocks noGrp="1"/>
+          </p:cNvSpPr>
+          <p:nvPr>
+            <p:ph idx="1"/>
+          </p:nvPr>
+        </p:nvSpPr>
+        <p:spPr>
+          <a:xfrm>
+            <a:off x="581192" y="1857676"/>
+            <a:ext cx="11029615" cy="4899259"/>
+          </a:xfrm>
+        </p:spPr>
+        <p:txBody>
+          <a:bodyPr/>
+          <a:lstStyle/>
+          <a:p>
+            <a:r>
+              <a:rPr lang="fr-CA" dirty="0">
+                <a:solidFill>
+                  <a:schemeClr val="bg1"/>
+                </a:solidFill>
+              </a:rPr>
+              <a:t>Activation:</a:t>
+            </a:r>
+          </a:p>
+          <a:p>
+            <a:pPr lvl="1"/>
+            <a:r>
+              <a:rPr lang="fr-CA" dirty="0">
+                <a:solidFill>
+                  <a:schemeClr val="bg1"/>
+                </a:solidFill>
+              </a:rPr>
+              <a:t>Courriel de confirmation envoyé et nécessaire à la connexion</a:t>
+            </a:r>
+          </a:p>
+          <a:p>
+            <a:pPr lvl="1"/>
+            <a:r>
+              <a:rPr lang="fr-CA" dirty="0">
+                <a:solidFill>
+                  <a:schemeClr val="bg1"/>
+                </a:solidFill>
+              </a:rPr>
+              <a:t>Une fois lien confirmation cliqué =&gt; statut de confirmation devient valide</a:t>
+            </a:r>
+          </a:p>
+          <a:p>
+            <a:pPr lvl="1"/>
+            <a:endParaRPr lang="fr-CA" dirty="0">
+              <a:solidFill>
+                <a:schemeClr val="bg1"/>
+              </a:solidFill>
+            </a:endParaRPr>
+          </a:p>
+          <a:p>
+            <a:pPr lvl="1"/>
+            <a:r>
+              <a:rPr lang="fr-CA" dirty="0">
+                <a:solidFill>
+                  <a:schemeClr val="bg1"/>
+                </a:solidFill>
+              </a:rPr>
+              <a:t>Doit attendre approbation du gestionnaire pour se connecter (Vendeur)</a:t>
+            </a:r>
+          </a:p>
+        </p:txBody>
+      </p:sp>
+    </p:spTree>
+    <p:extLst>
+      <p:ext uri="{BB962C8B-B14F-4D97-AF65-F5344CB8AC3E}">
+        <p14:creationId xmlns:p14="http://schemas.microsoft.com/office/powerpoint/2010/main" val="2118975356"/>
+      </p:ext>
+    </p:extLst>
+  </p:cSld>
+  <p:clrMapOvr>
+    <a:masterClrMapping/>
+  </p:clrMapOvr>
+</p:sld>
+</file>
+
+<file path=ppt/slides/slide6.xml><?xml version="1.0" encoding="utf-8"?>
+<p:sld xmlns:a="http://schemas.openxmlformats.org/drawingml/2006/main" xmlns:r="http://schemas.openxmlformats.org/officeDocument/2006/relationships" xmlns:p="http://schemas.openxmlformats.org/presentationml/2006/main">
+  <p:cSld>
+    <p:bg>
+      <p:bgPr>
+        <a:gradFill>
+          <a:gsLst>
+            <a:gs pos="0">
+              <a:schemeClr val="tx1"/>
+            </a:gs>
+            <a:gs pos="32000">
+              <a:schemeClr val="accent1"/>
+            </a:gs>
+            <a:gs pos="84000">
+              <a:schemeClr val="accent1">
+                <a:lumMod val="60000"/>
+                <a:lumOff val="40000"/>
+              </a:schemeClr>
+            </a:gs>
+            <a:gs pos="100000">
+              <a:schemeClr val="accent1">
+                <a:lumMod val="30000"/>
+                <a:lumOff val="70000"/>
+              </a:schemeClr>
+            </a:gs>
+          </a:gsLst>
+          <a:lin ang="2700000" scaled="1"/>
+        </a:gradFill>
+        <a:effectLst/>
+      </p:bgPr>
+    </p:bg>
+    <p:spTree>
+      <p:nvGrpSpPr>
+        <p:cNvPr id="1" name=""/>
+        <p:cNvGrpSpPr/>
+        <p:nvPr/>
+      </p:nvGrpSpPr>
+      <p:grpSpPr>
+        <a:xfrm>
+          <a:off x="0" y="0"/>
+          <a:ext cx="0" cy="0"/>
+          <a:chOff x="0" y="0"/>
+          <a:chExt cx="0" cy="0"/>
+        </a:xfrm>
+      </p:grpSpPr>
+      <p:sp>
+        <p:nvSpPr>
+          <p:cNvPr id="2" name="Titre 1">
+            <a:extLst>
+              <a:ext uri="{FF2B5EF4-FFF2-40B4-BE49-F238E27FC236}">
+                <a16:creationId xmlns:a16="http://schemas.microsoft.com/office/drawing/2014/main" id="{755DF42A-8543-C04A-462C-622143E845F6}"/>
+              </a:ext>
+            </a:extLst>
+          </p:cNvPr>
+          <p:cNvSpPr>
+            <a:spLocks noGrp="1"/>
+          </p:cNvSpPr>
+          <p:nvPr>
+            <p:ph type="title"/>
+          </p:nvPr>
+        </p:nvSpPr>
+        <p:spPr/>
+        <p:txBody>
+          <a:bodyPr/>
+          <a:lstStyle/>
+          <a:p>
+            <a:r>
+              <a:rPr lang="fr-CA" dirty="0"/>
+              <a:t>Vendeur et client (1)</a:t>
+            </a:r>
+          </a:p>
+        </p:txBody>
+      </p:sp>
+      <p:sp>
+        <p:nvSpPr>
+          <p:cNvPr id="3" name="Espace réservé du contenu 2">
+            <a:extLst>
+              <a:ext uri="{FF2B5EF4-FFF2-40B4-BE49-F238E27FC236}">
+                <a16:creationId xmlns:a16="http://schemas.microsoft.com/office/drawing/2014/main" id="{B477FFD7-128D-83FF-C7CB-A7842148A65E}"/>
+              </a:ext>
+            </a:extLst>
+          </p:cNvPr>
+          <p:cNvSpPr>
+            <a:spLocks noGrp="1"/>
+          </p:cNvSpPr>
+          <p:nvPr>
+            <p:ph idx="1"/>
+          </p:nvPr>
+        </p:nvSpPr>
+        <p:spPr>
+          <a:xfrm>
+            <a:off x="581192" y="1857676"/>
+            <a:ext cx="11029615" cy="4899259"/>
+          </a:xfrm>
+        </p:spPr>
+        <p:txBody>
+          <a:bodyPr/>
+          <a:lstStyle/>
+          <a:p>
+            <a:r>
+              <a:rPr lang="fr-CA" dirty="0">
+                <a:solidFill>
+                  <a:schemeClr val="bg1"/>
+                </a:solidFill>
+              </a:rPr>
+              <a:t>Connexion:</a:t>
+            </a:r>
+          </a:p>
+          <a:p>
+            <a:pPr lvl="1"/>
+            <a:r>
+              <a:rPr lang="fr-CA" dirty="0">
+                <a:solidFill>
+                  <a:schemeClr val="bg1"/>
+                </a:solidFill>
+              </a:rPr>
+              <a:t>Une fois statuts valides, l’utilisateur peut connecter</a:t>
+            </a:r>
+          </a:p>
+          <a:p>
+            <a:pPr lvl="1"/>
+            <a:endParaRPr lang="fr-CA" dirty="0">
+              <a:solidFill>
+                <a:schemeClr val="bg1"/>
+              </a:solidFill>
+            </a:endParaRPr>
+          </a:p>
+          <a:p>
+            <a:pPr lvl="1"/>
+            <a:r>
+              <a:rPr lang="fr-CA" dirty="0">
+                <a:solidFill>
+                  <a:schemeClr val="bg1"/>
+                </a:solidFill>
+              </a:rPr>
+              <a:t>Page accessible depuis lien ‘Connexion’ dans la barre de menu</a:t>
+            </a:r>
+          </a:p>
+        </p:txBody>
+      </p:sp>
+    </p:spTree>
+    <p:extLst>
+      <p:ext uri="{BB962C8B-B14F-4D97-AF65-F5344CB8AC3E}">
+        <p14:creationId xmlns:p14="http://schemas.microsoft.com/office/powerpoint/2010/main" val="3929942418"/>
+      </p:ext>
+    </p:extLst>
+  </p:cSld>
+  <p:clrMapOvr>
+    <a:masterClrMapping/>
+  </p:clrMapOvr>
+</p:sld>
+</file>
+
+<file path=ppt/slides/slide7.xml><?xml version="1.0" encoding="utf-8"?>
+<p:sld xmlns:a="http://schemas.openxmlformats.org/drawingml/2006/main" xmlns:r="http://schemas.openxmlformats.org/officeDocument/2006/relationships" xmlns:p="http://schemas.openxmlformats.org/presentationml/2006/main">
+  <p:cSld>
+    <p:bg>
+      <p:bgPr>
+        <a:gradFill>
+          <a:gsLst>
+            <a:gs pos="0">
+              <a:schemeClr val="tx1"/>
+            </a:gs>
+            <a:gs pos="32000">
+              <a:schemeClr val="accent1"/>
+            </a:gs>
+            <a:gs pos="84000">
+              <a:schemeClr val="accent1">
+                <a:lumMod val="60000"/>
+                <a:lumOff val="40000"/>
+              </a:schemeClr>
+            </a:gs>
+            <a:gs pos="100000">
+              <a:schemeClr val="accent1">
+                <a:lumMod val="30000"/>
+                <a:lumOff val="70000"/>
+              </a:schemeClr>
+            </a:gs>
+          </a:gsLst>
+          <a:lin ang="2700000" scaled="0"/>
+        </a:gradFill>
+        <a:effectLst/>
+      </p:bgPr>
+    </p:bg>
+    <p:spTree>
+      <p:nvGrpSpPr>
+        <p:cNvPr id="1" name=""/>
+        <p:cNvGrpSpPr/>
+        <p:nvPr/>
+      </p:nvGrpSpPr>
+      <p:grpSpPr>
+        <a:xfrm>
+          <a:off x="0" y="0"/>
+          <a:ext cx="0" cy="0"/>
+          <a:chOff x="0" y="0"/>
+          <a:chExt cx="0" cy="0"/>
+        </a:xfrm>
+      </p:grpSpPr>
+      <p:sp>
+        <p:nvSpPr>
+          <p:cNvPr id="2" name="Titre 1">
+            <a:extLst>
+              <a:ext uri="{FF2B5EF4-FFF2-40B4-BE49-F238E27FC236}">
+                <a16:creationId xmlns:a16="http://schemas.microsoft.com/office/drawing/2014/main" id="{755DF42A-8543-C04A-462C-622143E845F6}"/>
+              </a:ext>
+            </a:extLst>
+          </p:cNvPr>
+          <p:cNvSpPr>
+            <a:spLocks noGrp="1"/>
+          </p:cNvSpPr>
+          <p:nvPr>
+            <p:ph type="title"/>
+          </p:nvPr>
+        </p:nvSpPr>
+        <p:spPr/>
+        <p:txBody>
+          <a:bodyPr/>
+          <a:lstStyle/>
+          <a:p>
+            <a:r>
+              <a:rPr lang="fr-CA" dirty="0"/>
+              <a:t>Vendeur et client (1)</a:t>
+            </a:r>
+          </a:p>
+        </p:txBody>
+      </p:sp>
+      <p:sp>
+        <p:nvSpPr>
+          <p:cNvPr id="3" name="Espace réservé du contenu 2">
+            <a:extLst>
+              <a:ext uri="{FF2B5EF4-FFF2-40B4-BE49-F238E27FC236}">
+                <a16:creationId xmlns:a16="http://schemas.microsoft.com/office/drawing/2014/main" id="{B477FFD7-128D-83FF-C7CB-A7842148A65E}"/>
+              </a:ext>
+            </a:extLst>
+          </p:cNvPr>
+          <p:cNvSpPr>
+            <a:spLocks noGrp="1"/>
+          </p:cNvSpPr>
+          <p:nvPr>
+            <p:ph idx="1"/>
+          </p:nvPr>
+        </p:nvSpPr>
+        <p:spPr>
+          <a:xfrm>
+            <a:off x="581192" y="1857676"/>
+            <a:ext cx="11029615" cy="4899259"/>
+          </a:xfrm>
+        </p:spPr>
+        <p:txBody>
+          <a:bodyPr/>
+          <a:lstStyle/>
+          <a:p>
+            <a:r>
+              <a:rPr lang="fr-CA" dirty="0">
+                <a:solidFill>
+                  <a:schemeClr val="bg1"/>
+                </a:solidFill>
+              </a:rPr>
+              <a:t>Mot de passe:</a:t>
+            </a:r>
+          </a:p>
+          <a:p>
+            <a:pPr lvl="1"/>
+            <a:r>
+              <a:rPr lang="fr-CA" dirty="0">
+                <a:solidFill>
+                  <a:schemeClr val="bg1"/>
+                </a:solidFill>
+              </a:rPr>
+              <a:t>Par sécurité, mot de passes doivent respecter certaines règles:</a:t>
+            </a:r>
+          </a:p>
+          <a:p>
+            <a:pPr lvl="2"/>
+            <a:r>
+              <a:rPr lang="fr-CA" dirty="0">
+                <a:solidFill>
+                  <a:schemeClr val="bg1"/>
+                </a:solidFill>
+              </a:rPr>
+              <a:t>Doivent contenir au moins 6 caractères et au maximum 100 caractères</a:t>
+            </a:r>
+          </a:p>
+          <a:p>
+            <a:pPr lvl="2"/>
+            <a:r>
+              <a:rPr lang="fr-CA" dirty="0">
+                <a:solidFill>
+                  <a:schemeClr val="bg1"/>
+                </a:solidFill>
+              </a:rPr>
+              <a:t>Doivent contenir au moins 1 caractère non alphanumérique</a:t>
+            </a:r>
+          </a:p>
+          <a:p>
+            <a:pPr lvl="2"/>
+            <a:r>
+              <a:rPr lang="fr-CA" dirty="0">
+                <a:solidFill>
+                  <a:schemeClr val="bg1"/>
+                </a:solidFill>
+              </a:rPr>
+              <a:t>Doivent contenir au moins 1 chiffre</a:t>
+            </a:r>
+          </a:p>
+          <a:p>
+            <a:pPr lvl="2"/>
+            <a:r>
+              <a:rPr lang="fr-CA" dirty="0">
+                <a:solidFill>
+                  <a:schemeClr val="bg1"/>
+                </a:solidFill>
+              </a:rPr>
+              <a:t>Doivent contenir au moins une minuscule</a:t>
+            </a:r>
+          </a:p>
+          <a:p>
+            <a:pPr lvl="2"/>
+            <a:r>
+              <a:rPr lang="fr-CA" dirty="0">
+                <a:solidFill>
+                  <a:schemeClr val="bg1"/>
+                </a:solidFill>
+              </a:rPr>
+              <a:t>Doivent contenir au moins une majuscule</a:t>
+            </a:r>
+          </a:p>
+          <a:p>
+            <a:pPr lvl="2"/>
+            <a:endParaRPr lang="fr-CA" dirty="0">
+              <a:solidFill>
+                <a:schemeClr val="bg1"/>
+              </a:solidFill>
+            </a:endParaRPr>
+          </a:p>
+          <a:p>
+            <a:pPr lvl="1"/>
+            <a:r>
+              <a:rPr lang="fr-CA" dirty="0">
+                <a:solidFill>
+                  <a:schemeClr val="bg1"/>
+                </a:solidFill>
+              </a:rPr>
+              <a:t>Page ‘Mot de passe oublié?’:</a:t>
+            </a:r>
+          </a:p>
+          <a:p>
+            <a:pPr lvl="2"/>
+            <a:r>
+              <a:rPr lang="fr-CA" dirty="0">
+                <a:solidFill>
+                  <a:schemeClr val="bg1"/>
+                </a:solidFill>
+              </a:rPr>
+              <a:t>Permet de changer son mot de passe grâce à un courriel envoyé à l’utilisateur</a:t>
+            </a:r>
+          </a:p>
+          <a:p>
+            <a:pPr lvl="2"/>
+            <a:endParaRPr lang="fr-CA" dirty="0">
+              <a:solidFill>
+                <a:schemeClr val="bg1"/>
+              </a:solidFill>
+            </a:endParaRPr>
+          </a:p>
+          <a:p>
+            <a:pPr lvl="1"/>
+            <a:r>
+              <a:rPr lang="fr-CA" dirty="0">
+                <a:solidFill>
+                  <a:schemeClr val="bg1"/>
+                </a:solidFill>
+              </a:rPr>
+              <a:t>Page ‘Mot de passe’:</a:t>
+            </a:r>
+          </a:p>
+          <a:p>
+            <a:pPr lvl="2"/>
+            <a:r>
+              <a:rPr lang="fr-CA" dirty="0">
+                <a:solidFill>
+                  <a:schemeClr val="bg1"/>
+                </a:solidFill>
+              </a:rPr>
+              <a:t>Permet de changer son mot de passe depuis sa page de profil</a:t>
+            </a:r>
+          </a:p>
+        </p:txBody>
+      </p:sp>
+      <p:pic>
+        <p:nvPicPr>
+          <p:cNvPr id="5" name="Image 4">
+            <a:extLst>
+              <a:ext uri="{FF2B5EF4-FFF2-40B4-BE49-F238E27FC236}">
+                <a16:creationId xmlns:a16="http://schemas.microsoft.com/office/drawing/2014/main" id="{539CCE85-407F-E83D-9E9B-4CA41CE3BE64}"/>
+              </a:ext>
+            </a:extLst>
+          </p:cNvPr>
+          <p:cNvPicPr>
+            <a:picLocks noChangeAspect="1"/>
+          </p:cNvPicPr>
+          <p:nvPr/>
+        </p:nvPicPr>
+        <p:blipFill>
+          <a:blip r:embed="rId2"/>
+          <a:stretch>
+            <a:fillRect/>
+          </a:stretch>
+        </p:blipFill>
+        <p:spPr>
+          <a:xfrm>
+            <a:off x="7405034" y="4542372"/>
+            <a:ext cx="4591051" cy="2214563"/>
+          </a:xfrm>
+          <a:prstGeom prst="rect">
+            <a:avLst/>
+          </a:prstGeom>
+        </p:spPr>
+      </p:pic>
+    </p:spTree>
+    <p:extLst>
+      <p:ext uri="{BB962C8B-B14F-4D97-AF65-F5344CB8AC3E}">
+        <p14:creationId xmlns:p14="http://schemas.microsoft.com/office/powerpoint/2010/main" val="2379057288"/>
+      </p:ext>
+    </p:extLst>
+  </p:cSld>
+  <p:clrMapOvr>
+    <a:masterClrMapping/>
+  </p:clrMapOvr>
+</p:sld>
+</file>
+
+<file path=ppt/slides/slide8.xml><?xml version="1.0" encoding="utf-8"?>
+<p:sld xmlns:a="http://schemas.openxmlformats.org/drawingml/2006/main" xmlns:r="http://schemas.openxmlformats.org/officeDocument/2006/relationships" xmlns:p="http://schemas.openxmlformats.org/presentationml/2006/main">
+  <p:cSld>
+    <p:bg>
+      <p:bgPr>
+        <a:gradFill>
+          <a:gsLst>
+            <a:gs pos="0">
+              <a:schemeClr val="tx1"/>
+            </a:gs>
+            <a:gs pos="32000">
+              <a:schemeClr val="accent1"/>
+            </a:gs>
+            <a:gs pos="84000">
+              <a:schemeClr val="accent1">
+                <a:lumMod val="60000"/>
+                <a:lumOff val="40000"/>
+              </a:schemeClr>
+            </a:gs>
+            <a:gs pos="100000">
+              <a:schemeClr val="accent1">
+                <a:lumMod val="30000"/>
+                <a:lumOff val="70000"/>
+              </a:schemeClr>
+            </a:gs>
+          </a:gsLst>
+          <a:lin ang="2700000" scaled="0"/>
+        </a:gradFill>
+        <a:effectLst/>
+      </p:bgPr>
+    </p:bg>
+    <p:spTree>
+      <p:nvGrpSpPr>
+        <p:cNvPr id="1" name=""/>
+        <p:cNvGrpSpPr/>
+        <p:nvPr/>
+      </p:nvGrpSpPr>
+      <p:grpSpPr>
+        <a:xfrm>
+          <a:off x="0" y="0"/>
+          <a:ext cx="0" cy="0"/>
+          <a:chOff x="0" y="0"/>
+          <a:chExt cx="0" cy="0"/>
+        </a:xfrm>
+      </p:grpSpPr>
+      <p:sp>
+        <p:nvSpPr>
+          <p:cNvPr id="2" name="Titre 1">
+            <a:extLst>
+              <a:ext uri="{FF2B5EF4-FFF2-40B4-BE49-F238E27FC236}">
+                <a16:creationId xmlns:a16="http://schemas.microsoft.com/office/drawing/2014/main" id="{755DF42A-8543-C04A-462C-622143E845F6}"/>
+              </a:ext>
+            </a:extLst>
+          </p:cNvPr>
+          <p:cNvSpPr>
+            <a:spLocks noGrp="1"/>
+          </p:cNvSpPr>
+          <p:nvPr>
+            <p:ph type="title"/>
+          </p:nvPr>
+        </p:nvSpPr>
+        <p:spPr/>
+        <p:txBody>
+          <a:bodyPr/>
+          <a:lstStyle/>
+          <a:p>
+            <a:r>
+              <a:rPr lang="fr-CA" dirty="0"/>
+              <a:t>Gestionnaire (1)</a:t>
+            </a:r>
+          </a:p>
+        </p:txBody>
+      </p:sp>
+      <p:sp>
+        <p:nvSpPr>
+          <p:cNvPr id="3" name="Espace réservé du contenu 2">
+            <a:extLst>
+              <a:ext uri="{FF2B5EF4-FFF2-40B4-BE49-F238E27FC236}">
+                <a16:creationId xmlns:a16="http://schemas.microsoft.com/office/drawing/2014/main" id="{B477FFD7-128D-83FF-C7CB-A7842148A65E}"/>
+              </a:ext>
+            </a:extLst>
+          </p:cNvPr>
+          <p:cNvSpPr>
+            <a:spLocks noGrp="1"/>
+          </p:cNvSpPr>
+          <p:nvPr>
+            <p:ph idx="1"/>
+          </p:nvPr>
+        </p:nvSpPr>
+        <p:spPr>
+          <a:xfrm>
+            <a:off x="581192" y="1857676"/>
+            <a:ext cx="11029615" cy="4899259"/>
+          </a:xfrm>
+        </p:spPr>
+        <p:txBody>
+          <a:bodyPr/>
+          <a:lstStyle/>
+          <a:p>
+            <a:r>
+              <a:rPr lang="fr-CA" dirty="0">
+                <a:solidFill>
+                  <a:schemeClr val="bg1"/>
+                </a:solidFill>
+              </a:rPr>
+              <a:t>Module gestionnaire:</a:t>
+            </a:r>
+          </a:p>
+          <a:p>
+            <a:pPr lvl="1"/>
+            <a:r>
+              <a:rPr lang="fr-CA" dirty="0">
+                <a:solidFill>
+                  <a:schemeClr val="bg1"/>
+                </a:solidFill>
+              </a:rPr>
+              <a:t>Donne accès à toutes les pages importantes et les plus utiles pour le gestionnaire</a:t>
+            </a:r>
+          </a:p>
+          <a:p>
+            <a:pPr lvl="1"/>
+            <a:r>
+              <a:rPr lang="fr-CA" dirty="0">
+                <a:solidFill>
+                  <a:schemeClr val="bg1"/>
+                </a:solidFill>
+              </a:rPr>
+              <a:t>Pages bien visibles et bien séparées</a:t>
+            </a:r>
+          </a:p>
+          <a:p>
+            <a:pPr lvl="1"/>
+            <a:endParaRPr lang="fr-CA" dirty="0">
+              <a:solidFill>
+                <a:schemeClr val="bg1"/>
+              </a:solidFill>
+            </a:endParaRPr>
+          </a:p>
+          <a:p>
+            <a:pPr lvl="1"/>
+            <a:endParaRPr lang="fr-CA" dirty="0">
+              <a:solidFill>
+                <a:schemeClr val="bg1"/>
+              </a:solidFill>
+            </a:endParaRPr>
+          </a:p>
+          <a:p>
+            <a:pPr lvl="1"/>
+            <a:endParaRPr lang="fr-CA" dirty="0">
+              <a:solidFill>
+                <a:schemeClr val="bg1"/>
+              </a:solidFill>
+            </a:endParaRPr>
+          </a:p>
+          <a:p>
+            <a:pPr lvl="1"/>
+            <a:endParaRPr lang="fr-CA" dirty="0">
+              <a:solidFill>
+                <a:schemeClr val="bg1"/>
+              </a:solidFill>
+            </a:endParaRPr>
+          </a:p>
+          <a:p>
+            <a:pPr lvl="1"/>
+            <a:endParaRPr lang="fr-CA" dirty="0">
+              <a:solidFill>
+                <a:schemeClr val="bg1"/>
+              </a:solidFill>
+            </a:endParaRPr>
+          </a:p>
+          <a:p>
+            <a:pPr lvl="1"/>
+            <a:endParaRPr lang="fr-CA" dirty="0">
+              <a:solidFill>
+                <a:schemeClr val="bg1"/>
+              </a:solidFill>
+            </a:endParaRPr>
+          </a:p>
+          <a:p>
+            <a:pPr lvl="1"/>
+            <a:endParaRPr lang="fr-CA" dirty="0">
+              <a:solidFill>
+                <a:schemeClr val="bg1"/>
+              </a:solidFill>
+            </a:endParaRPr>
+          </a:p>
+          <a:p>
+            <a:pPr lvl="1"/>
+            <a:endParaRPr lang="fr-CA" dirty="0">
+              <a:solidFill>
+                <a:schemeClr val="bg1"/>
+              </a:solidFill>
+            </a:endParaRPr>
+          </a:p>
+          <a:p>
+            <a:pPr lvl="1"/>
+            <a:endParaRPr lang="fr-CA" dirty="0">
+              <a:solidFill>
+                <a:schemeClr val="bg1"/>
+              </a:solidFill>
+            </a:endParaRPr>
+          </a:p>
+          <a:p>
+            <a:pPr lvl="1"/>
+            <a:endParaRPr lang="fr-CA" dirty="0">
+              <a:solidFill>
+                <a:schemeClr val="bg1"/>
+              </a:solidFill>
+            </a:endParaRPr>
+          </a:p>
+        </p:txBody>
+      </p:sp>
+      <p:pic>
+        <p:nvPicPr>
+          <p:cNvPr id="5" name="Image 4">
+            <a:extLst>
+              <a:ext uri="{FF2B5EF4-FFF2-40B4-BE49-F238E27FC236}">
+                <a16:creationId xmlns:a16="http://schemas.microsoft.com/office/drawing/2014/main" id="{B640FDAD-8685-9E82-2891-102A782DCA8E}"/>
+              </a:ext>
+            </a:extLst>
+          </p:cNvPr>
+          <p:cNvPicPr>
+            <a:picLocks noChangeAspect="1"/>
+          </p:cNvPicPr>
+          <p:nvPr/>
+        </p:nvPicPr>
+        <p:blipFill>
+          <a:blip r:embed="rId2"/>
+          <a:stretch>
+            <a:fillRect/>
+          </a:stretch>
+        </p:blipFill>
+        <p:spPr>
+          <a:xfrm>
+            <a:off x="4962526" y="2779848"/>
+            <a:ext cx="6867524" cy="3936436"/>
+          </a:xfrm>
+          <a:prstGeom prst="rect">
+            <a:avLst/>
+          </a:prstGeom>
+        </p:spPr>
+      </p:pic>
+    </p:spTree>
+    <p:extLst>
+      <p:ext uri="{BB962C8B-B14F-4D97-AF65-F5344CB8AC3E}">
+        <p14:creationId xmlns:p14="http://schemas.microsoft.com/office/powerpoint/2010/main" val="3223604407"/>
+      </p:ext>
+    </p:extLst>
+  </p:cSld>
+  <p:clrMapOvr>
+    <a:masterClrMapping/>
+  </p:clrMapOvr>
+</p:sld>
+</file>
+
+<file path=ppt/slides/slide9.xml><?xml version="1.0" encoding="utf-8"?>
+<p:sld xmlns:a="http://schemas.openxmlformats.org/drawingml/2006/main" xmlns:r="http://schemas.openxmlformats.org/officeDocument/2006/relationships" xmlns:p="http://schemas.openxmlformats.org/presentationml/2006/main">
+  <p:cSld>
+    <p:bg>
+      <p:bgPr>
+        <a:gradFill>
+          <a:gsLst>
+            <a:gs pos="0">
+              <a:schemeClr val="tx1"/>
+            </a:gs>
+            <a:gs pos="32000">
+              <a:schemeClr val="accent1"/>
+            </a:gs>
+            <a:gs pos="84000">
+              <a:schemeClr val="accent1">
+                <a:lumMod val="60000"/>
+                <a:lumOff val="40000"/>
+              </a:schemeClr>
+            </a:gs>
+            <a:gs pos="100000">
+              <a:schemeClr val="accent1">
+                <a:lumMod val="30000"/>
+                <a:lumOff val="70000"/>
+              </a:schemeClr>
+            </a:gs>
+          </a:gsLst>
+          <a:lin ang="2700000" scaled="0"/>
+        </a:gradFill>
+        <a:effectLst/>
+      </p:bgPr>
+    </p:bg>
+    <p:spTree>
+      <p:nvGrpSpPr>
+        <p:cNvPr id="1" name=""/>
+        <p:cNvGrpSpPr/>
+        <p:nvPr/>
+      </p:nvGrpSpPr>
+      <p:grpSpPr>
+        <a:xfrm>
+          <a:off x="0" y="0"/>
+          <a:ext cx="0" cy="0"/>
+          <a:chOff x="0" y="0"/>
+          <a:chExt cx="0" cy="0"/>
+        </a:xfrm>
+      </p:grpSpPr>
+      <p:sp>
+        <p:nvSpPr>
+          <p:cNvPr id="2" name="Titre 1">
+            <a:extLst>
+              <a:ext uri="{FF2B5EF4-FFF2-40B4-BE49-F238E27FC236}">
+                <a16:creationId xmlns:a16="http://schemas.microsoft.com/office/drawing/2014/main" id="{755DF42A-8543-C04A-462C-622143E845F6}"/>
+              </a:ext>
+            </a:extLst>
+          </p:cNvPr>
+          <p:cNvSpPr>
+            <a:spLocks noGrp="1"/>
+          </p:cNvSpPr>
+          <p:nvPr>
+            <p:ph type="title"/>
+          </p:nvPr>
+        </p:nvSpPr>
+        <p:spPr/>
+        <p:txBody>
+          <a:bodyPr/>
+          <a:lstStyle/>
+          <a:p>
+            <a:r>
+              <a:rPr lang="fr-CA" dirty="0"/>
+              <a:t>Vendeur</a:t>
+            </a:r>
+          </a:p>
+        </p:txBody>
+      </p:sp>
+      <p:sp>
+        <p:nvSpPr>
+          <p:cNvPr id="3" name="Espace réservé du contenu 2">
+            <a:extLst>
+              <a:ext uri="{FF2B5EF4-FFF2-40B4-BE49-F238E27FC236}">
+                <a16:creationId xmlns:a16="http://schemas.microsoft.com/office/drawing/2014/main" id="{B477FFD7-128D-83FF-C7CB-A7842148A65E}"/>
+              </a:ext>
+            </a:extLst>
+          </p:cNvPr>
+          <p:cNvSpPr>
+            <a:spLocks noGrp="1"/>
+          </p:cNvSpPr>
+          <p:nvPr>
+            <p:ph idx="1"/>
+          </p:nvPr>
+        </p:nvSpPr>
+        <p:spPr>
+          <a:xfrm>
+            <a:off x="581192" y="1857676"/>
+            <a:ext cx="11029615" cy="635267"/>
+          </a:xfrm>
+        </p:spPr>
+        <p:txBody>
+          <a:bodyPr/>
+          <a:lstStyle/>
+          <a:p>
+            <a:r>
+              <a:rPr lang="fr-CA" dirty="0">
+                <a:solidFill>
+                  <a:schemeClr val="bg1"/>
+                </a:solidFill>
+              </a:rPr>
+              <a:t>Page d’accueil:</a:t>
+            </a:r>
+          </a:p>
+        </p:txBody>
+      </p:sp>
+      <p:pic>
+        <p:nvPicPr>
+          <p:cNvPr id="6" name="Image 5">
+            <a:extLst>
+              <a:ext uri="{FF2B5EF4-FFF2-40B4-BE49-F238E27FC236}">
+                <a16:creationId xmlns:a16="http://schemas.microsoft.com/office/drawing/2014/main" id="{6200B206-E515-1010-3552-A491E24D0092}"/>
+              </a:ext>
+            </a:extLst>
+          </p:cNvPr>
+          <p:cNvPicPr>
+            <a:picLocks noChangeAspect="1"/>
+          </p:cNvPicPr>
+          <p:nvPr/>
+        </p:nvPicPr>
+        <p:blipFill>
+          <a:blip r:embed="rId2"/>
+          <a:stretch>
+            <a:fillRect/>
+          </a:stretch>
+        </p:blipFill>
+        <p:spPr>
+          <a:xfrm>
+            <a:off x="581192" y="2492943"/>
+            <a:ext cx="7141136" cy="4177364"/>
+          </a:xfrm>
+          <a:prstGeom prst="rect">
+            <a:avLst/>
+          </a:prstGeom>
+        </p:spPr>
+      </p:pic>
+    </p:spTree>
+    <p:extLst>
+      <p:ext uri="{BB962C8B-B14F-4D97-AF65-F5344CB8AC3E}">
+        <p14:creationId xmlns:p14="http://schemas.microsoft.com/office/powerpoint/2010/main" val="2489065914"/>
       </p:ext>
     </p:extLst>
   </p:cSld>

--- a/PresentationFinalePetitesPuces.pptx
+++ b/PresentationFinalePetitesPuces.pptx
@@ -5,10 +5,10 @@
     <p:sldMasterId id="2147483672" r:id="rId1"/>
   </p:sldMasterIdLst>
   <p:notesMasterIdLst>
-    <p:notesMasterId r:id="rId25"/>
+    <p:notesMasterId r:id="rId26"/>
   </p:notesMasterIdLst>
   <p:handoutMasterIdLst>
-    <p:handoutMasterId r:id="rId26"/>
+    <p:handoutMasterId r:id="rId27"/>
   </p:handoutMasterIdLst>
   <p:sldIdLst>
     <p:sldId id="256" r:id="rId2"/>
@@ -33,7 +33,8 @@
     <p:sldId id="280" r:id="rId21"/>
     <p:sldId id="281" r:id="rId22"/>
     <p:sldId id="282" r:id="rId23"/>
-    <p:sldId id="260" r:id="rId24"/>
+    <p:sldId id="283" r:id="rId24"/>
+    <p:sldId id="260" r:id="rId25"/>
   </p:sldIdLst>
   <p:sldSz cx="12192000" cy="6858000"/>
   <p:notesSz cx="6858000" cy="9144000"/>
@@ -845,7 +846,7 @@
             <a:pPr rtl="0"/>
             <a:fld id="{C6B3AB32-59DF-41F1-9618-EDFBF5049629}" type="slidenum">
               <a:rPr lang="fr-CA" smtClean="0"/>
-              <a:t>23</a:t>
+              <a:t>24</a:t>
             </a:fld>
             <a:endParaRPr lang="fr-CA"/>
           </a:p>
@@ -3913,9 +3914,33 @@
 <p:sldMaster xmlns:a="http://schemas.openxmlformats.org/drawingml/2006/main" xmlns:r="http://schemas.openxmlformats.org/officeDocument/2006/relationships" xmlns:p="http://schemas.openxmlformats.org/presentationml/2006/main">
   <p:cSld>
     <p:bg>
-      <p:bgRef idx="1001">
-        <a:schemeClr val="bg1"/>
-      </p:bgRef>
+      <p:bgPr>
+        <a:gradFill flip="none" rotWithShape="1">
+          <a:gsLst>
+            <a:gs pos="0">
+              <a:schemeClr val="tx1"/>
+            </a:gs>
+            <a:gs pos="32000">
+              <a:schemeClr val="accent1"/>
+            </a:gs>
+            <a:gs pos="84000">
+              <a:schemeClr val="accent1">
+                <a:lumMod val="60000"/>
+                <a:lumOff val="40000"/>
+              </a:schemeClr>
+            </a:gs>
+            <a:gs pos="100000">
+              <a:schemeClr val="accent1">
+                <a:lumMod val="30000"/>
+                <a:lumOff val="70000"/>
+              </a:schemeClr>
+            </a:gs>
+          </a:gsLst>
+          <a:lin ang="2700000" scaled="0"/>
+          <a:tileRect/>
+        </a:gradFill>
+        <a:effectLst/>
+      </p:bgPr>
     </p:bg>
     <p:spTree>
       <p:nvGrpSpPr>
@@ -4650,14 +4675,6 @@
 <file path=ppt/slides/slide1.xml><?xml version="1.0" encoding="utf-8"?>
 <p:sld xmlns:a="http://schemas.openxmlformats.org/drawingml/2006/main" xmlns:r="http://schemas.openxmlformats.org/officeDocument/2006/relationships" xmlns:p="http://schemas.openxmlformats.org/presentationml/2006/main">
   <p:cSld>
-    <p:bg>
-      <p:bgPr>
-        <a:solidFill>
-          <a:schemeClr val="bg1"/>
-        </a:solidFill>
-        <a:effectLst/>
-      </p:bgPr>
-    </p:bg>
     <p:spTree>
       <p:nvGrpSpPr>
         <p:cNvPr id="1" name=""/>
@@ -5139,34 +5156,6 @@
 <file path=ppt/slides/slide10.xml><?xml version="1.0" encoding="utf-8"?>
 <p:sld xmlns:a="http://schemas.openxmlformats.org/drawingml/2006/main" xmlns:r="http://schemas.openxmlformats.org/officeDocument/2006/relationships" xmlns:p="http://schemas.openxmlformats.org/presentationml/2006/main">
   <p:cSld>
-    <p:bg>
-      <p:bgPr>
-        <a:gradFill>
-          <a:gsLst>
-            <a:gs pos="0">
-              <a:schemeClr val="tx1"/>
-            </a:gs>
-            <a:gs pos="32000">
-              <a:schemeClr val="accent1"/>
-            </a:gs>
-            <a:gs pos="84000">
-              <a:schemeClr val="accent1">
-                <a:lumMod val="60000"/>
-                <a:lumOff val="40000"/>
-              </a:schemeClr>
-            </a:gs>
-            <a:gs pos="100000">
-              <a:schemeClr val="accent1">
-                <a:lumMod val="30000"/>
-                <a:lumOff val="70000"/>
-              </a:schemeClr>
-            </a:gs>
-          </a:gsLst>
-          <a:lin ang="2700000" scaled="0"/>
-        </a:gradFill>
-        <a:effectLst/>
-      </p:bgPr>
-    </p:bg>
     <p:spTree>
       <p:nvGrpSpPr>
         <p:cNvPr id="1" name=""/>
@@ -5476,34 +5465,6 @@
 <file path=ppt/slides/slide11.xml><?xml version="1.0" encoding="utf-8"?>
 <p:sld xmlns:a="http://schemas.openxmlformats.org/drawingml/2006/main" xmlns:r="http://schemas.openxmlformats.org/officeDocument/2006/relationships" xmlns:p="http://schemas.openxmlformats.org/presentationml/2006/main">
   <p:cSld>
-    <p:bg>
-      <p:bgPr>
-        <a:gradFill>
-          <a:gsLst>
-            <a:gs pos="0">
-              <a:schemeClr val="tx1"/>
-            </a:gs>
-            <a:gs pos="32000">
-              <a:schemeClr val="accent1"/>
-            </a:gs>
-            <a:gs pos="84000">
-              <a:schemeClr val="accent1">
-                <a:lumMod val="60000"/>
-                <a:lumOff val="40000"/>
-              </a:schemeClr>
-            </a:gs>
-            <a:gs pos="100000">
-              <a:schemeClr val="accent1">
-                <a:lumMod val="30000"/>
-                <a:lumOff val="70000"/>
-              </a:schemeClr>
-            </a:gs>
-          </a:gsLst>
-          <a:lin ang="2700000" scaled="0"/>
-        </a:gradFill>
-        <a:effectLst/>
-      </p:bgPr>
-    </p:bg>
     <p:spTree>
       <p:nvGrpSpPr>
         <p:cNvPr id="1" name=""/>
@@ -5898,34 +5859,6 @@
 <file path=ppt/slides/slide12.xml><?xml version="1.0" encoding="utf-8"?>
 <p:sld xmlns:a="http://schemas.openxmlformats.org/drawingml/2006/main" xmlns:r="http://schemas.openxmlformats.org/officeDocument/2006/relationships" xmlns:p="http://schemas.openxmlformats.org/presentationml/2006/main">
   <p:cSld>
-    <p:bg>
-      <p:bgPr>
-        <a:gradFill>
-          <a:gsLst>
-            <a:gs pos="0">
-              <a:schemeClr val="tx1"/>
-            </a:gs>
-            <a:gs pos="32000">
-              <a:schemeClr val="accent1"/>
-            </a:gs>
-            <a:gs pos="84000">
-              <a:schemeClr val="accent1">
-                <a:lumMod val="60000"/>
-                <a:lumOff val="40000"/>
-              </a:schemeClr>
-            </a:gs>
-            <a:gs pos="100000">
-              <a:schemeClr val="accent1">
-                <a:lumMod val="30000"/>
-                <a:lumOff val="70000"/>
-              </a:schemeClr>
-            </a:gs>
-          </a:gsLst>
-          <a:lin ang="2700000" scaled="0"/>
-        </a:gradFill>
-        <a:effectLst/>
-      </p:bgPr>
-    </p:bg>
     <p:spTree>
       <p:nvGrpSpPr>
         <p:cNvPr id="1" name=""/>
@@ -6053,34 +5986,6 @@
 <file path=ppt/slides/slide13.xml><?xml version="1.0" encoding="utf-8"?>
 <p:sld xmlns:a="http://schemas.openxmlformats.org/drawingml/2006/main" xmlns:r="http://schemas.openxmlformats.org/officeDocument/2006/relationships" xmlns:p="http://schemas.openxmlformats.org/presentationml/2006/main">
   <p:cSld>
-    <p:bg>
-      <p:bgPr>
-        <a:gradFill>
-          <a:gsLst>
-            <a:gs pos="0">
-              <a:schemeClr val="tx1"/>
-            </a:gs>
-            <a:gs pos="32000">
-              <a:schemeClr val="accent1"/>
-            </a:gs>
-            <a:gs pos="84000">
-              <a:schemeClr val="accent1">
-                <a:lumMod val="60000"/>
-                <a:lumOff val="40000"/>
-              </a:schemeClr>
-            </a:gs>
-            <a:gs pos="100000">
-              <a:schemeClr val="accent1">
-                <a:lumMod val="30000"/>
-                <a:lumOff val="70000"/>
-              </a:schemeClr>
-            </a:gs>
-          </a:gsLst>
-          <a:lin ang="2700000" scaled="0"/>
-        </a:gradFill>
-        <a:effectLst/>
-      </p:bgPr>
-    </p:bg>
     <p:spTree>
       <p:nvGrpSpPr>
         <p:cNvPr id="1" name=""/>
@@ -6408,34 +6313,6 @@
 <file path=ppt/slides/slide14.xml><?xml version="1.0" encoding="utf-8"?>
 <p:sld xmlns:a="http://schemas.openxmlformats.org/drawingml/2006/main" xmlns:r="http://schemas.openxmlformats.org/officeDocument/2006/relationships" xmlns:p="http://schemas.openxmlformats.org/presentationml/2006/main">
   <p:cSld>
-    <p:bg>
-      <p:bgPr>
-        <a:gradFill>
-          <a:gsLst>
-            <a:gs pos="0">
-              <a:schemeClr val="tx1"/>
-            </a:gs>
-            <a:gs pos="32000">
-              <a:schemeClr val="accent1"/>
-            </a:gs>
-            <a:gs pos="84000">
-              <a:schemeClr val="accent1">
-                <a:lumMod val="60000"/>
-                <a:lumOff val="40000"/>
-              </a:schemeClr>
-            </a:gs>
-            <a:gs pos="100000">
-              <a:schemeClr val="accent1">
-                <a:lumMod val="30000"/>
-                <a:lumOff val="70000"/>
-              </a:schemeClr>
-            </a:gs>
-          </a:gsLst>
-          <a:lin ang="2700000" scaled="0"/>
-        </a:gradFill>
-        <a:effectLst/>
-      </p:bgPr>
-    </p:bg>
     <p:spTree>
       <p:nvGrpSpPr>
         <p:cNvPr id="1" name=""/>
@@ -6745,34 +6622,6 @@
 <file path=ppt/slides/slide15.xml><?xml version="1.0" encoding="utf-8"?>
 <p:sld xmlns:a="http://schemas.openxmlformats.org/drawingml/2006/main" xmlns:r="http://schemas.openxmlformats.org/officeDocument/2006/relationships" xmlns:p="http://schemas.openxmlformats.org/presentationml/2006/main">
   <p:cSld>
-    <p:bg>
-      <p:bgPr>
-        <a:gradFill>
-          <a:gsLst>
-            <a:gs pos="0">
-              <a:schemeClr val="tx1"/>
-            </a:gs>
-            <a:gs pos="32000">
-              <a:schemeClr val="accent1"/>
-            </a:gs>
-            <a:gs pos="84000">
-              <a:schemeClr val="accent1">
-                <a:lumMod val="60000"/>
-                <a:lumOff val="40000"/>
-              </a:schemeClr>
-            </a:gs>
-            <a:gs pos="100000">
-              <a:schemeClr val="accent1">
-                <a:lumMod val="30000"/>
-                <a:lumOff val="70000"/>
-              </a:schemeClr>
-            </a:gs>
-          </a:gsLst>
-          <a:lin ang="2700000" scaled="0"/>
-        </a:gradFill>
-        <a:effectLst/>
-      </p:bgPr>
-    </p:bg>
     <p:spTree>
       <p:nvGrpSpPr>
         <p:cNvPr id="1" name=""/>
@@ -6898,34 +6747,6 @@
 <file path=ppt/slides/slide16.xml><?xml version="1.0" encoding="utf-8"?>
 <p:sld xmlns:a="http://schemas.openxmlformats.org/drawingml/2006/main" xmlns:r="http://schemas.openxmlformats.org/officeDocument/2006/relationships" xmlns:p="http://schemas.openxmlformats.org/presentationml/2006/main">
   <p:cSld>
-    <p:bg>
-      <p:bgPr>
-        <a:gradFill>
-          <a:gsLst>
-            <a:gs pos="0">
-              <a:schemeClr val="tx1"/>
-            </a:gs>
-            <a:gs pos="32000">
-              <a:schemeClr val="accent1"/>
-            </a:gs>
-            <a:gs pos="84000">
-              <a:schemeClr val="accent1">
-                <a:lumMod val="60000"/>
-                <a:lumOff val="40000"/>
-              </a:schemeClr>
-            </a:gs>
-            <a:gs pos="100000">
-              <a:schemeClr val="accent1">
-                <a:lumMod val="30000"/>
-                <a:lumOff val="70000"/>
-              </a:schemeClr>
-            </a:gs>
-          </a:gsLst>
-          <a:lin ang="2700000" scaled="0"/>
-        </a:gradFill>
-        <a:effectLst/>
-      </p:bgPr>
-    </p:bg>
     <p:spTree>
       <p:nvGrpSpPr>
         <p:cNvPr id="1" name=""/>
@@ -7081,34 +6902,6 @@
 <file path=ppt/slides/slide17.xml><?xml version="1.0" encoding="utf-8"?>
 <p:sld xmlns:a="http://schemas.openxmlformats.org/drawingml/2006/main" xmlns:r="http://schemas.openxmlformats.org/officeDocument/2006/relationships" xmlns:p="http://schemas.openxmlformats.org/presentationml/2006/main">
   <p:cSld>
-    <p:bg>
-      <p:bgPr>
-        <a:gradFill>
-          <a:gsLst>
-            <a:gs pos="0">
-              <a:schemeClr val="tx1"/>
-            </a:gs>
-            <a:gs pos="32000">
-              <a:schemeClr val="accent1"/>
-            </a:gs>
-            <a:gs pos="84000">
-              <a:schemeClr val="accent1">
-                <a:lumMod val="60000"/>
-                <a:lumOff val="40000"/>
-              </a:schemeClr>
-            </a:gs>
-            <a:gs pos="100000">
-              <a:schemeClr val="accent1">
-                <a:lumMod val="30000"/>
-                <a:lumOff val="70000"/>
-              </a:schemeClr>
-            </a:gs>
-          </a:gsLst>
-          <a:lin ang="2700000" scaled="0"/>
-        </a:gradFill>
-        <a:effectLst/>
-      </p:bgPr>
-    </p:bg>
     <p:spTree>
       <p:nvGrpSpPr>
         <p:cNvPr id="1" name=""/>
@@ -7234,34 +7027,6 @@
 <file path=ppt/slides/slide18.xml><?xml version="1.0" encoding="utf-8"?>
 <p:sld xmlns:a="http://schemas.openxmlformats.org/drawingml/2006/main" xmlns:r="http://schemas.openxmlformats.org/officeDocument/2006/relationships" xmlns:p="http://schemas.openxmlformats.org/presentationml/2006/main">
   <p:cSld>
-    <p:bg>
-      <p:bgPr>
-        <a:gradFill>
-          <a:gsLst>
-            <a:gs pos="0">
-              <a:schemeClr val="tx1"/>
-            </a:gs>
-            <a:gs pos="32000">
-              <a:schemeClr val="accent1"/>
-            </a:gs>
-            <a:gs pos="84000">
-              <a:schemeClr val="accent1">
-                <a:lumMod val="60000"/>
-                <a:lumOff val="40000"/>
-              </a:schemeClr>
-            </a:gs>
-            <a:gs pos="100000">
-              <a:schemeClr val="accent1">
-                <a:lumMod val="30000"/>
-                <a:lumOff val="70000"/>
-              </a:schemeClr>
-            </a:gs>
-          </a:gsLst>
-          <a:lin ang="2700000" scaled="0"/>
-        </a:gradFill>
-        <a:effectLst/>
-      </p:bgPr>
-    </p:bg>
     <p:spTree>
       <p:nvGrpSpPr>
         <p:cNvPr id="1" name=""/>
@@ -7387,34 +7152,6 @@
 <file path=ppt/slides/slide19.xml><?xml version="1.0" encoding="utf-8"?>
 <p:sld xmlns:a="http://schemas.openxmlformats.org/drawingml/2006/main" xmlns:r="http://schemas.openxmlformats.org/officeDocument/2006/relationships" xmlns:p="http://schemas.openxmlformats.org/presentationml/2006/main">
   <p:cSld>
-    <p:bg>
-      <p:bgPr>
-        <a:gradFill>
-          <a:gsLst>
-            <a:gs pos="0">
-              <a:schemeClr val="tx1"/>
-            </a:gs>
-            <a:gs pos="32000">
-              <a:schemeClr val="accent1"/>
-            </a:gs>
-            <a:gs pos="84000">
-              <a:schemeClr val="accent1">
-                <a:lumMod val="60000"/>
-                <a:lumOff val="40000"/>
-              </a:schemeClr>
-            </a:gs>
-            <a:gs pos="100000">
-              <a:schemeClr val="accent1">
-                <a:lumMod val="30000"/>
-                <a:lumOff val="70000"/>
-              </a:schemeClr>
-            </a:gs>
-          </a:gsLst>
-          <a:lin ang="2700000" scaled="0"/>
-        </a:gradFill>
-        <a:effectLst/>
-      </p:bgPr>
-    </p:bg>
     <p:spTree>
       <p:nvGrpSpPr>
         <p:cNvPr id="1" name=""/>
@@ -7540,35 +7277,6 @@
 <file path=ppt/slides/slide2.xml><?xml version="1.0" encoding="utf-8"?>
 <p:sld xmlns:a="http://schemas.openxmlformats.org/drawingml/2006/main" xmlns:r="http://schemas.openxmlformats.org/officeDocument/2006/relationships" xmlns:p="http://schemas.openxmlformats.org/presentationml/2006/main">
   <p:cSld>
-    <p:bg>
-      <p:bgPr>
-        <a:gradFill flip="none" rotWithShape="1">
-          <a:gsLst>
-            <a:gs pos="0">
-              <a:schemeClr val="tx1"/>
-            </a:gs>
-            <a:gs pos="32000">
-              <a:schemeClr val="accent1"/>
-            </a:gs>
-            <a:gs pos="84000">
-              <a:schemeClr val="accent1">
-                <a:lumMod val="60000"/>
-                <a:lumOff val="40000"/>
-              </a:schemeClr>
-            </a:gs>
-            <a:gs pos="100000">
-              <a:schemeClr val="accent1">
-                <a:lumMod val="30000"/>
-                <a:lumOff val="70000"/>
-              </a:schemeClr>
-            </a:gs>
-          </a:gsLst>
-          <a:lin ang="2700000" scaled="1"/>
-          <a:tileRect/>
-        </a:gradFill>
-        <a:effectLst/>
-      </p:bgPr>
-    </p:bg>
     <p:spTree>
       <p:nvGrpSpPr>
         <p:cNvPr id="1" name=""/>
@@ -7798,34 +7506,6 @@
 <file path=ppt/slides/slide20.xml><?xml version="1.0" encoding="utf-8"?>
 <p:sld xmlns:a="http://schemas.openxmlformats.org/drawingml/2006/main" xmlns:r="http://schemas.openxmlformats.org/officeDocument/2006/relationships" xmlns:p="http://schemas.openxmlformats.org/presentationml/2006/main">
   <p:cSld>
-    <p:bg>
-      <p:bgPr>
-        <a:gradFill>
-          <a:gsLst>
-            <a:gs pos="0">
-              <a:schemeClr val="tx1"/>
-            </a:gs>
-            <a:gs pos="32000">
-              <a:schemeClr val="accent1"/>
-            </a:gs>
-            <a:gs pos="84000">
-              <a:schemeClr val="accent1">
-                <a:lumMod val="60000"/>
-                <a:lumOff val="40000"/>
-              </a:schemeClr>
-            </a:gs>
-            <a:gs pos="100000">
-              <a:schemeClr val="accent1">
-                <a:lumMod val="30000"/>
-                <a:lumOff val="70000"/>
-              </a:schemeClr>
-            </a:gs>
-          </a:gsLst>
-          <a:lin ang="2700000" scaled="0"/>
-        </a:gradFill>
-        <a:effectLst/>
-      </p:bgPr>
-    </p:bg>
     <p:spTree>
       <p:nvGrpSpPr>
         <p:cNvPr id="1" name=""/>
@@ -8011,34 +7691,6 @@
 <file path=ppt/slides/slide21.xml><?xml version="1.0" encoding="utf-8"?>
 <p:sld xmlns:a="http://schemas.openxmlformats.org/drawingml/2006/main" xmlns:r="http://schemas.openxmlformats.org/officeDocument/2006/relationships" xmlns:p="http://schemas.openxmlformats.org/presentationml/2006/main">
   <p:cSld>
-    <p:bg>
-      <p:bgPr>
-        <a:gradFill>
-          <a:gsLst>
-            <a:gs pos="0">
-              <a:schemeClr val="tx1"/>
-            </a:gs>
-            <a:gs pos="32000">
-              <a:schemeClr val="accent1"/>
-            </a:gs>
-            <a:gs pos="84000">
-              <a:schemeClr val="accent1">
-                <a:lumMod val="60000"/>
-                <a:lumOff val="40000"/>
-              </a:schemeClr>
-            </a:gs>
-            <a:gs pos="100000">
-              <a:schemeClr val="accent1">
-                <a:lumMod val="30000"/>
-                <a:lumOff val="70000"/>
-              </a:schemeClr>
-            </a:gs>
-          </a:gsLst>
-          <a:lin ang="2700000" scaled="0"/>
-        </a:gradFill>
-        <a:effectLst/>
-      </p:bgPr>
-    </p:bg>
     <p:spTree>
       <p:nvGrpSpPr>
         <p:cNvPr id="1" name=""/>
@@ -8194,34 +7846,6 @@
 <file path=ppt/slides/slide22.xml><?xml version="1.0" encoding="utf-8"?>
 <p:sld xmlns:a="http://schemas.openxmlformats.org/drawingml/2006/main" xmlns:r="http://schemas.openxmlformats.org/officeDocument/2006/relationships" xmlns:p="http://schemas.openxmlformats.org/presentationml/2006/main">
   <p:cSld>
-    <p:bg>
-      <p:bgPr>
-        <a:gradFill>
-          <a:gsLst>
-            <a:gs pos="0">
-              <a:schemeClr val="tx1"/>
-            </a:gs>
-            <a:gs pos="32000">
-              <a:schemeClr val="accent1"/>
-            </a:gs>
-            <a:gs pos="84000">
-              <a:schemeClr val="accent1">
-                <a:lumMod val="60000"/>
-                <a:lumOff val="40000"/>
-              </a:schemeClr>
-            </a:gs>
-            <a:gs pos="100000">
-              <a:schemeClr val="accent1">
-                <a:lumMod val="30000"/>
-                <a:lumOff val="70000"/>
-              </a:schemeClr>
-            </a:gs>
-          </a:gsLst>
-          <a:lin ang="2700000" scaled="0"/>
-        </a:gradFill>
-        <a:effectLst/>
-      </p:bgPr>
-    </p:bg>
     <p:spTree>
       <p:nvGrpSpPr>
         <p:cNvPr id="1" name=""/>
@@ -8301,6 +7925,66 @@
           </a:p>
         </p:txBody>
       </p:sp>
+      <p:pic>
+        <p:nvPicPr>
+          <p:cNvPr id="5" name="Image 4">
+            <a:extLst>
+              <a:ext uri="{FF2B5EF4-FFF2-40B4-BE49-F238E27FC236}">
+                <a16:creationId xmlns:a16="http://schemas.microsoft.com/office/drawing/2014/main" id="{BD57CB24-45AE-F8E9-4EDF-6532B3523CF6}"/>
+              </a:ext>
+            </a:extLst>
+          </p:cNvPr>
+          <p:cNvPicPr>
+            <a:picLocks noChangeAspect="1"/>
+          </p:cNvPicPr>
+          <p:nvPr/>
+        </p:nvPicPr>
+        <p:blipFill>
+          <a:blip r:embed="rId2"/>
+          <a:stretch>
+            <a:fillRect/>
+          </a:stretch>
+        </p:blipFill>
+        <p:spPr>
+          <a:xfrm>
+            <a:off x="142651" y="2369791"/>
+            <a:ext cx="7219200" cy="1967497"/>
+          </a:xfrm>
+          <a:prstGeom prst="rect">
+            <a:avLst/>
+          </a:prstGeom>
+        </p:spPr>
+      </p:pic>
+      <p:pic>
+        <p:nvPicPr>
+          <p:cNvPr id="7" name="Image 6">
+            <a:extLst>
+              <a:ext uri="{FF2B5EF4-FFF2-40B4-BE49-F238E27FC236}">
+                <a16:creationId xmlns:a16="http://schemas.microsoft.com/office/drawing/2014/main" id="{15982FB6-A5E3-4B66-A415-6BFB465D1CB9}"/>
+              </a:ext>
+            </a:extLst>
+          </p:cNvPr>
+          <p:cNvPicPr>
+            <a:picLocks noChangeAspect="1"/>
+          </p:cNvPicPr>
+          <p:nvPr/>
+        </p:nvPicPr>
+        <p:blipFill>
+          <a:blip r:embed="rId3"/>
+          <a:stretch>
+            <a:fillRect/>
+          </a:stretch>
+        </p:blipFill>
+        <p:spPr>
+          <a:xfrm>
+            <a:off x="7436499" y="2351129"/>
+            <a:ext cx="4646645" cy="2560935"/>
+          </a:xfrm>
+          <a:prstGeom prst="rect">
+            <a:avLst/>
+          </a:prstGeom>
+        </p:spPr>
+      </p:pic>
     </p:spTree>
     <p:extLst>
       <p:ext uri="{BB962C8B-B14F-4D97-AF65-F5344CB8AC3E}">
@@ -8317,14 +8001,161 @@
 <file path=ppt/slides/slide23.xml><?xml version="1.0" encoding="utf-8"?>
 <p:sld xmlns:a="http://schemas.openxmlformats.org/drawingml/2006/main" xmlns:r="http://schemas.openxmlformats.org/officeDocument/2006/relationships" xmlns:p="http://schemas.openxmlformats.org/presentationml/2006/main">
   <p:cSld>
-    <p:bg>
-      <p:bgPr>
-        <a:solidFill>
-          <a:schemeClr val="bg1"/>
-        </a:solidFill>
-        <a:effectLst/>
-      </p:bgPr>
-    </p:bg>
+    <p:spTree>
+      <p:nvGrpSpPr>
+        <p:cNvPr id="1" name=""/>
+        <p:cNvGrpSpPr/>
+        <p:nvPr/>
+      </p:nvGrpSpPr>
+      <p:grpSpPr>
+        <a:xfrm>
+          <a:off x="0" y="0"/>
+          <a:ext cx="0" cy="0"/>
+          <a:chOff x="0" y="0"/>
+          <a:chExt cx="0" cy="0"/>
+        </a:xfrm>
+      </p:grpSpPr>
+      <p:sp>
+        <p:nvSpPr>
+          <p:cNvPr id="2" name="Titre 1">
+            <a:extLst>
+              <a:ext uri="{FF2B5EF4-FFF2-40B4-BE49-F238E27FC236}">
+                <a16:creationId xmlns:a16="http://schemas.microsoft.com/office/drawing/2014/main" id="{755DF42A-8543-C04A-462C-622143E845F6}"/>
+              </a:ext>
+            </a:extLst>
+          </p:cNvPr>
+          <p:cNvSpPr>
+            <a:spLocks noGrp="1"/>
+          </p:cNvSpPr>
+          <p:nvPr>
+            <p:ph type="title"/>
+          </p:nvPr>
+        </p:nvSpPr>
+        <p:spPr/>
+        <p:txBody>
+          <a:bodyPr/>
+          <a:lstStyle/>
+          <a:p>
+            <a:r>
+              <a:rPr lang="fr-CA" dirty="0"/>
+              <a:t>Gestionnaire (2)</a:t>
+            </a:r>
+          </a:p>
+        </p:txBody>
+      </p:sp>
+      <p:sp>
+        <p:nvSpPr>
+          <p:cNvPr id="3" name="Espace réservé du contenu 2">
+            <a:extLst>
+              <a:ext uri="{FF2B5EF4-FFF2-40B4-BE49-F238E27FC236}">
+                <a16:creationId xmlns:a16="http://schemas.microsoft.com/office/drawing/2014/main" id="{B477FFD7-128D-83FF-C7CB-A7842148A65E}"/>
+              </a:ext>
+            </a:extLst>
+          </p:cNvPr>
+          <p:cNvSpPr>
+            <a:spLocks noGrp="1"/>
+          </p:cNvSpPr>
+          <p:nvPr>
+            <p:ph idx="1"/>
+          </p:nvPr>
+        </p:nvSpPr>
+        <p:spPr>
+          <a:xfrm>
+            <a:off x="581192" y="1857677"/>
+            <a:ext cx="11029615" cy="435544"/>
+          </a:xfrm>
+        </p:spPr>
+        <p:txBody>
+          <a:bodyPr/>
+          <a:lstStyle/>
+          <a:p>
+            <a:r>
+              <a:rPr lang="fr-CA" dirty="0">
+                <a:solidFill>
+                  <a:schemeClr val="bg1"/>
+                </a:solidFill>
+              </a:rPr>
+              <a:t>Évaluations:</a:t>
+            </a:r>
+          </a:p>
+        </p:txBody>
+      </p:sp>
+      <p:pic>
+        <p:nvPicPr>
+          <p:cNvPr id="6" name="Image 5">
+            <a:extLst>
+              <a:ext uri="{FF2B5EF4-FFF2-40B4-BE49-F238E27FC236}">
+                <a16:creationId xmlns:a16="http://schemas.microsoft.com/office/drawing/2014/main" id="{3C485CED-3922-F592-081F-04406C2407EE}"/>
+              </a:ext>
+            </a:extLst>
+          </p:cNvPr>
+          <p:cNvPicPr>
+            <a:picLocks noChangeAspect="1"/>
+          </p:cNvPicPr>
+          <p:nvPr/>
+        </p:nvPicPr>
+        <p:blipFill>
+          <a:blip r:embed="rId2"/>
+          <a:stretch>
+            <a:fillRect/>
+          </a:stretch>
+        </p:blipFill>
+        <p:spPr>
+          <a:xfrm>
+            <a:off x="3343052" y="2369199"/>
+            <a:ext cx="8441511" cy="1408892"/>
+          </a:xfrm>
+          <a:prstGeom prst="rect">
+            <a:avLst/>
+          </a:prstGeom>
+        </p:spPr>
+      </p:pic>
+      <p:pic>
+        <p:nvPicPr>
+          <p:cNvPr id="9" name="Image 8">
+            <a:extLst>
+              <a:ext uri="{FF2B5EF4-FFF2-40B4-BE49-F238E27FC236}">
+                <a16:creationId xmlns:a16="http://schemas.microsoft.com/office/drawing/2014/main" id="{C78475A9-D473-BA07-DA06-C4CC2C01FE5F}"/>
+              </a:ext>
+            </a:extLst>
+          </p:cNvPr>
+          <p:cNvPicPr>
+            <a:picLocks noChangeAspect="1"/>
+          </p:cNvPicPr>
+          <p:nvPr/>
+        </p:nvPicPr>
+        <p:blipFill>
+          <a:blip r:embed="rId3"/>
+          <a:stretch>
+            <a:fillRect/>
+          </a:stretch>
+        </p:blipFill>
+        <p:spPr>
+          <a:xfrm>
+            <a:off x="189307" y="2369198"/>
+            <a:ext cx="3046056" cy="2913619"/>
+          </a:xfrm>
+          <a:prstGeom prst="rect">
+            <a:avLst/>
+          </a:prstGeom>
+        </p:spPr>
+      </p:pic>
+    </p:spTree>
+    <p:extLst>
+      <p:ext uri="{BB962C8B-B14F-4D97-AF65-F5344CB8AC3E}">
+        <p14:creationId xmlns:p14="http://schemas.microsoft.com/office/powerpoint/2010/main" val="1711911921"/>
+      </p:ext>
+    </p:extLst>
+  </p:cSld>
+  <p:clrMapOvr>
+    <a:masterClrMapping/>
+  </p:clrMapOvr>
+</p:sld>
+</file>
+
+<file path=ppt/slides/slide24.xml><?xml version="1.0" encoding="utf-8"?>
+<p:sld xmlns:a="http://schemas.openxmlformats.org/drawingml/2006/main" xmlns:r="http://schemas.openxmlformats.org/officeDocument/2006/relationships" xmlns:p="http://schemas.openxmlformats.org/presentationml/2006/main">
+  <p:cSld>
     <p:spTree>
       <p:nvGrpSpPr>
         <p:cNvPr id="1" name=""/>
@@ -8788,34 +8619,6 @@
 <file path=ppt/slides/slide3.xml><?xml version="1.0" encoding="utf-8"?>
 <p:sld xmlns:a="http://schemas.openxmlformats.org/drawingml/2006/main" xmlns:r="http://schemas.openxmlformats.org/officeDocument/2006/relationships" xmlns:p="http://schemas.openxmlformats.org/presentationml/2006/main">
   <p:cSld>
-    <p:bg>
-      <p:bgPr>
-        <a:gradFill>
-          <a:gsLst>
-            <a:gs pos="0">
-              <a:schemeClr val="tx1"/>
-            </a:gs>
-            <a:gs pos="32000">
-              <a:schemeClr val="accent1"/>
-            </a:gs>
-            <a:gs pos="84000">
-              <a:schemeClr val="accent1">
-                <a:lumMod val="60000"/>
-                <a:lumOff val="40000"/>
-              </a:schemeClr>
-            </a:gs>
-            <a:gs pos="100000">
-              <a:schemeClr val="accent1">
-                <a:lumMod val="30000"/>
-                <a:lumOff val="70000"/>
-              </a:schemeClr>
-            </a:gs>
-          </a:gsLst>
-          <a:lin ang="2700000" scaled="1"/>
-        </a:gradFill>
-        <a:effectLst/>
-      </p:bgPr>
-    </p:bg>
     <p:spTree>
       <p:nvGrpSpPr>
         <p:cNvPr id="1" name=""/>
@@ -8876,8 +8679,8 @@
         </p:nvSpPr>
         <p:spPr>
           <a:xfrm>
-            <a:off x="581192" y="2180495"/>
-            <a:ext cx="11029615" cy="4412809"/>
+            <a:off x="149290" y="1715957"/>
+            <a:ext cx="11461517" cy="4877348"/>
           </a:xfrm>
         </p:spPr>
         <p:txBody>
@@ -8988,6 +8791,66 @@
           </a:p>
         </p:txBody>
       </p:sp>
+      <p:pic>
+        <p:nvPicPr>
+          <p:cNvPr id="5" name="Image 4">
+            <a:extLst>
+              <a:ext uri="{FF2B5EF4-FFF2-40B4-BE49-F238E27FC236}">
+                <a16:creationId xmlns:a16="http://schemas.microsoft.com/office/drawing/2014/main" id="{86747B34-D77D-B52A-FB3C-E99246CE71E7}"/>
+              </a:ext>
+            </a:extLst>
+          </p:cNvPr>
+          <p:cNvPicPr>
+            <a:picLocks noChangeAspect="1"/>
+          </p:cNvPicPr>
+          <p:nvPr/>
+        </p:nvPicPr>
+        <p:blipFill>
+          <a:blip r:embed="rId2"/>
+          <a:stretch>
+            <a:fillRect/>
+          </a:stretch>
+        </p:blipFill>
+        <p:spPr>
+          <a:xfrm>
+            <a:off x="5452753" y="716112"/>
+            <a:ext cx="4680292" cy="2797606"/>
+          </a:xfrm>
+          <a:prstGeom prst="rect">
+            <a:avLst/>
+          </a:prstGeom>
+        </p:spPr>
+      </p:pic>
+      <p:pic>
+        <p:nvPicPr>
+          <p:cNvPr id="7" name="Image 6">
+            <a:extLst>
+              <a:ext uri="{FF2B5EF4-FFF2-40B4-BE49-F238E27FC236}">
+                <a16:creationId xmlns:a16="http://schemas.microsoft.com/office/drawing/2014/main" id="{34BF846E-720E-C1BE-AB75-CF31AA1468E8}"/>
+              </a:ext>
+            </a:extLst>
+          </p:cNvPr>
+          <p:cNvPicPr>
+            <a:picLocks noChangeAspect="1"/>
+          </p:cNvPicPr>
+          <p:nvPr/>
+        </p:nvPicPr>
+        <p:blipFill>
+          <a:blip r:embed="rId3"/>
+          <a:stretch>
+            <a:fillRect/>
+          </a:stretch>
+        </p:blipFill>
+        <p:spPr>
+          <a:xfrm>
+            <a:off x="5691747" y="4114800"/>
+            <a:ext cx="6404018" cy="2565573"/>
+          </a:xfrm>
+          <a:prstGeom prst="rect">
+            <a:avLst/>
+          </a:prstGeom>
+        </p:spPr>
+      </p:pic>
     </p:spTree>
     <p:extLst>
       <p:ext uri="{BB962C8B-B14F-4D97-AF65-F5344CB8AC3E}">
@@ -9004,34 +8867,6 @@
 <file path=ppt/slides/slide4.xml><?xml version="1.0" encoding="utf-8"?>
 <p:sld xmlns:a="http://schemas.openxmlformats.org/drawingml/2006/main" xmlns:r="http://schemas.openxmlformats.org/officeDocument/2006/relationships" xmlns:p="http://schemas.openxmlformats.org/presentationml/2006/main">
   <p:cSld>
-    <p:bg>
-      <p:bgPr>
-        <a:gradFill>
-          <a:gsLst>
-            <a:gs pos="0">
-              <a:schemeClr val="tx1"/>
-            </a:gs>
-            <a:gs pos="32000">
-              <a:schemeClr val="accent1"/>
-            </a:gs>
-            <a:gs pos="84000">
-              <a:schemeClr val="accent1">
-                <a:lumMod val="60000"/>
-                <a:lumOff val="40000"/>
-              </a:schemeClr>
-            </a:gs>
-            <a:gs pos="100000">
-              <a:schemeClr val="accent1">
-                <a:lumMod val="30000"/>
-                <a:lumOff val="70000"/>
-              </a:schemeClr>
-            </a:gs>
-          </a:gsLst>
-          <a:lin ang="2700000" scaled="1"/>
-        </a:gradFill>
-        <a:effectLst/>
-      </p:bgPr>
-    </p:bg>
     <p:spTree>
       <p:nvGrpSpPr>
         <p:cNvPr id="1" name=""/>
@@ -9092,8 +8927,8 @@
         </p:nvSpPr>
         <p:spPr>
           <a:xfrm>
-            <a:off x="581192" y="1857676"/>
-            <a:ext cx="11029615" cy="4899259"/>
+            <a:off x="69008" y="1857676"/>
+            <a:ext cx="11541799" cy="4899259"/>
           </a:xfrm>
         </p:spPr>
         <p:txBody>
@@ -9239,6 +9074,66 @@
           </a:p>
         </p:txBody>
       </p:sp>
+      <p:pic>
+        <p:nvPicPr>
+          <p:cNvPr id="5" name="Image 4">
+            <a:extLst>
+              <a:ext uri="{FF2B5EF4-FFF2-40B4-BE49-F238E27FC236}">
+                <a16:creationId xmlns:a16="http://schemas.microsoft.com/office/drawing/2014/main" id="{9E797017-54B3-9EDF-AC2F-4C778783A98A}"/>
+              </a:ext>
+            </a:extLst>
+          </p:cNvPr>
+          <p:cNvPicPr>
+            <a:picLocks noChangeAspect="1"/>
+          </p:cNvPicPr>
+          <p:nvPr/>
+        </p:nvPicPr>
+        <p:blipFill>
+          <a:blip r:embed="rId2"/>
+          <a:stretch>
+            <a:fillRect/>
+          </a:stretch>
+        </p:blipFill>
+        <p:spPr>
+          <a:xfrm>
+            <a:off x="6531429" y="4215869"/>
+            <a:ext cx="3688175" cy="2541066"/>
+          </a:xfrm>
+          <a:prstGeom prst="rect">
+            <a:avLst/>
+          </a:prstGeom>
+        </p:spPr>
+      </p:pic>
+      <p:pic>
+        <p:nvPicPr>
+          <p:cNvPr id="7" name="Image 6">
+            <a:extLst>
+              <a:ext uri="{FF2B5EF4-FFF2-40B4-BE49-F238E27FC236}">
+                <a16:creationId xmlns:a16="http://schemas.microsoft.com/office/drawing/2014/main" id="{E1167660-2FE0-CD46-39E9-FD9992E887BE}"/>
+              </a:ext>
+            </a:extLst>
+          </p:cNvPr>
+          <p:cNvPicPr>
+            <a:picLocks noChangeAspect="1"/>
+          </p:cNvPicPr>
+          <p:nvPr/>
+        </p:nvPicPr>
+        <p:blipFill>
+          <a:blip r:embed="rId3"/>
+          <a:stretch>
+            <a:fillRect/>
+          </a:stretch>
+        </p:blipFill>
+        <p:spPr>
+          <a:xfrm>
+            <a:off x="9703510" y="705347"/>
+            <a:ext cx="2010894" cy="3293706"/>
+          </a:xfrm>
+          <a:prstGeom prst="rect">
+            <a:avLst/>
+          </a:prstGeom>
+        </p:spPr>
+      </p:pic>
     </p:spTree>
     <p:extLst>
       <p:ext uri="{BB962C8B-B14F-4D97-AF65-F5344CB8AC3E}">
@@ -9255,34 +9150,6 @@
 <file path=ppt/slides/slide5.xml><?xml version="1.0" encoding="utf-8"?>
 <p:sld xmlns:a="http://schemas.openxmlformats.org/drawingml/2006/main" xmlns:r="http://schemas.openxmlformats.org/officeDocument/2006/relationships" xmlns:p="http://schemas.openxmlformats.org/presentationml/2006/main">
   <p:cSld>
-    <p:bg>
-      <p:bgPr>
-        <a:gradFill>
-          <a:gsLst>
-            <a:gs pos="0">
-              <a:schemeClr val="tx1"/>
-            </a:gs>
-            <a:gs pos="32000">
-              <a:schemeClr val="accent1"/>
-            </a:gs>
-            <a:gs pos="84000">
-              <a:schemeClr val="accent1">
-                <a:lumMod val="60000"/>
-                <a:lumOff val="40000"/>
-              </a:schemeClr>
-            </a:gs>
-            <a:gs pos="100000">
-              <a:schemeClr val="accent1">
-                <a:lumMod val="30000"/>
-                <a:lumOff val="70000"/>
-              </a:schemeClr>
-            </a:gs>
-          </a:gsLst>
-          <a:lin ang="2700000" scaled="1"/>
-        </a:gradFill>
-        <a:effectLst/>
-      </p:bgPr>
-    </p:bg>
     <p:spTree>
       <p:nvGrpSpPr>
         <p:cNvPr id="1" name=""/>
@@ -9403,6 +9270,36 @@
           </a:p>
         </p:txBody>
       </p:sp>
+      <p:pic>
+        <p:nvPicPr>
+          <p:cNvPr id="5" name="Image 4" descr="Une image contenant texte, capture d’écran, Police&#10;&#10;Description générée automatiquement">
+            <a:extLst>
+              <a:ext uri="{FF2B5EF4-FFF2-40B4-BE49-F238E27FC236}">
+                <a16:creationId xmlns:a16="http://schemas.microsoft.com/office/drawing/2014/main" id="{7B8E3DD3-C97B-1211-339B-0516E0B92050}"/>
+              </a:ext>
+            </a:extLst>
+          </p:cNvPr>
+          <p:cNvPicPr>
+            <a:picLocks noChangeAspect="1"/>
+          </p:cNvPicPr>
+          <p:nvPr/>
+        </p:nvPicPr>
+        <p:blipFill>
+          <a:blip r:embed="rId2"/>
+          <a:stretch>
+            <a:fillRect/>
+          </a:stretch>
+        </p:blipFill>
+        <p:spPr>
+          <a:xfrm>
+            <a:off x="6836449" y="797573"/>
+            <a:ext cx="4774358" cy="2952218"/>
+          </a:xfrm>
+          <a:prstGeom prst="rect">
+            <a:avLst/>
+          </a:prstGeom>
+        </p:spPr>
+      </p:pic>
     </p:spTree>
     <p:extLst>
       <p:ext uri="{BB962C8B-B14F-4D97-AF65-F5344CB8AC3E}">
@@ -9419,34 +9316,6 @@
 <file path=ppt/slides/slide6.xml><?xml version="1.0" encoding="utf-8"?>
 <p:sld xmlns:a="http://schemas.openxmlformats.org/drawingml/2006/main" xmlns:r="http://schemas.openxmlformats.org/officeDocument/2006/relationships" xmlns:p="http://schemas.openxmlformats.org/presentationml/2006/main">
   <p:cSld>
-    <p:bg>
-      <p:bgPr>
-        <a:gradFill>
-          <a:gsLst>
-            <a:gs pos="0">
-              <a:schemeClr val="tx1"/>
-            </a:gs>
-            <a:gs pos="32000">
-              <a:schemeClr val="accent1"/>
-            </a:gs>
-            <a:gs pos="84000">
-              <a:schemeClr val="accent1">
-                <a:lumMod val="60000"/>
-                <a:lumOff val="40000"/>
-              </a:schemeClr>
-            </a:gs>
-            <a:gs pos="100000">
-              <a:schemeClr val="accent1">
-                <a:lumMod val="30000"/>
-                <a:lumOff val="70000"/>
-              </a:schemeClr>
-            </a:gs>
-          </a:gsLst>
-          <a:lin ang="2700000" scaled="1"/>
-        </a:gradFill>
-        <a:effectLst/>
-      </p:bgPr>
-    </p:bg>
     <p:spTree>
       <p:nvGrpSpPr>
         <p:cNvPr id="1" name=""/>
@@ -9556,6 +9425,36 @@
           </a:p>
         </p:txBody>
       </p:sp>
+      <p:pic>
+        <p:nvPicPr>
+          <p:cNvPr id="5" name="Image 4">
+            <a:extLst>
+              <a:ext uri="{FF2B5EF4-FFF2-40B4-BE49-F238E27FC236}">
+                <a16:creationId xmlns:a16="http://schemas.microsoft.com/office/drawing/2014/main" id="{C19E55CA-2611-DE08-D673-E9881E8CEA93}"/>
+              </a:ext>
+            </a:extLst>
+          </p:cNvPr>
+          <p:cNvPicPr>
+            <a:picLocks noChangeAspect="1"/>
+          </p:cNvPicPr>
+          <p:nvPr/>
+        </p:nvPicPr>
+        <p:blipFill>
+          <a:blip r:embed="rId2"/>
+          <a:stretch>
+            <a:fillRect/>
+          </a:stretch>
+        </p:blipFill>
+        <p:spPr>
+          <a:xfrm>
+            <a:off x="7157940" y="2360560"/>
+            <a:ext cx="3885811" cy="3893490"/>
+          </a:xfrm>
+          <a:prstGeom prst="rect">
+            <a:avLst/>
+          </a:prstGeom>
+        </p:spPr>
+      </p:pic>
     </p:spTree>
     <p:extLst>
       <p:ext uri="{BB962C8B-B14F-4D97-AF65-F5344CB8AC3E}">
@@ -9572,34 +9471,6 @@
 <file path=ppt/slides/slide7.xml><?xml version="1.0" encoding="utf-8"?>
 <p:sld xmlns:a="http://schemas.openxmlformats.org/drawingml/2006/main" xmlns:r="http://schemas.openxmlformats.org/officeDocument/2006/relationships" xmlns:p="http://schemas.openxmlformats.org/presentationml/2006/main">
   <p:cSld>
-    <p:bg>
-      <p:bgPr>
-        <a:gradFill>
-          <a:gsLst>
-            <a:gs pos="0">
-              <a:schemeClr val="tx1"/>
-            </a:gs>
-            <a:gs pos="32000">
-              <a:schemeClr val="accent1"/>
-            </a:gs>
-            <a:gs pos="84000">
-              <a:schemeClr val="accent1">
-                <a:lumMod val="60000"/>
-                <a:lumOff val="40000"/>
-              </a:schemeClr>
-            </a:gs>
-            <a:gs pos="100000">
-              <a:schemeClr val="accent1">
-                <a:lumMod val="30000"/>
-                <a:lumOff val="70000"/>
-              </a:schemeClr>
-            </a:gs>
-          </a:gsLst>
-          <a:lin ang="2700000" scaled="0"/>
-        </a:gradFill>
-        <a:effectLst/>
-      </p:bgPr>
-    </p:bg>
     <p:spTree>
       <p:nvGrpSpPr>
         <p:cNvPr id="1" name=""/>
@@ -9851,34 +9722,6 @@
 <file path=ppt/slides/slide8.xml><?xml version="1.0" encoding="utf-8"?>
 <p:sld xmlns:a="http://schemas.openxmlformats.org/drawingml/2006/main" xmlns:r="http://schemas.openxmlformats.org/officeDocument/2006/relationships" xmlns:p="http://schemas.openxmlformats.org/presentationml/2006/main">
   <p:cSld>
-    <p:bg>
-      <p:bgPr>
-        <a:gradFill>
-          <a:gsLst>
-            <a:gs pos="0">
-              <a:schemeClr val="tx1"/>
-            </a:gs>
-            <a:gs pos="32000">
-              <a:schemeClr val="accent1"/>
-            </a:gs>
-            <a:gs pos="84000">
-              <a:schemeClr val="accent1">
-                <a:lumMod val="60000"/>
-                <a:lumOff val="40000"/>
-              </a:schemeClr>
-            </a:gs>
-            <a:gs pos="100000">
-              <a:schemeClr val="accent1">
-                <a:lumMod val="30000"/>
-                <a:lumOff val="70000"/>
-              </a:schemeClr>
-            </a:gs>
-          </a:gsLst>
-          <a:lin ang="2700000" scaled="0"/>
-        </a:gradFill>
-        <a:effectLst/>
-      </p:bgPr>
-    </p:bg>
     <p:spTree>
       <p:nvGrpSpPr>
         <p:cNvPr id="1" name=""/>
@@ -10106,34 +9949,6 @@
 <file path=ppt/slides/slide9.xml><?xml version="1.0" encoding="utf-8"?>
 <p:sld xmlns:a="http://schemas.openxmlformats.org/drawingml/2006/main" xmlns:r="http://schemas.openxmlformats.org/officeDocument/2006/relationships" xmlns:p="http://schemas.openxmlformats.org/presentationml/2006/main">
   <p:cSld>
-    <p:bg>
-      <p:bgPr>
-        <a:gradFill>
-          <a:gsLst>
-            <a:gs pos="0">
-              <a:schemeClr val="tx1"/>
-            </a:gs>
-            <a:gs pos="32000">
-              <a:schemeClr val="accent1"/>
-            </a:gs>
-            <a:gs pos="84000">
-              <a:schemeClr val="accent1">
-                <a:lumMod val="60000"/>
-                <a:lumOff val="40000"/>
-              </a:schemeClr>
-            </a:gs>
-            <a:gs pos="100000">
-              <a:schemeClr val="accent1">
-                <a:lumMod val="30000"/>
-                <a:lumOff val="70000"/>
-              </a:schemeClr>
-            </a:gs>
-          </a:gsLst>
-          <a:lin ang="2700000" scaled="0"/>
-        </a:gradFill>
-        <a:effectLst/>
-      </p:bgPr>
-    </p:bg>
     <p:spTree>
       <p:nvGrpSpPr>
         <p:cNvPr id="1" name=""/>

--- a/PresentationFinalePetitesPuces.pptx
+++ b/PresentationFinalePetitesPuces.pptx
@@ -9905,10 +9905,10 @@
       </p:sp>
       <p:pic>
         <p:nvPicPr>
-          <p:cNvPr id="5" name="Image 4">
+          <p:cNvPr id="6" name="Image 5">
             <a:extLst>
               <a:ext uri="{FF2B5EF4-FFF2-40B4-BE49-F238E27FC236}">
-                <a16:creationId xmlns:a16="http://schemas.microsoft.com/office/drawing/2014/main" id="{B640FDAD-8685-9E82-2891-102A782DCA8E}"/>
+                <a16:creationId xmlns:a16="http://schemas.microsoft.com/office/drawing/2014/main" id="{197605EA-D5D6-7B0F-68F3-8D7E1F4E956E}"/>
               </a:ext>
             </a:extLst>
           </p:cNvPr>
@@ -9925,8 +9925,8 @@
         </p:blipFill>
         <p:spPr>
           <a:xfrm>
-            <a:off x="4962526" y="2779848"/>
-            <a:ext cx="6867524" cy="3936436"/>
+            <a:off x="4221920" y="2701254"/>
+            <a:ext cx="7902968" cy="3913067"/>
           </a:xfrm>
           <a:prstGeom prst="rect">
             <a:avLst/>
